--- a/Documents/DOC_Database.pptx
+++ b/Documents/DOC_Database.pptx
@@ -4,19 +4,25 @@
   <p:sldMasterIdLst>
     <p:sldMasterId id="2147483648" r:id="rId1"/>
   </p:sldMasterIdLst>
+  <p:notesMasterIdLst>
+    <p:notesMasterId r:id="rId17"/>
+  </p:notesMasterIdLst>
   <p:sldIdLst>
     <p:sldId id="256" r:id="rId2"/>
-    <p:sldId id="257" r:id="rId3"/>
-    <p:sldId id="261" r:id="rId4"/>
-    <p:sldId id="259" r:id="rId5"/>
-    <p:sldId id="262" r:id="rId6"/>
-    <p:sldId id="263" r:id="rId7"/>
-    <p:sldId id="266" r:id="rId8"/>
-    <p:sldId id="267" r:id="rId9"/>
-    <p:sldId id="269" r:id="rId10"/>
-    <p:sldId id="268" r:id="rId11"/>
-    <p:sldId id="270" r:id="rId12"/>
-    <p:sldId id="271" r:id="rId13"/>
+    <p:sldId id="273" r:id="rId3"/>
+    <p:sldId id="257" r:id="rId4"/>
+    <p:sldId id="261" r:id="rId5"/>
+    <p:sldId id="259" r:id="rId6"/>
+    <p:sldId id="262" r:id="rId7"/>
+    <p:sldId id="263" r:id="rId8"/>
+    <p:sldId id="266" r:id="rId9"/>
+    <p:sldId id="267" r:id="rId10"/>
+    <p:sldId id="269" r:id="rId11"/>
+    <p:sldId id="268" r:id="rId12"/>
+    <p:sldId id="270" r:id="rId13"/>
+    <p:sldId id="271" r:id="rId14"/>
+    <p:sldId id="272" r:id="rId15"/>
+    <p:sldId id="274" r:id="rId16"/>
   </p:sldIdLst>
   <p:sldSz cx="12192000" cy="6858000"/>
   <p:notesSz cx="6858000" cy="9144000"/>
@@ -116,11 +122,554 @@
     </a:lvl9pPr>
   </p:defaultTextStyle>
   <p:extLst>
+    <p:ext uri="{521415D9-36F7-43E2-AB2F-B90AF26B5E84}">
+      <p14:sectionLst xmlns:p14="http://schemas.microsoft.com/office/powerpoint/2010/main">
+        <p14:section name="Default Section" id="{28EB58AA-EB76-4BD1-B510-147119806D5E}">
+          <p14:sldIdLst>
+            <p14:sldId id="256"/>
+            <p14:sldId id="273"/>
+            <p14:sldId id="257"/>
+            <p14:sldId id="261"/>
+            <p14:sldId id="259"/>
+            <p14:sldId id="262"/>
+            <p14:sldId id="263"/>
+            <p14:sldId id="266"/>
+            <p14:sldId id="267"/>
+            <p14:sldId id="269"/>
+            <p14:sldId id="268"/>
+            <p14:sldId id="270"/>
+            <p14:sldId id="271"/>
+            <p14:sldId id="272"/>
+            <p14:sldId id="274"/>
+          </p14:sldIdLst>
+        </p14:section>
+        <p14:section name="Untitled Section" id="{A6A3F49C-4434-40AF-97AF-898AC29BA2DC}">
+          <p14:sldIdLst/>
+        </p14:section>
+      </p14:sectionLst>
+    </p:ext>
     <p:ext uri="{EFAFB233-063F-42B5-8137-9DF3F51BA10A}">
       <p15:sldGuideLst xmlns:p15="http://schemas.microsoft.com/office/powerpoint/2012/main"/>
     </p:ext>
   </p:extLst>
 </p:presentation>
+</file>
+
+<file path=ppt/notesMasters/notesMaster1.xml><?xml version="1.0" encoding="utf-8"?>
+<p:notesMaster xmlns:a="http://schemas.openxmlformats.org/drawingml/2006/main" xmlns:r="http://schemas.openxmlformats.org/officeDocument/2006/relationships" xmlns:p="http://schemas.openxmlformats.org/presentationml/2006/main">
+  <p:cSld>
+    <p:bg>
+      <p:bgRef idx="1001">
+        <a:schemeClr val="bg1"/>
+      </p:bgRef>
+    </p:bg>
+    <p:spTree>
+      <p:nvGrpSpPr>
+        <p:cNvPr id="1" name=""/>
+        <p:cNvGrpSpPr/>
+        <p:nvPr/>
+      </p:nvGrpSpPr>
+      <p:grpSpPr>
+        <a:xfrm>
+          <a:off x="0" y="0"/>
+          <a:ext cx="0" cy="0"/>
+          <a:chOff x="0" y="0"/>
+          <a:chExt cx="0" cy="0"/>
+        </a:xfrm>
+      </p:grpSpPr>
+      <p:sp>
+        <p:nvSpPr>
+          <p:cNvPr id="2" name="Header Placeholder 1"/>
+          <p:cNvSpPr>
+            <a:spLocks noGrp="1"/>
+          </p:cNvSpPr>
+          <p:nvPr>
+            <p:ph type="hdr" sz="quarter"/>
+          </p:nvPr>
+        </p:nvSpPr>
+        <p:spPr>
+          <a:xfrm>
+            <a:off x="0" y="0"/>
+            <a:ext cx="2971800" cy="458788"/>
+          </a:xfrm>
+          <a:prstGeom prst="rect">
+            <a:avLst/>
+          </a:prstGeom>
+        </p:spPr>
+        <p:txBody>
+          <a:bodyPr vert="horz" lIns="91440" tIns="45720" rIns="91440" bIns="45720" rtlCol="0"/>
+          <a:lstStyle>
+            <a:lvl1pPr algn="l">
+              <a:defRPr sz="1200"/>
+            </a:lvl1pPr>
+          </a:lstStyle>
+          <a:p>
+            <a:endParaRPr lang="en-US"/>
+          </a:p>
+        </p:txBody>
+      </p:sp>
+      <p:sp>
+        <p:nvSpPr>
+          <p:cNvPr id="3" name="Date Placeholder 2"/>
+          <p:cNvSpPr>
+            <a:spLocks noGrp="1"/>
+          </p:cNvSpPr>
+          <p:nvPr>
+            <p:ph type="dt" idx="1"/>
+          </p:nvPr>
+        </p:nvSpPr>
+        <p:spPr>
+          <a:xfrm>
+            <a:off x="3884613" y="0"/>
+            <a:ext cx="2971800" cy="458788"/>
+          </a:xfrm>
+          <a:prstGeom prst="rect">
+            <a:avLst/>
+          </a:prstGeom>
+        </p:spPr>
+        <p:txBody>
+          <a:bodyPr vert="horz" lIns="91440" tIns="45720" rIns="91440" bIns="45720" rtlCol="0"/>
+          <a:lstStyle>
+            <a:lvl1pPr algn="r">
+              <a:defRPr sz="1200"/>
+            </a:lvl1pPr>
+          </a:lstStyle>
+          <a:p>
+            <a:fld id="{859B0E65-DE39-4317-8E77-CF222ACD1FDC}" type="datetimeFigureOut">
+              <a:rPr lang="en-US" smtClean="0"/>
+              <a:t>4/10/2023</a:t>
+            </a:fld>
+            <a:endParaRPr lang="en-US"/>
+          </a:p>
+        </p:txBody>
+      </p:sp>
+      <p:sp>
+        <p:nvSpPr>
+          <p:cNvPr id="4" name="Slide Image Placeholder 3"/>
+          <p:cNvSpPr>
+            <a:spLocks noGrp="1" noRot="1" noChangeAspect="1"/>
+          </p:cNvSpPr>
+          <p:nvPr>
+            <p:ph type="sldImg" idx="2"/>
+          </p:nvPr>
+        </p:nvSpPr>
+        <p:spPr>
+          <a:xfrm>
+            <a:off x="685800" y="1143000"/>
+            <a:ext cx="5486400" cy="3086100"/>
+          </a:xfrm>
+          <a:prstGeom prst="rect">
+            <a:avLst/>
+          </a:prstGeom>
+          <a:noFill/>
+          <a:ln w="12700">
+            <a:solidFill>
+              <a:prstClr val="black"/>
+            </a:solidFill>
+          </a:ln>
+        </p:spPr>
+        <p:txBody>
+          <a:bodyPr vert="horz" lIns="91440" tIns="45720" rIns="91440" bIns="45720" rtlCol="0" anchor="ctr"/>
+          <a:lstStyle/>
+          <a:p>
+            <a:endParaRPr lang="en-US"/>
+          </a:p>
+        </p:txBody>
+      </p:sp>
+      <p:sp>
+        <p:nvSpPr>
+          <p:cNvPr id="5" name="Notes Placeholder 4"/>
+          <p:cNvSpPr>
+            <a:spLocks noGrp="1"/>
+          </p:cNvSpPr>
+          <p:nvPr>
+            <p:ph type="body" sz="quarter" idx="3"/>
+          </p:nvPr>
+        </p:nvSpPr>
+        <p:spPr>
+          <a:xfrm>
+            <a:off x="685800" y="4400550"/>
+            <a:ext cx="5486400" cy="3600450"/>
+          </a:xfrm>
+          <a:prstGeom prst="rect">
+            <a:avLst/>
+          </a:prstGeom>
+        </p:spPr>
+        <p:txBody>
+          <a:bodyPr vert="horz" lIns="91440" tIns="45720" rIns="91440" bIns="45720" rtlCol="0"/>
+          <a:lstStyle/>
+          <a:p>
+            <a:pPr lvl="0"/>
+            <a:r>
+              <a:rPr lang="en-US"/>
+              <a:t>Click to edit Master text styles</a:t>
+            </a:r>
+          </a:p>
+          <a:p>
+            <a:pPr lvl="1"/>
+            <a:r>
+              <a:rPr lang="en-US"/>
+              <a:t>Second level</a:t>
+            </a:r>
+          </a:p>
+          <a:p>
+            <a:pPr lvl="2"/>
+            <a:r>
+              <a:rPr lang="en-US"/>
+              <a:t>Third level</a:t>
+            </a:r>
+          </a:p>
+          <a:p>
+            <a:pPr lvl="3"/>
+            <a:r>
+              <a:rPr lang="en-US"/>
+              <a:t>Fourth level</a:t>
+            </a:r>
+          </a:p>
+          <a:p>
+            <a:pPr lvl="4"/>
+            <a:r>
+              <a:rPr lang="en-US"/>
+              <a:t>Fifth level</a:t>
+            </a:r>
+          </a:p>
+        </p:txBody>
+      </p:sp>
+      <p:sp>
+        <p:nvSpPr>
+          <p:cNvPr id="6" name="Footer Placeholder 5"/>
+          <p:cNvSpPr>
+            <a:spLocks noGrp="1"/>
+          </p:cNvSpPr>
+          <p:nvPr>
+            <p:ph type="ftr" sz="quarter" idx="4"/>
+          </p:nvPr>
+        </p:nvSpPr>
+        <p:spPr>
+          <a:xfrm>
+            <a:off x="0" y="8685213"/>
+            <a:ext cx="2971800" cy="458787"/>
+          </a:xfrm>
+          <a:prstGeom prst="rect">
+            <a:avLst/>
+          </a:prstGeom>
+        </p:spPr>
+        <p:txBody>
+          <a:bodyPr vert="horz" lIns="91440" tIns="45720" rIns="91440" bIns="45720" rtlCol="0" anchor="b"/>
+          <a:lstStyle>
+            <a:lvl1pPr algn="l">
+              <a:defRPr sz="1200"/>
+            </a:lvl1pPr>
+          </a:lstStyle>
+          <a:p>
+            <a:endParaRPr lang="en-US"/>
+          </a:p>
+        </p:txBody>
+      </p:sp>
+      <p:sp>
+        <p:nvSpPr>
+          <p:cNvPr id="7" name="Slide Number Placeholder 6"/>
+          <p:cNvSpPr>
+            <a:spLocks noGrp="1"/>
+          </p:cNvSpPr>
+          <p:nvPr>
+            <p:ph type="sldNum" sz="quarter" idx="5"/>
+          </p:nvPr>
+        </p:nvSpPr>
+        <p:spPr>
+          <a:xfrm>
+            <a:off x="3884613" y="8685213"/>
+            <a:ext cx="2971800" cy="458787"/>
+          </a:xfrm>
+          <a:prstGeom prst="rect">
+            <a:avLst/>
+          </a:prstGeom>
+        </p:spPr>
+        <p:txBody>
+          <a:bodyPr vert="horz" lIns="91440" tIns="45720" rIns="91440" bIns="45720" rtlCol="0" anchor="b"/>
+          <a:lstStyle>
+            <a:lvl1pPr algn="r">
+              <a:defRPr sz="1200"/>
+            </a:lvl1pPr>
+          </a:lstStyle>
+          <a:p>
+            <a:fld id="{0ACFEAA4-0E0C-45EF-84E3-DE14606547F8}" type="slidenum">
+              <a:rPr lang="en-US" smtClean="0"/>
+              <a:t>‹#›</a:t>
+            </a:fld>
+            <a:endParaRPr lang="en-US"/>
+          </a:p>
+        </p:txBody>
+      </p:sp>
+    </p:spTree>
+    <p:extLst>
+      <p:ext uri="{BB962C8B-B14F-4D97-AF65-F5344CB8AC3E}">
+        <p14:creationId xmlns:p14="http://schemas.microsoft.com/office/powerpoint/2010/main" val="458838145"/>
+      </p:ext>
+    </p:extLst>
+  </p:cSld>
+  <p:clrMap bg1="lt1" tx1="dk1" bg2="lt2" tx2="dk2" accent1="accent1" accent2="accent2" accent3="accent3" accent4="accent4" accent5="accent5" accent6="accent6" hlink="hlink" folHlink="folHlink"/>
+  <p:notesStyle>
+    <a:lvl1pPr marL="0" algn="l" defTabSz="914400" rtl="0" eaLnBrk="1" latinLnBrk="0" hangingPunct="1">
+      <a:defRPr sz="1200" kern="1200">
+        <a:solidFill>
+          <a:schemeClr val="tx1"/>
+        </a:solidFill>
+        <a:latin typeface="+mn-lt"/>
+        <a:ea typeface="+mn-ea"/>
+        <a:cs typeface="+mn-cs"/>
+      </a:defRPr>
+    </a:lvl1pPr>
+    <a:lvl2pPr marL="457200" algn="l" defTabSz="914400" rtl="0" eaLnBrk="1" latinLnBrk="0" hangingPunct="1">
+      <a:defRPr sz="1200" kern="1200">
+        <a:solidFill>
+          <a:schemeClr val="tx1"/>
+        </a:solidFill>
+        <a:latin typeface="+mn-lt"/>
+        <a:ea typeface="+mn-ea"/>
+        <a:cs typeface="+mn-cs"/>
+      </a:defRPr>
+    </a:lvl2pPr>
+    <a:lvl3pPr marL="914400" algn="l" defTabSz="914400" rtl="0" eaLnBrk="1" latinLnBrk="0" hangingPunct="1">
+      <a:defRPr sz="1200" kern="1200">
+        <a:solidFill>
+          <a:schemeClr val="tx1"/>
+        </a:solidFill>
+        <a:latin typeface="+mn-lt"/>
+        <a:ea typeface="+mn-ea"/>
+        <a:cs typeface="+mn-cs"/>
+      </a:defRPr>
+    </a:lvl3pPr>
+    <a:lvl4pPr marL="1371600" algn="l" defTabSz="914400" rtl="0" eaLnBrk="1" latinLnBrk="0" hangingPunct="1">
+      <a:defRPr sz="1200" kern="1200">
+        <a:solidFill>
+          <a:schemeClr val="tx1"/>
+        </a:solidFill>
+        <a:latin typeface="+mn-lt"/>
+        <a:ea typeface="+mn-ea"/>
+        <a:cs typeface="+mn-cs"/>
+      </a:defRPr>
+    </a:lvl4pPr>
+    <a:lvl5pPr marL="1828800" algn="l" defTabSz="914400" rtl="0" eaLnBrk="1" latinLnBrk="0" hangingPunct="1">
+      <a:defRPr sz="1200" kern="1200">
+        <a:solidFill>
+          <a:schemeClr val="tx1"/>
+        </a:solidFill>
+        <a:latin typeface="+mn-lt"/>
+        <a:ea typeface="+mn-ea"/>
+        <a:cs typeface="+mn-cs"/>
+      </a:defRPr>
+    </a:lvl5pPr>
+    <a:lvl6pPr marL="2286000" algn="l" defTabSz="914400" rtl="0" eaLnBrk="1" latinLnBrk="0" hangingPunct="1">
+      <a:defRPr sz="1200" kern="1200">
+        <a:solidFill>
+          <a:schemeClr val="tx1"/>
+        </a:solidFill>
+        <a:latin typeface="+mn-lt"/>
+        <a:ea typeface="+mn-ea"/>
+        <a:cs typeface="+mn-cs"/>
+      </a:defRPr>
+    </a:lvl6pPr>
+    <a:lvl7pPr marL="2743200" algn="l" defTabSz="914400" rtl="0" eaLnBrk="1" latinLnBrk="0" hangingPunct="1">
+      <a:defRPr sz="1200" kern="1200">
+        <a:solidFill>
+          <a:schemeClr val="tx1"/>
+        </a:solidFill>
+        <a:latin typeface="+mn-lt"/>
+        <a:ea typeface="+mn-ea"/>
+        <a:cs typeface="+mn-cs"/>
+      </a:defRPr>
+    </a:lvl7pPr>
+    <a:lvl8pPr marL="3200400" algn="l" defTabSz="914400" rtl="0" eaLnBrk="1" latinLnBrk="0" hangingPunct="1">
+      <a:defRPr sz="1200" kern="1200">
+        <a:solidFill>
+          <a:schemeClr val="tx1"/>
+        </a:solidFill>
+        <a:latin typeface="+mn-lt"/>
+        <a:ea typeface="+mn-ea"/>
+        <a:cs typeface="+mn-cs"/>
+      </a:defRPr>
+    </a:lvl8pPr>
+    <a:lvl9pPr marL="3657600" algn="l" defTabSz="914400" rtl="0" eaLnBrk="1" latinLnBrk="0" hangingPunct="1">
+      <a:defRPr sz="1200" kern="1200">
+        <a:solidFill>
+          <a:schemeClr val="tx1"/>
+        </a:solidFill>
+        <a:latin typeface="+mn-lt"/>
+        <a:ea typeface="+mn-ea"/>
+        <a:cs typeface="+mn-cs"/>
+      </a:defRPr>
+    </a:lvl9pPr>
+  </p:notesStyle>
+</p:notesMaster>
+</file>
+
+<file path=ppt/notesSlides/notesSlide1.xml><?xml version="1.0" encoding="utf-8"?>
+<p:notes xmlns:a="http://schemas.openxmlformats.org/drawingml/2006/main" xmlns:r="http://schemas.openxmlformats.org/officeDocument/2006/relationships" xmlns:p="http://schemas.openxmlformats.org/presentationml/2006/main">
+  <p:cSld>
+    <p:spTree>
+      <p:nvGrpSpPr>
+        <p:cNvPr id="1" name=""/>
+        <p:cNvGrpSpPr/>
+        <p:nvPr/>
+      </p:nvGrpSpPr>
+      <p:grpSpPr>
+        <a:xfrm>
+          <a:off x="0" y="0"/>
+          <a:ext cx="0" cy="0"/>
+          <a:chOff x="0" y="0"/>
+          <a:chExt cx="0" cy="0"/>
+        </a:xfrm>
+      </p:grpSpPr>
+      <p:sp>
+        <p:nvSpPr>
+          <p:cNvPr id="2" name="Slide Image Placeholder 1"/>
+          <p:cNvSpPr>
+            <a:spLocks noGrp="1" noRot="1" noChangeAspect="1"/>
+          </p:cNvSpPr>
+          <p:nvPr>
+            <p:ph type="sldImg"/>
+          </p:nvPr>
+        </p:nvSpPr>
+        <p:spPr/>
+      </p:sp>
+      <p:sp>
+        <p:nvSpPr>
+          <p:cNvPr id="3" name="Notes Placeholder 2"/>
+          <p:cNvSpPr>
+            <a:spLocks noGrp="1"/>
+          </p:cNvSpPr>
+          <p:nvPr>
+            <p:ph type="body" idx="1"/>
+          </p:nvPr>
+        </p:nvSpPr>
+        <p:spPr/>
+        <p:txBody>
+          <a:bodyPr/>
+          <a:lstStyle/>
+          <a:p>
+            <a:endParaRPr lang="en-US" dirty="0"/>
+          </a:p>
+        </p:txBody>
+      </p:sp>
+      <p:sp>
+        <p:nvSpPr>
+          <p:cNvPr id="4" name="Slide Number Placeholder 3"/>
+          <p:cNvSpPr>
+            <a:spLocks noGrp="1"/>
+          </p:cNvSpPr>
+          <p:nvPr>
+            <p:ph type="sldNum" sz="quarter" idx="5"/>
+          </p:nvPr>
+        </p:nvSpPr>
+        <p:spPr/>
+        <p:txBody>
+          <a:bodyPr/>
+          <a:lstStyle/>
+          <a:p>
+            <a:fld id="{0ACFEAA4-0E0C-45EF-84E3-DE14606547F8}" type="slidenum">
+              <a:rPr lang="en-US" smtClean="0"/>
+              <a:t>2</a:t>
+            </a:fld>
+            <a:endParaRPr lang="en-US"/>
+          </a:p>
+        </p:txBody>
+      </p:sp>
+    </p:spTree>
+    <p:extLst>
+      <p:ext uri="{BB962C8B-B14F-4D97-AF65-F5344CB8AC3E}">
+        <p14:creationId xmlns:p14="http://schemas.microsoft.com/office/powerpoint/2010/main" val="4186508901"/>
+      </p:ext>
+    </p:extLst>
+  </p:cSld>
+  <p:clrMapOvr>
+    <a:masterClrMapping/>
+  </p:clrMapOvr>
+</p:notes>
+</file>
+
+<file path=ppt/notesSlides/notesSlide2.xml><?xml version="1.0" encoding="utf-8"?>
+<p:notes xmlns:a="http://schemas.openxmlformats.org/drawingml/2006/main" xmlns:r="http://schemas.openxmlformats.org/officeDocument/2006/relationships" xmlns:p="http://schemas.openxmlformats.org/presentationml/2006/main">
+  <p:cSld>
+    <p:spTree>
+      <p:nvGrpSpPr>
+        <p:cNvPr id="1" name=""/>
+        <p:cNvGrpSpPr/>
+        <p:nvPr/>
+      </p:nvGrpSpPr>
+      <p:grpSpPr>
+        <a:xfrm>
+          <a:off x="0" y="0"/>
+          <a:ext cx="0" cy="0"/>
+          <a:chOff x="0" y="0"/>
+          <a:chExt cx="0" cy="0"/>
+        </a:xfrm>
+      </p:grpSpPr>
+      <p:sp>
+        <p:nvSpPr>
+          <p:cNvPr id="2" name="Slide Image Placeholder 1"/>
+          <p:cNvSpPr>
+            <a:spLocks noGrp="1" noRot="1" noChangeAspect="1"/>
+          </p:cNvSpPr>
+          <p:nvPr>
+            <p:ph type="sldImg"/>
+          </p:nvPr>
+        </p:nvSpPr>
+        <p:spPr/>
+      </p:sp>
+      <p:sp>
+        <p:nvSpPr>
+          <p:cNvPr id="3" name="Notes Placeholder 2"/>
+          <p:cNvSpPr>
+            <a:spLocks noGrp="1"/>
+          </p:cNvSpPr>
+          <p:nvPr>
+            <p:ph type="body" idx="1"/>
+          </p:nvPr>
+        </p:nvSpPr>
+        <p:spPr/>
+        <p:txBody>
+          <a:bodyPr/>
+          <a:lstStyle/>
+          <a:p>
+            <a:endParaRPr lang="en-US" dirty="0"/>
+          </a:p>
+        </p:txBody>
+      </p:sp>
+      <p:sp>
+        <p:nvSpPr>
+          <p:cNvPr id="4" name="Slide Number Placeholder 3"/>
+          <p:cNvSpPr>
+            <a:spLocks noGrp="1"/>
+          </p:cNvSpPr>
+          <p:nvPr>
+            <p:ph type="sldNum" sz="quarter" idx="5"/>
+          </p:nvPr>
+        </p:nvSpPr>
+        <p:spPr/>
+        <p:txBody>
+          <a:bodyPr/>
+          <a:lstStyle/>
+          <a:p>
+            <a:fld id="{0ACFEAA4-0E0C-45EF-84E3-DE14606547F8}" type="slidenum">
+              <a:rPr lang="en-US" smtClean="0"/>
+              <a:t>14</a:t>
+            </a:fld>
+            <a:endParaRPr lang="en-US"/>
+          </a:p>
+        </p:txBody>
+      </p:sp>
+    </p:spTree>
+    <p:extLst>
+      <p:ext uri="{BB962C8B-B14F-4D97-AF65-F5344CB8AC3E}">
+        <p14:creationId xmlns:p14="http://schemas.microsoft.com/office/powerpoint/2010/main" val="2279979828"/>
+      </p:ext>
+    </p:extLst>
+  </p:cSld>
+  <p:clrMapOvr>
+    <a:masterClrMapping/>
+  </p:clrMapOvr>
+</p:notes>
 </file>
 
 <file path=ppt/slideLayouts/slideLayout1.xml><?xml version="1.0" encoding="utf-8"?>
@@ -270,7 +819,7 @@
           <a:p>
             <a:fld id="{BE988102-7643-40F8-87E5-573A4CD863DE}" type="datetimeFigureOut">
               <a:rPr lang="en-US" smtClean="0"/>
-              <a:t>2/21/2023</a:t>
+              <a:t>4/10/2023</a:t>
             </a:fld>
             <a:endParaRPr lang="en-US"/>
           </a:p>
@@ -468,7 +1017,7 @@
           <a:p>
             <a:fld id="{BE988102-7643-40F8-87E5-573A4CD863DE}" type="datetimeFigureOut">
               <a:rPr lang="en-US" smtClean="0"/>
-              <a:t>2/21/2023</a:t>
+              <a:t>4/10/2023</a:t>
             </a:fld>
             <a:endParaRPr lang="en-US"/>
           </a:p>
@@ -676,7 +1225,7 @@
           <a:p>
             <a:fld id="{BE988102-7643-40F8-87E5-573A4CD863DE}" type="datetimeFigureOut">
               <a:rPr lang="en-US" smtClean="0"/>
-              <a:t>2/21/2023</a:t>
+              <a:t>4/10/2023</a:t>
             </a:fld>
             <a:endParaRPr lang="en-US"/>
           </a:p>
@@ -874,7 +1423,7 @@
           <a:p>
             <a:fld id="{BE988102-7643-40F8-87E5-573A4CD863DE}" type="datetimeFigureOut">
               <a:rPr lang="en-US" smtClean="0"/>
-              <a:t>2/21/2023</a:t>
+              <a:t>4/10/2023</a:t>
             </a:fld>
             <a:endParaRPr lang="en-US"/>
           </a:p>
@@ -1149,7 +1698,7 @@
           <a:p>
             <a:fld id="{BE988102-7643-40F8-87E5-573A4CD863DE}" type="datetimeFigureOut">
               <a:rPr lang="en-US" smtClean="0"/>
-              <a:t>2/21/2023</a:t>
+              <a:t>4/10/2023</a:t>
             </a:fld>
             <a:endParaRPr lang="en-US"/>
           </a:p>
@@ -1414,7 +1963,7 @@
           <a:p>
             <a:fld id="{BE988102-7643-40F8-87E5-573A4CD863DE}" type="datetimeFigureOut">
               <a:rPr lang="en-US" smtClean="0"/>
-              <a:t>2/21/2023</a:t>
+              <a:t>4/10/2023</a:t>
             </a:fld>
             <a:endParaRPr lang="en-US"/>
           </a:p>
@@ -1826,7 +2375,7 @@
           <a:p>
             <a:fld id="{BE988102-7643-40F8-87E5-573A4CD863DE}" type="datetimeFigureOut">
               <a:rPr lang="en-US" smtClean="0"/>
-              <a:t>2/21/2023</a:t>
+              <a:t>4/10/2023</a:t>
             </a:fld>
             <a:endParaRPr lang="en-US"/>
           </a:p>
@@ -1967,7 +2516,7 @@
           <a:p>
             <a:fld id="{BE988102-7643-40F8-87E5-573A4CD863DE}" type="datetimeFigureOut">
               <a:rPr lang="en-US" smtClean="0"/>
-              <a:t>2/21/2023</a:t>
+              <a:t>4/10/2023</a:t>
             </a:fld>
             <a:endParaRPr lang="en-US"/>
           </a:p>
@@ -2080,7 +2629,7 @@
           <a:p>
             <a:fld id="{BE988102-7643-40F8-87E5-573A4CD863DE}" type="datetimeFigureOut">
               <a:rPr lang="en-US" smtClean="0"/>
-              <a:t>2/21/2023</a:t>
+              <a:t>4/10/2023</a:t>
             </a:fld>
             <a:endParaRPr lang="en-US"/>
           </a:p>
@@ -2391,7 +2940,7 @@
           <a:p>
             <a:fld id="{BE988102-7643-40F8-87E5-573A4CD863DE}" type="datetimeFigureOut">
               <a:rPr lang="en-US" smtClean="0"/>
-              <a:t>2/21/2023</a:t>
+              <a:t>4/10/2023</a:t>
             </a:fld>
             <a:endParaRPr lang="en-US"/>
           </a:p>
@@ -2679,7 +3228,7 @@
           <a:p>
             <a:fld id="{BE988102-7643-40F8-87E5-573A4CD863DE}" type="datetimeFigureOut">
               <a:rPr lang="en-US" smtClean="0"/>
-              <a:t>2/21/2023</a:t>
+              <a:t>4/10/2023</a:t>
             </a:fld>
             <a:endParaRPr lang="en-US"/>
           </a:p>
@@ -2920,7 +3469,7 @@
           <a:p>
             <a:fld id="{BE988102-7643-40F8-87E5-573A4CD863DE}" type="datetimeFigureOut">
               <a:rPr lang="en-US" smtClean="0"/>
-              <a:t>2/21/2023</a:t>
+              <a:t>4/10/2023</a:t>
             </a:fld>
             <a:endParaRPr lang="en-US"/>
           </a:p>
@@ -12946,7 +13495,7 @@
           <a:p>
             <a:r>
               <a:rPr lang="en-US" dirty="0"/>
-              <a:t>SQL Requests (7)</a:t>
+              <a:t>SQL Requests (8)</a:t>
             </a:r>
           </a:p>
         </p:txBody>
@@ -12989,7 +13538,7 @@
             </a:pPr>
             <a:r>
               <a:rPr lang="en-US" sz="2000" u="sng" dirty="0"/>
-              <a:t>OWN MEDIA</a:t>
+              <a:t>MEDIA</a:t>
             </a:r>
           </a:p>
           <a:p>
@@ -13013,7 +13562,7 @@
                   <a:srgbClr val="FF0000"/>
                 </a:solidFill>
               </a:rPr>
-              <a:t>OWN_MEDIA</a:t>
+              <a:t>MEDIA</a:t>
             </a:r>
             <a:br>
               <a:rPr lang="en-US" sz="1400" dirty="0"/>
@@ -13035,7 +13584,7 @@
                   <a:srgbClr val="FF0000"/>
                 </a:solidFill>
               </a:rPr>
-              <a:t>PostID</a:t>
+              <a:t>MediaID</a:t>
             </a:r>
             <a:r>
               <a:rPr lang="en-US" sz="1400" dirty="0"/>
@@ -13051,7 +13600,15 @@
             </a:r>
             <a:r>
               <a:rPr lang="en-US" sz="1400" dirty="0"/>
-              <a:t>,</a:t>
+              <a:t>  DEFAULT ‘</a:t>
+            </a:r>
+            <a:r>
+              <a:rPr lang="en-US" sz="1400" dirty="0" err="1"/>
+              <a:t>NaM</a:t>
+            </a:r>
+            <a:r>
+              <a:rPr lang="en-US" sz="1400" dirty="0"/>
+              <a:t>’,</a:t>
             </a:r>
             <a:br>
               <a:rPr lang="en-US" sz="1400" dirty="0"/>
@@ -13061,16 +13618,16 @@
               <a:t>	</a:t>
             </a:r>
             <a:r>
-              <a:rPr lang="en-US" sz="1400" dirty="0" err="1">
+              <a:rPr lang="en-US" sz="1400" dirty="0">
                 <a:solidFill>
                   <a:srgbClr val="FF0000"/>
                 </a:solidFill>
               </a:rPr>
-              <a:t>MediaID</a:t>
-            </a:r>
-            <a:r>
-              <a:rPr lang="en-US" sz="1400" dirty="0"/>
-              <a:t> VARCHAR(50) </a:t>
+              <a:t>Path</a:t>
+            </a:r>
+            <a:r>
+              <a:rPr lang="en-US" sz="1400" dirty="0"/>
+              <a:t> VARCHAR(256) </a:t>
             </a:r>
             <a:r>
               <a:rPr lang="en-US" sz="1400" dirty="0">
@@ -13082,22 +13639,60 @@
             </a:r>
             <a:r>
               <a:rPr lang="en-US" sz="1400" dirty="0"/>
-              <a:t>,</a:t>
-            </a:r>
-            <a:br>
-              <a:rPr lang="en-US" sz="1400" dirty="0"/>
-            </a:br>
+              <a:t>  DEFAULT ‘’,</a:t>
+            </a:r>
+            <a:br>
+              <a:rPr lang="en-US" sz="1400" dirty="0"/>
+            </a:br>
+            <a:r>
+              <a:rPr lang="en-US" sz="1400" dirty="0"/>
+              <a:t>	</a:t>
+            </a:r>
             <a:r>
               <a:rPr lang="en-US" sz="1400" dirty="0">
                 <a:solidFill>
                   <a:srgbClr val="FF0000"/>
                 </a:solidFill>
               </a:rPr>
-              <a:t>	</a:t>
-            </a:r>
-            <a:r>
-              <a:rPr lang="en-US" sz="1400" dirty="0"/>
-              <a:t>FOREIGN KEY(</a:t>
+              <a:t>Type</a:t>
+            </a:r>
+            <a:r>
+              <a:rPr lang="en-US" sz="1400" dirty="0"/>
+              <a:t> VARCHAR(50) </a:t>
+            </a:r>
+            <a:r>
+              <a:rPr lang="en-US" sz="1400" dirty="0">
+                <a:solidFill>
+                  <a:schemeClr val="accent1"/>
+                </a:solidFill>
+              </a:rPr>
+              <a:t>NOT NULL</a:t>
+            </a:r>
+            <a:r>
+              <a:rPr lang="en-US" sz="1400" dirty="0"/>
+              <a:t>  DEFAULT ‘jpg’,</a:t>
+            </a:r>
+            <a:br>
+              <a:rPr lang="en-US" sz="1400" dirty="0"/>
+            </a:br>
+            <a:r>
+              <a:rPr lang="en-US" sz="1400" dirty="0"/>
+              <a:t>	PRIMARY KEY(</a:t>
+            </a:r>
+            <a:r>
+              <a:rPr lang="en-US" sz="1400" dirty="0" err="1"/>
+              <a:t>MediaID</a:t>
+            </a:r>
+            <a:r>
+              <a:rPr lang="en-US" sz="1400" dirty="0"/>
+              <a:t>),</a:t>
+            </a:r>
+            <a:br>
+              <a:rPr lang="en-US" sz="1400" dirty="0"/>
+            </a:br>
+            <a:r>
+              <a:rPr lang="en-US" sz="1400" dirty="0"/>
+              <a:t>	FOREIGN KEY(</a:t>
             </a:r>
             <a:r>
               <a:rPr lang="en-US" sz="1400" dirty="0" err="1"/>
@@ -13110,29 +13705,6 @@
             <a:r>
               <a:rPr lang="en-US" sz="1400" dirty="0" err="1"/>
               <a:t>PostID</a:t>
-            </a:r>
-            <a:r>
-              <a:rPr lang="en-US" sz="1400" dirty="0"/>
-              <a:t>),</a:t>
-            </a:r>
-            <a:br>
-              <a:rPr lang="en-US" sz="1400" dirty="0"/>
-            </a:br>
-            <a:r>
-              <a:rPr lang="en-US" sz="1400" dirty="0"/>
-              <a:t>	FOREIGN KEY(</a:t>
-            </a:r>
-            <a:r>
-              <a:rPr lang="en-US" sz="1400" dirty="0" err="1"/>
-              <a:t>MediaID</a:t>
-            </a:r>
-            <a:r>
-              <a:rPr lang="en-US" sz="1400" dirty="0"/>
-              <a:t>) REFERENCES MEDIA(</a:t>
-            </a:r>
-            <a:r>
-              <a:rPr lang="en-US" sz="1400" dirty="0" err="1"/>
-              <a:t>MediaID</a:t>
             </a:r>
             <a:r>
               <a:rPr lang="en-US" sz="1400" dirty="0"/>
@@ -13164,7 +13736,7 @@
         <p:spPr>
           <a:xfrm>
             <a:off x="9608878" y="1420893"/>
-            <a:ext cx="2344998" cy="938719"/>
+            <a:ext cx="2344998" cy="1015663"/>
           </a:xfrm>
           <a:prstGeom prst="rect">
             <a:avLst/>
@@ -13182,6 +13754,14 @@
           </a:bodyPr>
           <a:lstStyle/>
           <a:p>
+            <a:r>
+              <a:rPr lang="en-US" sz="1600" dirty="0" err="1"/>
+              <a:t>NaP</a:t>
+            </a:r>
+            <a:r>
+              <a:rPr lang="en-US" sz="1600" dirty="0"/>
+              <a:t> : Not a Media</a:t>
+            </a:r>
             <a:br>
               <a:rPr lang="en-US" sz="1100" dirty="0"/>
             </a:br>
@@ -13406,15 +13986,7 @@
             </a:br>
             <a:r>
               <a:rPr lang="en-US" sz="1300" dirty="0"/>
-              <a:t>INSERT INTO OWN_MEDIA (</a:t>
-            </a:r>
-            <a:r>
-              <a:rPr lang="en-US" sz="1300" dirty="0" err="1"/>
-              <a:t>PostID</a:t>
-            </a:r>
-            <a:r>
-              <a:rPr lang="en-US" sz="1300" dirty="0"/>
-              <a:t>, </a:t>
+              <a:t>INSERT INTO MEDIA (</a:t>
             </a:r>
             <a:r>
               <a:rPr lang="en-US" sz="1300" dirty="0" err="1"/>
@@ -13422,7 +13994,7 @@
             </a:r>
             <a:r>
               <a:rPr lang="en-US" sz="1300" dirty="0"/>
-              <a:t>)</a:t>
+              <a:t>, Path, Type)</a:t>
             </a:r>
             <a:br>
               <a:rPr lang="en-US" sz="1300" dirty="0"/>
@@ -13436,14 +14008,14 @@
             </a:br>
             <a:r>
               <a:rPr lang="en-US" sz="1300" dirty="0"/>
-              <a:t>	(‘P1’,’M1’)</a:t>
+              <a:t>	(‘M1’,‘./test’, ‘image’)</a:t>
             </a:r>
             <a:br>
               <a:rPr lang="en-US" sz="1300" dirty="0"/>
             </a:br>
             <a:r>
               <a:rPr lang="en-US" sz="1300" dirty="0"/>
-              <a:t>)</a:t>
+              <a:t>) </a:t>
             </a:r>
             <a:br>
               <a:rPr lang="en-US" sz="1400" u="sng" dirty="0"/>
@@ -13455,7 +14027,7 @@
     </p:spTree>
     <p:extLst>
       <p:ext uri="{BB962C8B-B14F-4D97-AF65-F5344CB8AC3E}">
-        <p14:creationId xmlns:p14="http://schemas.microsoft.com/office/powerpoint/2010/main" val="3182038498"/>
+        <p14:creationId xmlns:p14="http://schemas.microsoft.com/office/powerpoint/2010/main" val="2356148919"/>
       </p:ext>
     </p:extLst>
   </p:cSld>
@@ -13512,7 +14084,7 @@
           <a:p>
             <a:r>
               <a:rPr lang="en-US" dirty="0"/>
-              <a:t>SQL Requests (9)</a:t>
+              <a:t>SQL Requests (7)</a:t>
             </a:r>
           </a:p>
         </p:txBody>
@@ -13555,7 +14127,7 @@
             </a:pPr>
             <a:r>
               <a:rPr lang="en-US" sz="2000" u="sng" dirty="0"/>
-              <a:t>CONVERSATION</a:t>
+              <a:t>OWN MEDIA</a:t>
             </a:r>
           </a:p>
           <a:p>
@@ -13579,7 +14151,7 @@
                   <a:srgbClr val="FF0000"/>
                 </a:solidFill>
               </a:rPr>
-              <a:t>CONVERSATION</a:t>
+              <a:t>OWN_MEDIA</a:t>
             </a:r>
             <a:br>
               <a:rPr lang="en-US" sz="1400" dirty="0"/>
@@ -13601,7 +14173,7 @@
                   <a:srgbClr val="FF0000"/>
                 </a:solidFill>
               </a:rPr>
-              <a:t>ConversationID</a:t>
+              <a:t>PostID</a:t>
             </a:r>
             <a:r>
               <a:rPr lang="en-US" sz="1400" dirty="0"/>
@@ -13617,15 +14189,7 @@
             </a:r>
             <a:r>
               <a:rPr lang="en-US" sz="1400" dirty="0"/>
-              <a:t>  DEFAULT ‘</a:t>
-            </a:r>
-            <a:r>
-              <a:rPr lang="en-US" sz="1400" dirty="0" err="1"/>
-              <a:t>NaCV</a:t>
-            </a:r>
-            <a:r>
-              <a:rPr lang="en-US" sz="1400" dirty="0"/>
-              <a:t>’,</a:t>
+              <a:t>,</a:t>
             </a:r>
             <a:br>
               <a:rPr lang="en-US" sz="1400" dirty="0"/>
@@ -13640,19 +14204,11 @@
                   <a:srgbClr val="FF0000"/>
                 </a:solidFill>
               </a:rPr>
-              <a:t>SenderID</a:t>
-            </a:r>
-            <a:r>
-              <a:rPr lang="en-US" sz="1400" dirty="0">
-                <a:solidFill>
-                  <a:srgbClr val="FF0000"/>
-                </a:solidFill>
-              </a:rPr>
-              <a:t> </a:t>
-            </a:r>
-            <a:r>
-              <a:rPr lang="en-US" sz="1400" dirty="0"/>
-              <a:t>VARCHAR(50) </a:t>
+              <a:t>MediaID</a:t>
+            </a:r>
+            <a:r>
+              <a:rPr lang="en-US" sz="1400" dirty="0"/>
+              <a:t> VARCHAR(50) </a:t>
             </a:r>
             <a:r>
               <a:rPr lang="en-US" sz="1400" dirty="0">
@@ -13670,198 +14226,28 @@
               <a:rPr lang="en-US" sz="1400" dirty="0"/>
             </a:br>
             <a:r>
-              <a:rPr lang="en-US" sz="1400" dirty="0"/>
+              <a:rPr lang="en-US" sz="1400" dirty="0">
+                <a:solidFill>
+                  <a:srgbClr val="FF0000"/>
+                </a:solidFill>
+              </a:rPr>
               <a:t>	</a:t>
             </a:r>
             <a:r>
-              <a:rPr lang="en-US" sz="1400" dirty="0" err="1">
-                <a:solidFill>
-                  <a:srgbClr val="FF0000"/>
-                </a:solidFill>
-              </a:rPr>
-              <a:t>ReceiverID</a:t>
-            </a:r>
-            <a:r>
-              <a:rPr lang="en-US" sz="1400" dirty="0">
-                <a:solidFill>
-                  <a:srgbClr val="FF0000"/>
-                </a:solidFill>
-              </a:rPr>
-              <a:t> </a:t>
-            </a:r>
-            <a:r>
-              <a:rPr lang="en-US" sz="1400" dirty="0"/>
-              <a:t>VARCHAR(50) </a:t>
-            </a:r>
-            <a:r>
-              <a:rPr lang="en-US" sz="1400" dirty="0">
-                <a:solidFill>
-                  <a:schemeClr val="accent1"/>
-                </a:solidFill>
-              </a:rPr>
-              <a:t>NOT NUL,</a:t>
-            </a:r>
-            <a:br>
-              <a:rPr lang="en-US" sz="1400" dirty="0"/>
-            </a:br>
-            <a:r>
-              <a:rPr lang="en-US" sz="1400" dirty="0"/>
-              <a:t>	</a:t>
-            </a:r>
-            <a:r>
-              <a:rPr lang="en-US" sz="1400" dirty="0">
-                <a:solidFill>
-                  <a:srgbClr val="FF0000"/>
-                </a:solidFill>
-              </a:rPr>
-              <a:t>Content </a:t>
-            </a:r>
-            <a:r>
-              <a:rPr lang="en-US" sz="1400" dirty="0"/>
-              <a:t>VARCHAR(2048) </a:t>
-            </a:r>
-            <a:r>
-              <a:rPr lang="en-US" sz="1400" dirty="0">
-                <a:solidFill>
-                  <a:schemeClr val="accent1"/>
-                </a:solidFill>
-              </a:rPr>
-              <a:t>NOT NULL</a:t>
-            </a:r>
-            <a:r>
-              <a:rPr lang="en-US" sz="1400" dirty="0"/>
-              <a:t> DEFAULT ‘’ ,</a:t>
-            </a:r>
-            <a:br>
-              <a:rPr lang="en-US" sz="1400" dirty="0"/>
-            </a:br>
-            <a:r>
-              <a:rPr lang="en-US" sz="1400" dirty="0"/>
-              <a:t>	</a:t>
-            </a:r>
-            <a:r>
-              <a:rPr lang="en-US" sz="1400" dirty="0" err="1">
-                <a:solidFill>
-                  <a:srgbClr val="FF0000"/>
-                </a:solidFill>
-              </a:rPr>
-              <a:t>MediaID</a:t>
-            </a:r>
-            <a:r>
-              <a:rPr lang="en-US" sz="1400" dirty="0"/>
-              <a:t> VARCHAR(50) </a:t>
-            </a:r>
-            <a:r>
-              <a:rPr lang="en-US" sz="1400" dirty="0">
-                <a:solidFill>
-                  <a:schemeClr val="accent1"/>
-                </a:solidFill>
-              </a:rPr>
-              <a:t>NOT NULL</a:t>
-            </a:r>
-            <a:r>
-              <a:rPr lang="en-US" sz="1400" dirty="0"/>
-              <a:t>,</a:t>
-            </a:r>
-            <a:br>
-              <a:rPr lang="en-US" sz="1400" dirty="0"/>
-            </a:br>
-            <a:r>
-              <a:rPr lang="en-US" sz="1400" dirty="0"/>
-              <a:t>	</a:t>
-            </a:r>
-            <a:r>
-              <a:rPr lang="en-US" sz="1400" dirty="0" err="1">
-                <a:solidFill>
-                  <a:srgbClr val="FF0000"/>
-                </a:solidFill>
-              </a:rPr>
-              <a:t>Posted</a:t>
+              <a:rPr lang="en-US" sz="1400" dirty="0"/>
+              <a:t>FOREIGN KEY(</a:t>
             </a:r>
             <a:r>
               <a:rPr lang="en-US" sz="1400" dirty="0" err="1"/>
-              <a:t>_</a:t>
-            </a:r>
-            <a:r>
-              <a:rPr lang="en-US" sz="1400" dirty="0" err="1">
-                <a:solidFill>
-                  <a:srgbClr val="FF0000"/>
-                </a:solidFill>
-              </a:rPr>
-              <a:t>DateTime</a:t>
-            </a:r>
-            <a:r>
-              <a:rPr lang="en-US" sz="1400" dirty="0"/>
-              <a:t>  DATETIME </a:t>
-            </a:r>
-            <a:r>
-              <a:rPr lang="en-US" sz="1400" dirty="0">
-                <a:solidFill>
-                  <a:schemeClr val="accent1"/>
-                </a:solidFill>
-              </a:rPr>
-              <a:t>NOT NULL </a:t>
-            </a:r>
-            <a:r>
-              <a:rPr lang="en-US" sz="1400" dirty="0"/>
-              <a:t>DEFAULT NOW(),</a:t>
-            </a:r>
-            <a:br>
-              <a:rPr lang="en-US" sz="1400" dirty="0"/>
-            </a:br>
-            <a:r>
-              <a:rPr lang="en-US" sz="1400" dirty="0"/>
-              <a:t>	PRIMARY KEY(</a:t>
+              <a:t>PostID</a:t>
+            </a:r>
+            <a:r>
+              <a:rPr lang="en-US" sz="1400" dirty="0"/>
+              <a:t>) REFERENCES POST(</a:t>
             </a:r>
             <a:r>
               <a:rPr lang="en-US" sz="1400" dirty="0" err="1"/>
-              <a:t>ConversationID</a:t>
-            </a:r>
-            <a:r>
-              <a:rPr lang="en-US" sz="1400" dirty="0"/>
-              <a:t>),</a:t>
-            </a:r>
-            <a:br>
-              <a:rPr lang="en-US" sz="1400" dirty="0"/>
-            </a:br>
-            <a:r>
-              <a:rPr lang="en-US" sz="1400" dirty="0"/>
-              <a:t>	FOREIGN KEY(</a:t>
-            </a:r>
-            <a:r>
-              <a:rPr lang="en-US" sz="1400" dirty="0" err="1"/>
-              <a:t>SenderID</a:t>
-            </a:r>
-            <a:r>
-              <a:rPr lang="en-US" sz="1400" dirty="0"/>
-              <a:t>) REFERENCES USER(</a:t>
-            </a:r>
-            <a:r>
-              <a:rPr lang="en-US" sz="1400" dirty="0" err="1"/>
-              <a:t>UserID</a:t>
-            </a:r>
-            <a:r>
-              <a:rPr lang="en-US" sz="1400" dirty="0"/>
-              <a:t>),</a:t>
-            </a:r>
-            <a:br>
-              <a:rPr lang="en-US" sz="1400" dirty="0"/>
-            </a:br>
-            <a:r>
-              <a:rPr lang="en-US" sz="1400" dirty="0"/>
-              <a:t>	FOREIGN KEY(</a:t>
-            </a:r>
-            <a:r>
-              <a:rPr lang="en-US" sz="1400" dirty="0" err="1"/>
-              <a:t>ReceiverID</a:t>
-            </a:r>
-            <a:r>
-              <a:rPr lang="en-US" sz="1400" dirty="0"/>
-              <a:t>) REFERENCES USER(</a:t>
-            </a:r>
-            <a:r>
-              <a:rPr lang="en-US" sz="1400" dirty="0" err="1"/>
-              <a:t>UserID</a:t>
+              <a:t>PostID</a:t>
             </a:r>
             <a:r>
               <a:rPr lang="en-US" sz="1400" dirty="0"/>
@@ -13916,7 +14302,7 @@
         <p:spPr>
           <a:xfrm>
             <a:off x="9608878" y="1420893"/>
-            <a:ext cx="2344998" cy="1015663"/>
+            <a:ext cx="2344998" cy="938719"/>
           </a:xfrm>
           <a:prstGeom prst="rect">
             <a:avLst/>
@@ -13934,16 +14320,9 @@
           </a:bodyPr>
           <a:lstStyle/>
           <a:p>
-            <a:r>
-              <a:rPr lang="en-US" sz="1600" dirty="0" err="1"/>
-              <a:t>NaCV</a:t>
-            </a:r>
-            <a:r>
-              <a:rPr lang="en-US" sz="1600" dirty="0"/>
-              <a:t> : Not a Conv</a:t>
-            </a:r>
-          </a:p>
-          <a:p>
+            <a:br>
+              <a:rPr lang="en-US" sz="1100" dirty="0"/>
+            </a:br>
             <a:br>
               <a:rPr lang="en-US" sz="1100" dirty="0"/>
             </a:br>
@@ -14165,11 +14544,11 @@
             </a:br>
             <a:r>
               <a:rPr lang="en-US" sz="1300" dirty="0"/>
-              <a:t>INSERT INTO CONVERSATION (</a:t>
+              <a:t>INSERT INTO OWN_MEDIA (</a:t>
             </a:r>
             <a:r>
               <a:rPr lang="en-US" sz="1300" dirty="0" err="1"/>
-              <a:t>ConversationID</a:t>
+              <a:t>PostID</a:t>
             </a:r>
             <a:r>
               <a:rPr lang="en-US" sz="1300" dirty="0"/>
@@ -14177,31 +14556,7 @@
             </a:r>
             <a:r>
               <a:rPr lang="en-US" sz="1300" dirty="0" err="1"/>
-              <a:t>SenderID</a:t>
-            </a:r>
-            <a:r>
-              <a:rPr lang="en-US" sz="1300" dirty="0"/>
-              <a:t>, </a:t>
-            </a:r>
-            <a:r>
-              <a:rPr lang="en-US" sz="1300" dirty="0" err="1"/>
-              <a:t>ReceiverID</a:t>
-            </a:r>
-            <a:r>
-              <a:rPr lang="en-US" sz="1300" dirty="0"/>
-              <a:t>, Content, </a:t>
-            </a:r>
-            <a:r>
-              <a:rPr lang="en-US" sz="1300" dirty="0" err="1"/>
               <a:t>MediaID</a:t>
-            </a:r>
-            <a:r>
-              <a:rPr lang="en-US" sz="1300" dirty="0"/>
-              <a:t>, </a:t>
-            </a:r>
-            <a:r>
-              <a:rPr lang="en-US" sz="1300" dirty="0" err="1"/>
-              <a:t>Posted_DateTime</a:t>
             </a:r>
             <a:r>
               <a:rPr lang="en-US" sz="1300" dirty="0"/>
@@ -14210,15 +14565,23 @@
             <a:br>
               <a:rPr lang="en-US" sz="1300" dirty="0"/>
             </a:br>
-            <a:endParaRPr lang="en-US" sz="1300" dirty="0"/>
-          </a:p>
-          <a:p>
-            <a:pPr marL="0" indent="0">
-              <a:buNone/>
-            </a:pPr>
             <a:r>
               <a:rPr lang="en-US" sz="1300" dirty="0"/>
-              <a:t>VALUES(‘CV1’, ‘U1’, ‘U2’, ‘Conv entre U1 et U2’, ‘M5’, ‘2022-06-01’)</a:t>
+              <a:t>VALUES(</a:t>
+            </a:r>
+            <a:br>
+              <a:rPr lang="en-US" sz="1300" dirty="0"/>
+            </a:br>
+            <a:r>
+              <a:rPr lang="en-US" sz="1300" dirty="0"/>
+              <a:t>	(‘P1’,’M1’)</a:t>
+            </a:r>
+            <a:br>
+              <a:rPr lang="en-US" sz="1300" dirty="0"/>
+            </a:br>
+            <a:r>
+              <a:rPr lang="en-US" sz="1300" dirty="0"/>
+              <a:t>)</a:t>
             </a:r>
             <a:br>
               <a:rPr lang="en-US" sz="1400" u="sng" dirty="0"/>
@@ -14230,7 +14593,7 @@
     </p:spTree>
     <p:extLst>
       <p:ext uri="{BB962C8B-B14F-4D97-AF65-F5344CB8AC3E}">
-        <p14:creationId xmlns:p14="http://schemas.microsoft.com/office/powerpoint/2010/main" val="705770035"/>
+        <p14:creationId xmlns:p14="http://schemas.microsoft.com/office/powerpoint/2010/main" val="3182038498"/>
       </p:ext>
     </p:extLst>
   </p:cSld>
@@ -14275,8 +14638,8 @@
         </p:nvSpPr>
         <p:spPr>
           <a:xfrm>
-            <a:off x="4238624" y="131763"/>
-            <a:ext cx="4084281" cy="615949"/>
+            <a:off x="4238625" y="131763"/>
+            <a:ext cx="3714750" cy="615949"/>
           </a:xfrm>
         </p:spPr>
         <p:txBody>
@@ -14287,7 +14650,7 @@
           <a:p>
             <a:r>
               <a:rPr lang="en-US" dirty="0"/>
-              <a:t>SQL Requests (10)</a:t>
+              <a:t>SQL Requests (9)</a:t>
             </a:r>
           </a:p>
         </p:txBody>
@@ -14330,7 +14693,7 @@
             </a:pPr>
             <a:r>
               <a:rPr lang="en-US" sz="2000" u="sng" dirty="0"/>
-              <a:t>PASSWORD</a:t>
+              <a:t>CONVERSATION</a:t>
             </a:r>
           </a:p>
           <a:p>
@@ -14354,7 +14717,7 @@
                   <a:srgbClr val="FF0000"/>
                 </a:solidFill>
               </a:rPr>
-              <a:t>PASSWORD</a:t>
+              <a:t>CONVERSATION</a:t>
             </a:r>
             <a:br>
               <a:rPr lang="en-US" sz="1400" dirty="0"/>
@@ -14376,7 +14739,7 @@
                   <a:srgbClr val="FF0000"/>
                 </a:solidFill>
               </a:rPr>
-              <a:t>UserID</a:t>
+              <a:t>ConversationID</a:t>
             </a:r>
             <a:r>
               <a:rPr lang="en-US" sz="1400" dirty="0"/>
@@ -14392,7 +14755,15 @@
             </a:r>
             <a:r>
               <a:rPr lang="en-US" sz="1400" dirty="0"/>
-              <a:t>,</a:t>
+              <a:t>  DEFAULT ‘</a:t>
+            </a:r>
+            <a:r>
+              <a:rPr lang="en-US" sz="1400" dirty="0" err="1"/>
+              <a:t>NaCV</a:t>
+            </a:r>
+            <a:r>
+              <a:rPr lang="en-US" sz="1400" dirty="0"/>
+              <a:t>’,</a:t>
             </a:r>
             <a:br>
               <a:rPr lang="en-US" sz="1400" dirty="0"/>
@@ -14407,7 +14778,7 @@
                   <a:srgbClr val="FF0000"/>
                 </a:solidFill>
               </a:rPr>
-              <a:t>EncrPwd</a:t>
+              <a:t>SenderID</a:t>
             </a:r>
             <a:r>
               <a:rPr lang="en-US" sz="1400" dirty="0">
@@ -14419,7 +14790,7 @@
             </a:r>
             <a:r>
               <a:rPr lang="en-US" sz="1400" dirty="0"/>
-              <a:t>VARCHAR(256) </a:t>
+              <a:t>VARCHAR(50) </a:t>
             </a:r>
             <a:r>
               <a:rPr lang="en-US" sz="1400" dirty="0">
@@ -14431,22 +14802,177 @@
             </a:r>
             <a:r>
               <a:rPr lang="en-US" sz="1400" dirty="0"/>
-              <a:t>  DEFAULT ‘’,</a:t>
-            </a:r>
-            <a:br>
-              <a:rPr lang="en-US" sz="1400" dirty="0"/>
-            </a:br>
+              <a:t>,</a:t>
+            </a:r>
+            <a:br>
+              <a:rPr lang="en-US" sz="1400" dirty="0"/>
+            </a:br>
+            <a:r>
+              <a:rPr lang="en-US" sz="1400" dirty="0"/>
+              <a:t>	</a:t>
+            </a:r>
+            <a:r>
+              <a:rPr lang="en-US" sz="1400" dirty="0" err="1">
+                <a:solidFill>
+                  <a:srgbClr val="FF0000"/>
+                </a:solidFill>
+              </a:rPr>
+              <a:t>ReceiverID</a:t>
+            </a:r>
             <a:r>
               <a:rPr lang="en-US" sz="1400" dirty="0">
                 <a:solidFill>
                   <a:srgbClr val="FF0000"/>
                 </a:solidFill>
               </a:rPr>
+              <a:t> </a:t>
+            </a:r>
+            <a:r>
+              <a:rPr lang="en-US" sz="1400" dirty="0"/>
+              <a:t>VARCHAR(50) </a:t>
+            </a:r>
+            <a:r>
+              <a:rPr lang="en-US" sz="1400" dirty="0">
+                <a:solidFill>
+                  <a:schemeClr val="accent1"/>
+                </a:solidFill>
+              </a:rPr>
+              <a:t>NOT NUL,</a:t>
+            </a:r>
+            <a:br>
+              <a:rPr lang="en-US" sz="1400" dirty="0"/>
+            </a:br>
+            <a:r>
+              <a:rPr lang="en-US" sz="1400" dirty="0"/>
               <a:t>	</a:t>
             </a:r>
             <a:r>
-              <a:rPr lang="en-US" sz="1400" dirty="0"/>
-              <a:t>FOREIGN KEY(</a:t>
+              <a:rPr lang="en-US" sz="1400" dirty="0">
+                <a:solidFill>
+                  <a:srgbClr val="FF0000"/>
+                </a:solidFill>
+              </a:rPr>
+              <a:t>Content </a:t>
+            </a:r>
+            <a:r>
+              <a:rPr lang="en-US" sz="1400" dirty="0"/>
+              <a:t>VARCHAR(2048) </a:t>
+            </a:r>
+            <a:r>
+              <a:rPr lang="en-US" sz="1400" dirty="0">
+                <a:solidFill>
+                  <a:schemeClr val="accent1"/>
+                </a:solidFill>
+              </a:rPr>
+              <a:t>NOT NULL</a:t>
+            </a:r>
+            <a:r>
+              <a:rPr lang="en-US" sz="1400" dirty="0"/>
+              <a:t> DEFAULT ‘’ ,</a:t>
+            </a:r>
+            <a:br>
+              <a:rPr lang="en-US" sz="1400" dirty="0"/>
+            </a:br>
+            <a:r>
+              <a:rPr lang="en-US" sz="1400" dirty="0"/>
+              <a:t>	</a:t>
+            </a:r>
+            <a:r>
+              <a:rPr lang="en-US" sz="1400" dirty="0" err="1">
+                <a:solidFill>
+                  <a:srgbClr val="FF0000"/>
+                </a:solidFill>
+              </a:rPr>
+              <a:t>MediaID</a:t>
+            </a:r>
+            <a:r>
+              <a:rPr lang="en-US" sz="1400" dirty="0"/>
+              <a:t> VARCHAR(50) </a:t>
+            </a:r>
+            <a:r>
+              <a:rPr lang="en-US" sz="1400" dirty="0">
+                <a:solidFill>
+                  <a:schemeClr val="accent1"/>
+                </a:solidFill>
+              </a:rPr>
+              <a:t>NOT NULL</a:t>
+            </a:r>
+            <a:r>
+              <a:rPr lang="en-US" sz="1400" dirty="0"/>
+              <a:t>,</a:t>
+            </a:r>
+            <a:br>
+              <a:rPr lang="en-US" sz="1400" dirty="0"/>
+            </a:br>
+            <a:r>
+              <a:rPr lang="en-US" sz="1400" dirty="0"/>
+              <a:t>	</a:t>
+            </a:r>
+            <a:r>
+              <a:rPr lang="en-US" sz="1400" dirty="0" err="1">
+                <a:solidFill>
+                  <a:srgbClr val="FF0000"/>
+                </a:solidFill>
+              </a:rPr>
+              <a:t>Posted</a:t>
+            </a:r>
+            <a:r>
+              <a:rPr lang="en-US" sz="1400" dirty="0" err="1"/>
+              <a:t>_</a:t>
+            </a:r>
+            <a:r>
+              <a:rPr lang="en-US" sz="1400" dirty="0" err="1">
+                <a:solidFill>
+                  <a:srgbClr val="FF0000"/>
+                </a:solidFill>
+              </a:rPr>
+              <a:t>DateTime</a:t>
+            </a:r>
+            <a:r>
+              <a:rPr lang="en-US" sz="1400" dirty="0"/>
+              <a:t>  DATETIME </a:t>
+            </a:r>
+            <a:r>
+              <a:rPr lang="en-US" sz="1400" dirty="0">
+                <a:solidFill>
+                  <a:schemeClr val="accent1"/>
+                </a:solidFill>
+              </a:rPr>
+              <a:t>NOT NULL </a:t>
+            </a:r>
+            <a:r>
+              <a:rPr lang="en-US" sz="1400" dirty="0"/>
+              <a:t>DEFAULT NOW(),</a:t>
+            </a:r>
+            <a:br>
+              <a:rPr lang="en-US" sz="1400" dirty="0"/>
+            </a:br>
+            <a:r>
+              <a:rPr lang="en-US" sz="1400" dirty="0"/>
+              <a:t>	PRIMARY KEY(</a:t>
+            </a:r>
+            <a:r>
+              <a:rPr lang="en-US" sz="1400" dirty="0" err="1"/>
+              <a:t>ConversationID</a:t>
+            </a:r>
+            <a:r>
+              <a:rPr lang="en-US" sz="1400" dirty="0"/>
+              <a:t>),</a:t>
+            </a:r>
+            <a:br>
+              <a:rPr lang="en-US" sz="1400" dirty="0"/>
+            </a:br>
+            <a:r>
+              <a:rPr lang="en-US" sz="1400" dirty="0"/>
+              <a:t>	FOREIGN KEY(</a:t>
+            </a:r>
+            <a:r>
+              <a:rPr lang="en-US" sz="1400" dirty="0" err="1"/>
+              <a:t>SenderID</a:t>
+            </a:r>
+            <a:r>
+              <a:rPr lang="en-US" sz="1400" dirty="0"/>
+              <a:t>) REFERENCES USER(</a:t>
             </a:r>
             <a:r>
               <a:rPr lang="en-US" sz="1400" dirty="0" err="1"/>
@@ -14454,6 +14980,21 @@
             </a:r>
             <a:r>
               <a:rPr lang="en-US" sz="1400" dirty="0"/>
+              <a:t>),</a:t>
+            </a:r>
+            <a:br>
+              <a:rPr lang="en-US" sz="1400" dirty="0"/>
+            </a:br>
+            <a:r>
+              <a:rPr lang="en-US" sz="1400" dirty="0"/>
+              <a:t>	FOREIGN KEY(</a:t>
+            </a:r>
+            <a:r>
+              <a:rPr lang="en-US" sz="1400" dirty="0" err="1"/>
+              <a:t>ReceiverID</a:t>
+            </a:r>
+            <a:r>
+              <a:rPr lang="en-US" sz="1400" dirty="0"/>
               <a:t>) REFERENCES USER(</a:t>
             </a:r>
             <a:r>
@@ -14462,16 +15003,37 @@
             </a:r>
             <a:r>
               <a:rPr lang="en-US" sz="1400" dirty="0"/>
+              <a:t>),</a:t>
+            </a:r>
+            <a:br>
+              <a:rPr lang="en-US" sz="1400" dirty="0"/>
+            </a:br>
+            <a:r>
+              <a:rPr lang="en-US" sz="1400" dirty="0"/>
+              <a:t>	FOREIGN KEY(</a:t>
+            </a:r>
+            <a:r>
+              <a:rPr lang="en-US" sz="1400" dirty="0" err="1"/>
+              <a:t>MediaID</a:t>
+            </a:r>
+            <a:r>
+              <a:rPr lang="en-US" sz="1400" dirty="0"/>
+              <a:t>) REFERENCES MEDIA(</a:t>
+            </a:r>
+            <a:r>
+              <a:rPr lang="en-US" sz="1400" dirty="0" err="1"/>
+              <a:t>MediaID</a:t>
+            </a:r>
+            <a:r>
+              <a:rPr lang="en-US" sz="1400" dirty="0"/>
               <a:t>)</a:t>
             </a:r>
-          </a:p>
-          <a:p>
-            <a:pPr marL="0" indent="0">
-              <a:buNone/>
-            </a:pPr>
-            <a:r>
-              <a:rPr lang="en-US" sz="1400" u="sng" dirty="0"/>
-              <a:t>)</a:t>
+            <a:br>
+              <a:rPr lang="en-US" sz="1400" dirty="0"/>
+            </a:br>
+            <a:r>
+              <a:rPr lang="en-US" sz="1400" dirty="0"/>
+              <a:t>) </a:t>
             </a:r>
             <a:endParaRPr lang="en-US" u="sng" dirty="0"/>
           </a:p>
@@ -14492,7 +15054,7 @@
         <p:spPr>
           <a:xfrm>
             <a:off x="9608878" y="1420893"/>
-            <a:ext cx="2344998" cy="938719"/>
+            <a:ext cx="2344998" cy="1015663"/>
           </a:xfrm>
           <a:prstGeom prst="rect">
             <a:avLst/>
@@ -14510,9 +15072,16 @@
           </a:bodyPr>
           <a:lstStyle/>
           <a:p>
-            <a:br>
-              <a:rPr lang="en-US" sz="1100" dirty="0"/>
-            </a:br>
+            <a:r>
+              <a:rPr lang="en-US" sz="1600" dirty="0" err="1"/>
+              <a:t>NaCV</a:t>
+            </a:r>
+            <a:r>
+              <a:rPr lang="en-US" sz="1600" dirty="0"/>
+              <a:t> : Not a Conv</a:t>
+            </a:r>
+          </a:p>
+          <a:p>
             <a:br>
               <a:rPr lang="en-US" sz="1100" dirty="0"/>
             </a:br>
@@ -14734,11 +15303,11 @@
             </a:br>
             <a:r>
               <a:rPr lang="en-US" sz="1300" dirty="0"/>
-              <a:t>INSERT INTO PASSWORD (</a:t>
+              <a:t>INSERT INTO CONVERSATION (</a:t>
             </a:r>
             <a:r>
               <a:rPr lang="en-US" sz="1300" dirty="0" err="1"/>
-              <a:t>UserID</a:t>
+              <a:t>ConversationID</a:t>
             </a:r>
             <a:r>
               <a:rPr lang="en-US" sz="1300" dirty="0"/>
@@ -14746,7 +15315,31 @@
             </a:r>
             <a:r>
               <a:rPr lang="en-US" sz="1300" dirty="0" err="1"/>
-              <a:t>EncrPwd</a:t>
+              <a:t>SenderID</a:t>
+            </a:r>
+            <a:r>
+              <a:rPr lang="en-US" sz="1300" dirty="0"/>
+              <a:t>, </a:t>
+            </a:r>
+            <a:r>
+              <a:rPr lang="en-US" sz="1300" dirty="0" err="1"/>
+              <a:t>ReceiverID</a:t>
+            </a:r>
+            <a:r>
+              <a:rPr lang="en-US" sz="1300" dirty="0"/>
+              <a:t>, Content, </a:t>
+            </a:r>
+            <a:r>
+              <a:rPr lang="en-US" sz="1300" dirty="0" err="1"/>
+              <a:t>MediaID</a:t>
+            </a:r>
+            <a:r>
+              <a:rPr lang="en-US" sz="1300" dirty="0"/>
+              <a:t>, </a:t>
+            </a:r>
+            <a:r>
+              <a:rPr lang="en-US" sz="1300" dirty="0" err="1"/>
+              <a:t>Posted_DateTime</a:t>
             </a:r>
             <a:r>
               <a:rPr lang="en-US" sz="1300" dirty="0"/>
@@ -14763,7 +15356,7 @@
             </a:pPr>
             <a:r>
               <a:rPr lang="en-US" sz="1300" dirty="0"/>
-              <a:t>VALUES(‘U1’, ‘123456789’)</a:t>
+              <a:t>VALUES(‘CV1’, ‘U1’, ‘U2’, ‘Conv entre U1 et U2’, ‘M5’, ‘2022-06-01’)</a:t>
             </a:r>
             <a:br>
               <a:rPr lang="en-US" sz="1400" u="sng" dirty="0"/>
@@ -14775,7 +15368,7 @@
     </p:spTree>
     <p:extLst>
       <p:ext uri="{BB962C8B-B14F-4D97-AF65-F5344CB8AC3E}">
-        <p14:creationId xmlns:p14="http://schemas.microsoft.com/office/powerpoint/2010/main" val="2202965881"/>
+        <p14:creationId xmlns:p14="http://schemas.microsoft.com/office/powerpoint/2010/main" val="705770035"/>
       </p:ext>
     </p:extLst>
   </p:cSld>
@@ -14785,331 +15378,7 @@
 </p:sld>
 </file>
 
-<file path=ppt/slides/slide2.xml><?xml version="1.0" encoding="utf-8"?>
-<p:sld xmlns:a="http://schemas.openxmlformats.org/drawingml/2006/main" xmlns:r="http://schemas.openxmlformats.org/officeDocument/2006/relationships" xmlns:p="http://schemas.openxmlformats.org/presentationml/2006/main">
-  <p:cSld>
-    <p:spTree>
-      <p:nvGrpSpPr>
-        <p:cNvPr id="1" name=""/>
-        <p:cNvGrpSpPr/>
-        <p:nvPr/>
-      </p:nvGrpSpPr>
-      <p:grpSpPr>
-        <a:xfrm>
-          <a:off x="0" y="0"/>
-          <a:ext cx="0" cy="0"/>
-          <a:chOff x="0" y="0"/>
-          <a:chExt cx="0" cy="0"/>
-        </a:xfrm>
-      </p:grpSpPr>
-      <p:sp>
-        <p:nvSpPr>
-          <p:cNvPr id="2" name="Title 1">
-            <a:extLst>
-              <a:ext uri="{FF2B5EF4-FFF2-40B4-BE49-F238E27FC236}">
-                <a16:creationId xmlns:a16="http://schemas.microsoft.com/office/drawing/2014/main" id="{36F7A812-8C54-E91A-5124-A72387C5E977}"/>
-              </a:ext>
-            </a:extLst>
-          </p:cNvPr>
-          <p:cNvSpPr>
-            <a:spLocks noGrp="1"/>
-          </p:cNvSpPr>
-          <p:nvPr>
-            <p:ph type="title"/>
-          </p:nvPr>
-        </p:nvSpPr>
-        <p:spPr>
-          <a:xfrm>
-            <a:off x="5416877" y="0"/>
-            <a:ext cx="1358245" cy="681037"/>
-          </a:xfrm>
-        </p:spPr>
-        <p:txBody>
-          <a:bodyPr>
-            <a:normAutofit fontScale="90000"/>
-          </a:bodyPr>
-          <a:lstStyle/>
-          <a:p>
-            <a:r>
-              <a:rPr lang="en-US" dirty="0"/>
-              <a:t>MLD</a:t>
-            </a:r>
-          </a:p>
-        </p:txBody>
-      </p:sp>
-      <p:sp>
-        <p:nvSpPr>
-          <p:cNvPr id="3" name="Content Placeholder 2">
-            <a:extLst>
-              <a:ext uri="{FF2B5EF4-FFF2-40B4-BE49-F238E27FC236}">
-                <a16:creationId xmlns:a16="http://schemas.microsoft.com/office/drawing/2014/main" id="{DB70E495-8A66-8074-CD36-C49C381B6E3A}"/>
-              </a:ext>
-            </a:extLst>
-          </p:cNvPr>
-          <p:cNvSpPr>
-            <a:spLocks noGrp="1"/>
-          </p:cNvSpPr>
-          <p:nvPr>
-            <p:ph idx="1"/>
-          </p:nvPr>
-        </p:nvSpPr>
-        <p:spPr>
-          <a:xfrm>
-            <a:off x="838200" y="1144588"/>
-            <a:ext cx="10515600" cy="4351338"/>
-          </a:xfrm>
-        </p:spPr>
-        <p:txBody>
-          <a:bodyPr>
-            <a:normAutofit/>
-          </a:bodyPr>
-          <a:lstStyle/>
-          <a:p>
-            <a:r>
-              <a:rPr lang="en-US" sz="1400" dirty="0"/>
-              <a:t>USER(</a:t>
-            </a:r>
-            <a:r>
-              <a:rPr lang="en-US" sz="1400" u="sng" dirty="0" err="1"/>
-              <a:t>UserID</a:t>
-            </a:r>
-            <a:r>
-              <a:rPr lang="en-US" sz="1400" dirty="0"/>
-              <a:t>, Username, Name, </a:t>
-            </a:r>
-            <a:r>
-              <a:rPr lang="en-US" sz="1400" dirty="0" err="1"/>
-              <a:t>Firstname</a:t>
-            </a:r>
-            <a:r>
-              <a:rPr lang="en-US" sz="1400" dirty="0"/>
-              <a:t>, Mail, Country, City, Telephone, </a:t>
-            </a:r>
-            <a:r>
-              <a:rPr lang="en-US" sz="1400" dirty="0" err="1"/>
-              <a:t>BirthDate</a:t>
-            </a:r>
-            <a:r>
-              <a:rPr lang="en-US" sz="1400" dirty="0"/>
-              <a:t>, Sex, IsAdmin, </a:t>
-            </a:r>
-            <a:r>
-              <a:rPr lang="en-US" sz="1400" dirty="0">
-                <a:solidFill>
-                  <a:schemeClr val="accent4">
-                    <a:lumMod val="75000"/>
-                  </a:schemeClr>
-                </a:solidFill>
-              </a:rPr>
-              <a:t>Theme</a:t>
-            </a:r>
-            <a:r>
-              <a:rPr lang="en-US" sz="1400" dirty="0"/>
-              <a:t>, </a:t>
-            </a:r>
-            <a:r>
-              <a:rPr lang="en-US" sz="1400" dirty="0">
-                <a:solidFill>
-                  <a:schemeClr val="accent4">
-                    <a:lumMod val="75000"/>
-                  </a:schemeClr>
-                </a:solidFill>
-              </a:rPr>
-              <a:t>IsPremium</a:t>
-            </a:r>
-            <a:r>
-              <a:rPr lang="en-US" sz="1400" dirty="0"/>
-              <a:t>) </a:t>
-            </a:r>
-          </a:p>
-          <a:p>
-            <a:r>
-              <a:rPr lang="en-US" sz="1400" dirty="0"/>
-              <a:t>POST(</a:t>
-            </a:r>
-            <a:r>
-              <a:rPr lang="en-US" sz="1400" u="sng" dirty="0"/>
-              <a:t>PostID</a:t>
-            </a:r>
-            <a:r>
-              <a:rPr lang="en-US" sz="1400" dirty="0"/>
-              <a:t>, #PostedByUserID, Content, DateTime, NumberOfShares, NumberOfLikes, NumberOfMedias) </a:t>
-            </a:r>
-          </a:p>
-          <a:p>
-            <a:r>
-              <a:rPr lang="en-US" sz="1400" dirty="0"/>
-              <a:t>FRIENDS(</a:t>
-            </a:r>
-            <a:r>
-              <a:rPr lang="en-US" sz="1400" u="sng" dirty="0"/>
-              <a:t>#UserID1, #UserID2</a:t>
-            </a:r>
-            <a:r>
-              <a:rPr lang="en-US" sz="1400" dirty="0"/>
-              <a:t>, DateTime, </a:t>
-            </a:r>
-            <a:r>
-              <a:rPr lang="en-US" sz="1400" dirty="0">
-                <a:solidFill>
-                  <a:schemeClr val="accent4">
-                    <a:lumMod val="75000"/>
-                  </a:schemeClr>
-                </a:solidFill>
-              </a:rPr>
-              <a:t>Level</a:t>
-            </a:r>
-            <a:r>
-              <a:rPr lang="en-US" sz="1400" dirty="0"/>
-              <a:t>) </a:t>
-            </a:r>
-          </a:p>
-          <a:p>
-            <a:r>
-              <a:rPr lang="en-US" sz="1400" dirty="0"/>
-              <a:t>LIKED_POST(</a:t>
-            </a:r>
-            <a:r>
-              <a:rPr lang="en-US" sz="1400" u="sng" dirty="0"/>
-              <a:t>#UserID, #PostID</a:t>
-            </a:r>
-            <a:r>
-              <a:rPr lang="en-US" sz="1400" dirty="0"/>
-              <a:t>, DateTime) </a:t>
-            </a:r>
-          </a:p>
-          <a:p>
-            <a:r>
-              <a:rPr lang="en-US" sz="1400" dirty="0"/>
-              <a:t>SHARED_POST(</a:t>
-            </a:r>
-            <a:r>
-              <a:rPr lang="en-US" sz="1400" u="sng" dirty="0"/>
-              <a:t>#UserID, #PostID</a:t>
-            </a:r>
-            <a:r>
-              <a:rPr lang="en-US" sz="1400" dirty="0"/>
-              <a:t>, DateTime)</a:t>
-            </a:r>
-          </a:p>
-          <a:p>
-            <a:r>
-              <a:rPr lang="en-US" sz="1400" dirty="0"/>
-              <a:t>COMMENT(</a:t>
-            </a:r>
-            <a:r>
-              <a:rPr lang="en-US" sz="1400" u="sng" dirty="0"/>
-              <a:t>CommentID</a:t>
-            </a:r>
-            <a:r>
-              <a:rPr lang="en-US" sz="1400" dirty="0"/>
-              <a:t>, #UserID, #PostID, Content, DateTime)</a:t>
-            </a:r>
-          </a:p>
-          <a:p>
-            <a:r>
-              <a:rPr lang="en-US" sz="1400" dirty="0"/>
-              <a:t>OWN_MEDIA(#PostID, #MediaID)</a:t>
-            </a:r>
-          </a:p>
-          <a:p>
-            <a:r>
-              <a:rPr lang="en-US" sz="1400" dirty="0"/>
-              <a:t>MEDIA(</a:t>
-            </a:r>
-            <a:r>
-              <a:rPr lang="en-US" sz="1400" u="sng" dirty="0"/>
-              <a:t>MediaID</a:t>
-            </a:r>
-            <a:r>
-              <a:rPr lang="en-US" sz="1400" dirty="0"/>
-              <a:t>, #PostID, Path, Type)</a:t>
-            </a:r>
-          </a:p>
-          <a:p>
-            <a:r>
-              <a:rPr lang="en-US" sz="1400" dirty="0"/>
-              <a:t>CONVERSATION(</a:t>
-            </a:r>
-            <a:r>
-              <a:rPr lang="en-US" sz="1400" u="sng" dirty="0"/>
-              <a:t>ConversationID</a:t>
-            </a:r>
-            <a:r>
-              <a:rPr lang="en-US" sz="1400" dirty="0"/>
-              <a:t>, #SenderID, #ReceiverID, Content, #MediaID, </a:t>
-            </a:r>
-            <a:r>
-              <a:rPr lang="en-US" sz="1400" dirty="0" err="1"/>
-              <a:t>DateTime</a:t>
-            </a:r>
-            <a:r>
-              <a:rPr lang="en-US" sz="1400" dirty="0"/>
-              <a:t>)</a:t>
-            </a:r>
-          </a:p>
-          <a:p>
-            <a:r>
-              <a:rPr lang="en-US" sz="1400" dirty="0"/>
-              <a:t>COMMENT_ASWER(</a:t>
-            </a:r>
-            <a:r>
-              <a:rPr lang="en-US" sz="1400" u="sng" dirty="0"/>
-              <a:t>AnswerID</a:t>
-            </a:r>
-            <a:r>
-              <a:rPr lang="en-US" sz="1400" dirty="0"/>
-              <a:t>, #CommentID, #UserID, Content, DateTime)  </a:t>
-            </a:r>
-          </a:p>
-          <a:p>
-            <a:r>
-              <a:rPr lang="en-US" sz="1400" dirty="0"/>
-              <a:t>PASSWORD(#</a:t>
-            </a:r>
-            <a:r>
-              <a:rPr lang="en-US" sz="1400" dirty="0" err="1"/>
-              <a:t>UserID</a:t>
-            </a:r>
-            <a:r>
-              <a:rPr lang="en-US" sz="1400" dirty="0"/>
-              <a:t> , </a:t>
-            </a:r>
-            <a:r>
-              <a:rPr lang="en-US" sz="1400" dirty="0" err="1"/>
-              <a:t>EncrPwd</a:t>
-            </a:r>
-            <a:r>
-              <a:rPr lang="en-US" sz="1400" dirty="0"/>
-              <a:t>)</a:t>
-            </a:r>
-            <a:endParaRPr lang="en-US" sz="1400" u="sng" dirty="0"/>
-          </a:p>
-          <a:p>
-            <a:endParaRPr lang="en-US" sz="1400" u="sng" dirty="0"/>
-          </a:p>
-          <a:p>
-            <a:endParaRPr lang="en-US" sz="1400" dirty="0"/>
-          </a:p>
-          <a:p>
-            <a:endParaRPr lang="en-US" sz="1400" dirty="0"/>
-          </a:p>
-        </p:txBody>
-      </p:sp>
-    </p:spTree>
-    <p:extLst>
-      <p:ext uri="{BB962C8B-B14F-4D97-AF65-F5344CB8AC3E}">
-        <p14:creationId xmlns:p14="http://schemas.microsoft.com/office/powerpoint/2010/main" val="308476992"/>
-      </p:ext>
-    </p:extLst>
-  </p:cSld>
-  <p:clrMapOvr>
-    <a:masterClrMapping/>
-  </p:clrMapOvr>
-</p:sld>
-</file>
-
-<file path=ppt/slides/slide3.xml><?xml version="1.0" encoding="utf-8"?>
+<file path=ppt/slides/slide13.xml><?xml version="1.0" encoding="utf-8"?>
 <p:sld xmlns:a="http://schemas.openxmlformats.org/drawingml/2006/main" xmlns:r="http://schemas.openxmlformats.org/officeDocument/2006/relationships" xmlns:p="http://schemas.openxmlformats.org/presentationml/2006/main">
   <p:cSld>
     <p:spTree>
@@ -15144,8 +15413,8 @@
         </p:nvSpPr>
         <p:spPr>
           <a:xfrm>
-            <a:off x="4238625" y="131763"/>
-            <a:ext cx="3714750" cy="615949"/>
+            <a:off x="4238624" y="131763"/>
+            <a:ext cx="4084281" cy="615949"/>
           </a:xfrm>
         </p:spPr>
         <p:txBody>
@@ -15156,7 +15425,7 @@
           <a:p>
             <a:r>
               <a:rPr lang="en-US" dirty="0"/>
-              <a:t>SQL Requests (1)</a:t>
+              <a:t>SQL Requests (10)</a:t>
             </a:r>
           </a:p>
         </p:txBody>
@@ -15190,7 +15459,7 @@
         </p:spPr>
         <p:txBody>
           <a:bodyPr>
-            <a:normAutofit fontScale="92500" lnSpcReduction="10000"/>
+            <a:normAutofit/>
           </a:bodyPr>
           <a:lstStyle/>
           <a:p>
@@ -15199,7 +15468,7 @@
             </a:pPr>
             <a:r>
               <a:rPr lang="en-US" sz="2000" u="sng" dirty="0"/>
-              <a:t>USER</a:t>
+              <a:t>PASSWORD</a:t>
             </a:r>
           </a:p>
           <a:p>
@@ -15223,7 +15492,7 @@
                   <a:srgbClr val="FF0000"/>
                 </a:solidFill>
               </a:rPr>
-              <a:t>USER </a:t>
+              <a:t>PASSWORD</a:t>
             </a:r>
             <a:br>
               <a:rPr lang="en-US" sz="1400" dirty="0"/>
@@ -15240,7 +15509,7 @@
               <a:t>	</a:t>
             </a:r>
             <a:r>
-              <a:rPr lang="en-US" sz="1400" dirty="0">
+              <a:rPr lang="en-US" sz="1400" dirty="0" err="1">
                 <a:solidFill>
                   <a:srgbClr val="FF0000"/>
                 </a:solidFill>
@@ -15249,7 +15518,7 @@
             </a:r>
             <a:r>
               <a:rPr lang="en-US" sz="1400" dirty="0"/>
-              <a:t> NVARCHAR(50) </a:t>
+              <a:t> VARCHAR(50) </a:t>
             </a:r>
             <a:r>
               <a:rPr lang="en-US" sz="1400" dirty="0">
@@ -15261,15 +15530,7 @@
             </a:r>
             <a:r>
               <a:rPr lang="en-US" sz="1400" dirty="0"/>
-              <a:t>  DEFAULT '</a:t>
-            </a:r>
-            <a:r>
-              <a:rPr lang="en-US" sz="1400" dirty="0" err="1"/>
-              <a:t>NaU</a:t>
-            </a:r>
-            <a:r>
-              <a:rPr lang="en-US" sz="1400" dirty="0"/>
-              <a:t>’,</a:t>
+              <a:t>,</a:t>
             </a:r>
             <a:br>
               <a:rPr lang="en-US" sz="1400" dirty="0"/>
@@ -15279,16 +15540,24 @@
               <a:t>	</a:t>
             </a:r>
             <a:r>
+              <a:rPr lang="en-US" sz="1400" dirty="0" err="1">
+                <a:solidFill>
+                  <a:srgbClr val="FF0000"/>
+                </a:solidFill>
+              </a:rPr>
+              <a:t>EncrPwd</a:t>
+            </a:r>
+            <a:r>
               <a:rPr lang="en-US" sz="1400" dirty="0">
                 <a:solidFill>
                   <a:srgbClr val="FF0000"/>
                 </a:solidFill>
               </a:rPr>
-              <a:t>Username</a:t>
-            </a:r>
-            <a:r>
-              <a:rPr lang="en-US" sz="1400" dirty="0"/>
-              <a:t>  NVARCHAR(50) </a:t>
+              <a:t> </a:t>
+            </a:r>
+            <a:r>
+              <a:rPr lang="en-US" sz="1400" dirty="0"/>
+              <a:t>VARCHAR(256) </a:t>
             </a:r>
             <a:r>
               <a:rPr lang="en-US" sz="1400" dirty="0">
@@ -15300,331 +15569,47 @@
             </a:r>
             <a:r>
               <a:rPr lang="en-US" sz="1400" dirty="0"/>
-              <a:t>, </a:t>
-            </a:r>
-            <a:br>
-              <a:rPr lang="en-US" sz="1400" dirty="0"/>
-            </a:br>
-            <a:r>
-              <a:rPr lang="en-US" sz="1400" dirty="0"/>
-              <a:t>	</a:t>
-            </a:r>
+              <a:t>  DEFAULT ‘’,</a:t>
+            </a:r>
+            <a:br>
+              <a:rPr lang="en-US" sz="1400" dirty="0"/>
+            </a:br>
             <a:r>
               <a:rPr lang="en-US" sz="1400" dirty="0">
                 <a:solidFill>
                   <a:srgbClr val="FF0000"/>
-                </a:solidFill>
-              </a:rPr>
-              <a:t>Name</a:t>
-            </a:r>
-            <a:r>
-              <a:rPr lang="en-US" sz="1400" dirty="0"/>
-              <a:t>  NVARCHAR(50) </a:t>
-            </a:r>
-            <a:r>
-              <a:rPr lang="en-US" sz="1400" dirty="0">
-                <a:solidFill>
-                  <a:schemeClr val="accent1"/>
-                </a:solidFill>
-              </a:rPr>
-              <a:t>NOT NULL</a:t>
-            </a:r>
-            <a:r>
-              <a:rPr lang="en-US" sz="1400" dirty="0"/>
-              <a:t>, </a:t>
-            </a:r>
-            <a:br>
-              <a:rPr lang="en-US" sz="1400" dirty="0"/>
-            </a:br>
-            <a:r>
-              <a:rPr lang="en-US" sz="1400" dirty="0"/>
-              <a:t>	</a:t>
-            </a:r>
-            <a:r>
-              <a:rPr lang="en-US" sz="1400" dirty="0" err="1">
-                <a:solidFill>
-                  <a:srgbClr val="FF0000"/>
-                </a:solidFill>
-              </a:rPr>
-              <a:t>Firstname</a:t>
-            </a:r>
-            <a:r>
-              <a:rPr lang="en-US" sz="1400" dirty="0"/>
-              <a:t>  NVARCHAR(50) </a:t>
-            </a:r>
-            <a:r>
-              <a:rPr lang="en-US" sz="1400" dirty="0">
-                <a:solidFill>
-                  <a:schemeClr val="accent1"/>
-                </a:solidFill>
-              </a:rPr>
-              <a:t>NOT NULL</a:t>
-            </a:r>
-            <a:r>
-              <a:rPr lang="en-US" sz="1400" dirty="0"/>
-              <a:t> ,	</a:t>
-            </a:r>
-            <a:br>
-              <a:rPr lang="en-US" sz="1400" dirty="0"/>
-            </a:br>
-            <a:r>
-              <a:rPr lang="en-US" sz="1400" dirty="0"/>
-              <a:t>	</a:t>
-            </a:r>
-            <a:r>
-              <a:rPr lang="en-US" sz="1400" dirty="0">
-                <a:solidFill>
-                  <a:srgbClr val="FF0000"/>
-                </a:solidFill>
-              </a:rPr>
-              <a:t>Mail </a:t>
-            </a:r>
-            <a:r>
-              <a:rPr lang="en-US" sz="1400" dirty="0"/>
-              <a:t>NVARCHAR(256) </a:t>
-            </a:r>
-            <a:r>
-              <a:rPr lang="en-US" sz="1400" dirty="0">
-                <a:solidFill>
-                  <a:schemeClr val="accent1"/>
-                </a:solidFill>
-              </a:rPr>
-              <a:t>NOT NULL,</a:t>
-            </a:r>
-            <a:br>
-              <a:rPr lang="en-US" sz="1400" dirty="0"/>
-            </a:br>
-            <a:r>
-              <a:rPr lang="en-US" sz="1400" dirty="0"/>
-              <a:t>	</a:t>
-            </a:r>
-            <a:r>
-              <a:rPr lang="en-US" sz="1400" dirty="0">
-                <a:solidFill>
-                  <a:srgbClr val="FF0000"/>
-                </a:solidFill>
-              </a:rPr>
-              <a:t>Country</a:t>
-            </a:r>
-            <a:r>
-              <a:rPr lang="en-US" sz="1400" dirty="0"/>
-              <a:t> NVARCHAR(50) </a:t>
-            </a:r>
-            <a:r>
-              <a:rPr lang="en-US" sz="1400" dirty="0">
-                <a:solidFill>
-                  <a:schemeClr val="accent1"/>
-                </a:solidFill>
-              </a:rPr>
-              <a:t>NOT NULL,</a:t>
-            </a:r>
-            <a:br>
-              <a:rPr lang="en-US" sz="1400" dirty="0"/>
-            </a:br>
-            <a:r>
-              <a:rPr lang="en-US" sz="1400" dirty="0"/>
-              <a:t>	</a:t>
-            </a:r>
-            <a:r>
-              <a:rPr lang="en-US" sz="1400" dirty="0">
-                <a:solidFill>
-                  <a:srgbClr val="FF0000"/>
-                </a:solidFill>
-              </a:rPr>
-              <a:t>City</a:t>
-            </a:r>
-            <a:r>
-              <a:rPr lang="en-US" sz="1400" dirty="0"/>
-              <a:t> NVARCHAR(50) </a:t>
-            </a:r>
-            <a:r>
-              <a:rPr lang="en-US" sz="1400" dirty="0">
-                <a:solidFill>
-                  <a:schemeClr val="accent1"/>
-                </a:solidFill>
-              </a:rPr>
-              <a:t>NOT NULL,</a:t>
-            </a:r>
-            <a:br>
-              <a:rPr lang="en-US" sz="1400" dirty="0">
-                <a:solidFill>
-                  <a:schemeClr val="accent1"/>
-                </a:solidFill>
-              </a:rPr>
-            </a:br>
-            <a:r>
-              <a:rPr lang="en-US" sz="1400" dirty="0">
-                <a:solidFill>
-                  <a:schemeClr val="accent1"/>
                 </a:solidFill>
               </a:rPr>
               <a:t>	</a:t>
             </a:r>
             <a:r>
-              <a:rPr lang="en-US" sz="1400" dirty="0" err="1">
-                <a:solidFill>
-                  <a:srgbClr val="FF0000"/>
-                </a:solidFill>
-              </a:rPr>
-              <a:t>BirthDate</a:t>
-            </a:r>
-            <a:r>
-              <a:rPr lang="en-US" sz="1400" dirty="0"/>
-              <a:t> DATE </a:t>
-            </a:r>
-            <a:r>
-              <a:rPr lang="en-US" sz="1400" dirty="0">
-                <a:solidFill>
-                  <a:schemeClr val="accent1"/>
-                </a:solidFill>
-              </a:rPr>
-              <a:t>NOT NULL, </a:t>
-            </a:r>
-            <a:br>
-              <a:rPr lang="en-US" sz="1400" dirty="0"/>
-            </a:br>
-            <a:r>
-              <a:rPr lang="en-US" sz="1400" dirty="0"/>
-              <a:t>	</a:t>
-            </a:r>
-            <a:r>
-              <a:rPr lang="en-US" sz="1400" dirty="0">
-                <a:solidFill>
-                  <a:srgbClr val="FF0000"/>
-                </a:solidFill>
-              </a:rPr>
-              <a:t>Sex</a:t>
-            </a:r>
-            <a:r>
-              <a:rPr lang="en-US" sz="1400" dirty="0"/>
-              <a:t> INT </a:t>
-            </a:r>
-            <a:r>
-              <a:rPr lang="en-US" sz="1400" dirty="0">
-                <a:solidFill>
-                  <a:schemeClr val="accent1"/>
-                </a:solidFill>
-              </a:rPr>
-              <a:t>NOT NULL</a:t>
-            </a:r>
-            <a:r>
-              <a:rPr lang="en-US" sz="1400" dirty="0"/>
-              <a:t> DEFAULT -1,</a:t>
-            </a:r>
-            <a:br>
-              <a:rPr lang="en-US" sz="1400" dirty="0">
-                <a:solidFill>
-                  <a:schemeClr val="accent1"/>
-                </a:solidFill>
-              </a:rPr>
-            </a:br>
-            <a:r>
-              <a:rPr lang="en-US" sz="1400" dirty="0">
-                <a:solidFill>
-                  <a:schemeClr val="accent1"/>
-                </a:solidFill>
-              </a:rPr>
-              <a:t>	</a:t>
-            </a:r>
-            <a:r>
-              <a:rPr lang="en-US" sz="1400" dirty="0">
-                <a:solidFill>
-                  <a:srgbClr val="FF0000"/>
-                </a:solidFill>
-              </a:rPr>
-              <a:t>IsAdmin </a:t>
-            </a:r>
-            <a:r>
-              <a:rPr lang="en-US" sz="1400" dirty="0"/>
-              <a:t>BOOLEAN </a:t>
-            </a:r>
-            <a:r>
-              <a:rPr lang="en-US" sz="1400" dirty="0">
-                <a:solidFill>
-                  <a:schemeClr val="accent1"/>
-                </a:solidFill>
-              </a:rPr>
-              <a:t>NOT NULL</a:t>
-            </a:r>
-            <a:r>
-              <a:rPr lang="en-US" sz="1400" dirty="0"/>
-              <a:t> DEFAULT FALSE,</a:t>
-            </a:r>
-            <a:br>
-              <a:rPr lang="en-US" sz="1400" dirty="0"/>
-            </a:br>
-            <a:r>
-              <a:rPr lang="en-US" sz="1400" dirty="0"/>
-              <a:t>	</a:t>
-            </a:r>
-            <a:r>
-              <a:rPr lang="en-US" sz="1400" dirty="0">
-                <a:solidFill>
-                  <a:schemeClr val="accent4"/>
-                </a:solidFill>
-              </a:rPr>
-              <a:t>Theme</a:t>
-            </a:r>
-            <a:r>
-              <a:rPr lang="en-US" sz="1400" dirty="0"/>
-              <a:t> INT </a:t>
-            </a:r>
-            <a:r>
-              <a:rPr lang="en-US" sz="1400" dirty="0">
-                <a:solidFill>
-                  <a:schemeClr val="accent1"/>
-                </a:solidFill>
-              </a:rPr>
-              <a:t>NOT NULL</a:t>
-            </a:r>
-            <a:r>
-              <a:rPr lang="en-US" sz="1400" dirty="0"/>
-              <a:t> DEFAULT 0,</a:t>
-            </a:r>
-            <a:br>
-              <a:rPr lang="en-US" sz="1400" dirty="0"/>
-            </a:br>
-            <a:r>
-              <a:rPr lang="en-US" sz="1400" dirty="0"/>
-              <a:t>	</a:t>
-            </a:r>
-            <a:r>
-              <a:rPr lang="en-US" sz="1400" dirty="0">
-                <a:solidFill>
-                  <a:schemeClr val="accent4"/>
-                </a:solidFill>
-              </a:rPr>
-              <a:t>IsPremium</a:t>
-            </a:r>
-            <a:r>
-              <a:rPr lang="en-US" sz="1400" dirty="0"/>
-              <a:t> BOOLEAN </a:t>
-            </a:r>
-            <a:r>
-              <a:rPr lang="en-US" sz="1400" dirty="0">
-                <a:solidFill>
-                  <a:schemeClr val="accent1"/>
-                </a:solidFill>
-              </a:rPr>
-              <a:t>NOT NULL</a:t>
-            </a:r>
-            <a:r>
-              <a:rPr lang="en-US" sz="1400" dirty="0"/>
-              <a:t> DEFAULT FALSE,	</a:t>
-            </a:r>
-            <a:br>
-              <a:rPr lang="en-US" sz="1400" dirty="0"/>
-            </a:br>
-            <a:r>
-              <a:rPr lang="en-US" sz="1400" dirty="0"/>
-              <a:t>	PRIMARY KEY(UserID)</a:t>
-            </a:r>
-            <a:br>
-              <a:rPr lang="en-US" sz="1400" dirty="0"/>
-            </a:br>
-            <a:r>
-              <a:rPr lang="en-US" sz="1400" dirty="0"/>
-              <a:t>) </a:t>
+              <a:rPr lang="en-US" sz="1400" dirty="0"/>
+              <a:t>FOREIGN KEY(</a:t>
+            </a:r>
+            <a:r>
+              <a:rPr lang="en-US" sz="1400" dirty="0" err="1"/>
+              <a:t>UserID</a:t>
+            </a:r>
+            <a:r>
+              <a:rPr lang="en-US" sz="1400" dirty="0"/>
+              <a:t>) REFERENCES USER(</a:t>
+            </a:r>
+            <a:r>
+              <a:rPr lang="en-US" sz="1400" dirty="0" err="1"/>
+              <a:t>UserID</a:t>
+            </a:r>
+            <a:r>
+              <a:rPr lang="en-US" sz="1400" dirty="0"/>
+              <a:t>)</a:t>
+            </a:r>
+          </a:p>
+          <a:p>
+            <a:pPr marL="0" indent="0">
+              <a:buNone/>
+            </a:pPr>
+            <a:r>
+              <a:rPr lang="en-US" sz="1400" u="sng" dirty="0"/>
+              <a:t>)</a:t>
             </a:r>
             <a:endParaRPr lang="en-US" u="sng" dirty="0"/>
           </a:p>
@@ -15644,8 +15629,8 @@
         </p:nvSpPr>
         <p:spPr>
           <a:xfrm>
-            <a:off x="9742228" y="1420893"/>
-            <a:ext cx="2278323" cy="2939266"/>
+            <a:off x="9608878" y="1420893"/>
+            <a:ext cx="2344998" cy="938719"/>
           </a:xfrm>
           <a:prstGeom prst="rect">
             <a:avLst/>
@@ -15663,99 +15648,18 @@
           </a:bodyPr>
           <a:lstStyle/>
           <a:p>
-            <a:r>
-              <a:rPr lang="en-US" dirty="0" err="1"/>
-              <a:t>NaU</a:t>
-            </a:r>
-            <a:r>
-              <a:rPr lang="en-US" dirty="0"/>
-              <a:t> : </a:t>
-            </a:r>
-            <a:r>
-              <a:rPr lang="en-US" sz="1200" dirty="0"/>
-              <a:t>Not a User</a:t>
-            </a:r>
-            <a:br>
-              <a:rPr lang="en-US" sz="1200" dirty="0"/>
-            </a:br>
-            <a:br>
-              <a:rPr lang="en-US" dirty="0"/>
-            </a:br>
-            <a:r>
-              <a:rPr lang="en-US" dirty="0"/>
-              <a:t>Sex : </a:t>
-            </a:r>
-            <a:br>
-              <a:rPr lang="en-US" dirty="0"/>
-            </a:br>
-            <a:r>
+            <a:br>
               <a:rPr lang="en-US" sz="1100" dirty="0"/>
-              <a:t>0 : Woman</a:t>
-            </a:r>
+            </a:br>
             <a:br>
               <a:rPr lang="en-US" sz="1100" dirty="0"/>
             </a:br>
-            <a:r>
+            <a:br>
               <a:rPr lang="en-US" sz="1100" dirty="0"/>
-              <a:t>1 : Man</a:t>
-            </a:r>
-          </a:p>
-          <a:p>
-            <a:r>
-              <a:rPr lang="en-US" sz="1100" dirty="0"/>
-              <a:t>2 : Other</a:t>
-            </a:r>
-          </a:p>
-          <a:p>
-            <a:r>
-              <a:rPr lang="en-US" sz="1100" dirty="0"/>
-              <a:t>-1 : Undefined</a:t>
-            </a:r>
-            <a:br>
-              <a:rPr lang="en-US" sz="1100" dirty="0"/>
-            </a:br>
-            <a:br>
-              <a:rPr lang="en-US" sz="1100" dirty="0"/>
-            </a:br>
-            <a:r>
-              <a:rPr lang="en-US" dirty="0"/>
-              <a:t>THEME</a:t>
-            </a:r>
-            <a:r>
-              <a:rPr lang="en-US" sz="1100" dirty="0"/>
-              <a:t> : </a:t>
-            </a:r>
-            <a:br>
-              <a:rPr lang="en-US" sz="1100" dirty="0"/>
-            </a:br>
-            <a:r>
-              <a:rPr lang="en-US" sz="1100" dirty="0"/>
-              <a:t>0 : light</a:t>
-            </a:r>
-            <a:br>
-              <a:rPr lang="en-US" sz="1100" dirty="0"/>
-            </a:br>
-            <a:r>
-              <a:rPr lang="en-US" sz="1100" dirty="0"/>
-              <a:t>1 : dark</a:t>
-            </a:r>
-            <a:br>
-              <a:rPr lang="en-US" sz="1100" dirty="0"/>
-            </a:br>
-            <a:br>
-              <a:rPr lang="en-US" sz="900" dirty="0"/>
-            </a:br>
-            <a:r>
-              <a:rPr lang="en-US" sz="900" dirty="0"/>
-              <a:t>Theme, IsAdmin, IsPremium don’t have to be set up on the  creation of a user. </a:t>
-            </a:r>
-            <a:br>
-              <a:rPr lang="en-US" sz="900" dirty="0"/>
-            </a:br>
-            <a:r>
-              <a:rPr lang="en-US" sz="900" dirty="0"/>
-              <a:t>Their default are compatible  with code.</a:t>
-            </a:r>
+            </a:br>
+            <a:endParaRPr lang="en-US" sz="1100" dirty="0"/>
+          </a:p>
+          <a:p>
             <a:endParaRPr lang="en-US" sz="1100" dirty="0"/>
           </a:p>
         </p:txBody>
@@ -15958,181 +15862,1966 @@
           </a:lstStyle>
           <a:p>
             <a:pPr marL="0" indent="0">
-              <a:buFont typeface="Arial" panose="020B0604020202020204" pitchFamily="34" charset="0"/>
               <a:buNone/>
             </a:pPr>
             <a:br>
               <a:rPr lang="en-US" sz="500" u="sng" dirty="0"/>
             </a:br>
             <a:br>
-              <a:rPr lang="en-US" sz="2000" u="sng" dirty="0"/>
-            </a:br>
-            <a:r>
-              <a:rPr lang="en-US" sz="1400" dirty="0"/>
-              <a:t>INSERT INTO USER (UserID, Name, Surname, Mail, Country, City, Sex)</a:t>
-            </a:r>
-            <a:br>
-              <a:rPr lang="en-US" sz="1400" dirty="0"/>
-            </a:br>
-            <a:r>
-              <a:rPr lang="en-US" sz="1400" dirty="0"/>
-              <a:t>VALUES(</a:t>
-            </a:r>
-            <a:br>
-              <a:rPr lang="en-US" sz="1400" dirty="0"/>
-            </a:br>
-            <a:r>
-              <a:rPr lang="en-US" sz="1400" dirty="0"/>
-              <a:t>	('2', '</a:t>
-            </a:r>
-            <a:r>
-              <a:rPr lang="en-US" sz="1400" dirty="0" err="1"/>
-              <a:t>Bouhrara</a:t>
-            </a:r>
-            <a:r>
-              <a:rPr lang="en-US" sz="1400" dirty="0"/>
-              <a:t>', 'Adam', '</a:t>
-            </a:r>
-            <a:r>
-              <a:rPr lang="en-US" sz="1400" dirty="0">
-                <a:hlinkClick r:id="rId2"/>
-              </a:rPr>
-              <a:t>adam@gmail.com</a:t>
-            </a:r>
-            <a:r>
-              <a:rPr lang="en-US" sz="1400" dirty="0"/>
-              <a:t>', 'France', '</a:t>
-            </a:r>
-            <a:r>
-              <a:rPr lang="en-US" sz="1400" dirty="0" err="1"/>
-              <a:t>Cergy</a:t>
-            </a:r>
-            <a:r>
-              <a:rPr lang="en-US" sz="1400" dirty="0"/>
-              <a:t>', 1),</a:t>
-            </a:r>
-            <a:br>
-              <a:rPr lang="en-US" sz="1400" dirty="0"/>
-            </a:br>
-            <a:r>
-              <a:rPr lang="en-US" sz="1400" dirty="0"/>
-              <a:t>	('1' , 'Legrand', 'Joan', '</a:t>
-            </a:r>
-            <a:r>
-              <a:rPr lang="en-US" sz="1400" dirty="0">
-                <a:hlinkClick r:id="rId3"/>
-              </a:rPr>
-              <a:t>joan.legrand8@gmail.com</a:t>
-            </a:r>
-            <a:r>
-              <a:rPr lang="en-US" sz="1400" dirty="0"/>
-              <a:t>', 'France', 'Paris', 1) </a:t>
-            </a:r>
-            <a:br>
-              <a:rPr lang="en-US" sz="1400" dirty="0"/>
-            </a:br>
-            <a:r>
-              <a:rPr lang="en-US" sz="1400" dirty="0"/>
-              <a:t>) </a:t>
+              <a:rPr lang="en-US" sz="1300" u="sng" dirty="0"/>
+            </a:br>
+            <a:r>
+              <a:rPr lang="en-US" sz="1300" dirty="0"/>
+              <a:t>INSERT INTO PASSWORD (</a:t>
+            </a:r>
+            <a:r>
+              <a:rPr lang="en-US" sz="1300" dirty="0" err="1"/>
+              <a:t>UserID</a:t>
+            </a:r>
+            <a:r>
+              <a:rPr lang="en-US" sz="1300" dirty="0"/>
+              <a:t>, </a:t>
+            </a:r>
+            <a:r>
+              <a:rPr lang="en-US" sz="1300" dirty="0" err="1"/>
+              <a:t>EncrPwd</a:t>
+            </a:r>
+            <a:r>
+              <a:rPr lang="en-US" sz="1300" dirty="0"/>
+              <a:t>)</a:t>
+            </a:r>
+            <a:br>
+              <a:rPr lang="en-US" sz="1300" dirty="0"/>
+            </a:br>
+            <a:endParaRPr lang="en-US" sz="1300" dirty="0"/>
+          </a:p>
+          <a:p>
+            <a:pPr marL="0" indent="0">
+              <a:buNone/>
+            </a:pPr>
+            <a:r>
+              <a:rPr lang="en-US" sz="1300" dirty="0"/>
+              <a:t>VALUES(‘U1’, ‘123456789’)</a:t>
             </a:r>
             <a:br>
               <a:rPr lang="en-US" sz="1400" u="sng" dirty="0"/>
             </a:br>
             <a:endParaRPr lang="en-US" sz="1400" dirty="0"/>
+          </a:p>
+        </p:txBody>
+      </p:sp>
+    </p:spTree>
+    <p:extLst>
+      <p:ext uri="{BB962C8B-B14F-4D97-AF65-F5344CB8AC3E}">
+        <p14:creationId xmlns:p14="http://schemas.microsoft.com/office/powerpoint/2010/main" val="2202965881"/>
+      </p:ext>
+    </p:extLst>
+  </p:cSld>
+  <p:clrMapOvr>
+    <a:masterClrMapping/>
+  </p:clrMapOvr>
+</p:sld>
+</file>
+
+<file path=ppt/slides/slide14.xml><?xml version="1.0" encoding="utf-8"?>
+<p:sld xmlns:a="http://schemas.openxmlformats.org/drawingml/2006/main" xmlns:r="http://schemas.openxmlformats.org/officeDocument/2006/relationships" xmlns:p="http://schemas.openxmlformats.org/presentationml/2006/main">
+  <p:cSld>
+    <p:spTree>
+      <p:nvGrpSpPr>
+        <p:cNvPr id="1" name=""/>
+        <p:cNvGrpSpPr/>
+        <p:nvPr/>
+      </p:nvGrpSpPr>
+      <p:grpSpPr>
+        <a:xfrm>
+          <a:off x="0" y="0"/>
+          <a:ext cx="0" cy="0"/>
+          <a:chOff x="0" y="0"/>
+          <a:chExt cx="0" cy="0"/>
+        </a:xfrm>
+      </p:grpSpPr>
+      <p:sp>
+        <p:nvSpPr>
+          <p:cNvPr id="2" name="Title 1">
+            <a:extLst>
+              <a:ext uri="{FF2B5EF4-FFF2-40B4-BE49-F238E27FC236}">
+                <a16:creationId xmlns:a16="http://schemas.microsoft.com/office/drawing/2014/main" id="{EF3725E3-1F41-87CD-4622-7A5E1567C579}"/>
+              </a:ext>
+            </a:extLst>
+          </p:cNvPr>
+          <p:cNvSpPr>
+            <a:spLocks noGrp="1"/>
+          </p:cNvSpPr>
+          <p:nvPr>
+            <p:ph type="title"/>
+          </p:nvPr>
+        </p:nvSpPr>
+        <p:spPr>
+          <a:xfrm>
+            <a:off x="4238624" y="131763"/>
+            <a:ext cx="4084281" cy="615949"/>
+          </a:xfrm>
+        </p:spPr>
+        <p:txBody>
+          <a:bodyPr>
+            <a:normAutofit fontScale="90000"/>
+          </a:bodyPr>
+          <a:lstStyle/>
+          <a:p>
+            <a:r>
+              <a:rPr lang="en-US" dirty="0"/>
+              <a:t>FINAL DESIGN</a:t>
+            </a:r>
+          </a:p>
+        </p:txBody>
+      </p:sp>
+      <p:pic>
+        <p:nvPicPr>
+          <p:cNvPr id="9" name="Picture 8" descr="A screenshot of a computer&#10;&#10;Description automatically generated with medium confidence">
+            <a:extLst>
+              <a:ext uri="{FF2B5EF4-FFF2-40B4-BE49-F238E27FC236}">
+                <a16:creationId xmlns:a16="http://schemas.microsoft.com/office/drawing/2014/main" id="{6AE57FEB-E6D6-472F-7463-35279E2429A5}"/>
+              </a:ext>
+            </a:extLst>
+          </p:cNvPr>
+          <p:cNvPicPr>
+            <a:picLocks noChangeAspect="1"/>
+          </p:cNvPicPr>
+          <p:nvPr/>
+        </p:nvPicPr>
+        <p:blipFill>
+          <a:blip r:embed="rId3">
+            <a:extLst>
+              <a:ext uri="{28A0092B-C50C-407E-A947-70E740481C1C}">
+                <a14:useLocalDpi xmlns:a14="http://schemas.microsoft.com/office/drawing/2010/main" val="0"/>
+              </a:ext>
+            </a:extLst>
+          </a:blip>
+          <a:stretch>
+            <a:fillRect/>
+          </a:stretch>
+        </p:blipFill>
+        <p:spPr>
+          <a:xfrm>
+            <a:off x="0" y="963640"/>
+            <a:ext cx="12192000" cy="6231618"/>
+          </a:xfrm>
+          <a:prstGeom prst="rect">
+            <a:avLst/>
+          </a:prstGeom>
+        </p:spPr>
+      </p:pic>
+    </p:spTree>
+    <p:extLst>
+      <p:ext uri="{BB962C8B-B14F-4D97-AF65-F5344CB8AC3E}">
+        <p14:creationId xmlns:p14="http://schemas.microsoft.com/office/powerpoint/2010/main" val="2799097167"/>
+      </p:ext>
+    </p:extLst>
+  </p:cSld>
+  <p:clrMapOvr>
+    <a:masterClrMapping/>
+  </p:clrMapOvr>
+</p:sld>
+</file>
+
+<file path=ppt/slides/slide15.xml><?xml version="1.0" encoding="utf-8"?>
+<p:sld xmlns:a="http://schemas.openxmlformats.org/drawingml/2006/main" xmlns:r="http://schemas.openxmlformats.org/officeDocument/2006/relationships" xmlns:p="http://schemas.openxmlformats.org/presentationml/2006/main">
+  <p:cSld>
+    <p:spTree>
+      <p:nvGrpSpPr>
+        <p:cNvPr id="1" name=""/>
+        <p:cNvGrpSpPr/>
+        <p:nvPr/>
+      </p:nvGrpSpPr>
+      <p:grpSpPr>
+        <a:xfrm>
+          <a:off x="0" y="0"/>
+          <a:ext cx="0" cy="0"/>
+          <a:chOff x="0" y="0"/>
+          <a:chExt cx="0" cy="0"/>
+        </a:xfrm>
+      </p:grpSpPr>
+      <p:graphicFrame>
+        <p:nvGraphicFramePr>
+          <p:cNvPr id="5" name="Content Placeholder 4">
+            <a:extLst>
+              <a:ext uri="{FF2B5EF4-FFF2-40B4-BE49-F238E27FC236}">
+                <a16:creationId xmlns:a16="http://schemas.microsoft.com/office/drawing/2014/main" id="{3F4E525A-9D94-EFC5-BD9C-01F9E4BFFA8F}"/>
+              </a:ext>
+            </a:extLst>
+          </p:cNvPr>
+          <p:cNvGraphicFramePr>
+            <a:graphicFrameLocks noGrp="1"/>
+          </p:cNvGraphicFramePr>
+          <p:nvPr>
+            <p:ph idx="1"/>
+            <p:extLst>
+              <p:ext uri="{D42A27DB-BD31-4B8C-83A1-F6EECF244321}">
+                <p14:modId xmlns:p14="http://schemas.microsoft.com/office/powerpoint/2010/main" val="3642237192"/>
+              </p:ext>
+            </p:extLst>
+          </p:nvPr>
+        </p:nvGraphicFramePr>
+        <p:xfrm>
+          <a:off x="87607" y="1219719"/>
+          <a:ext cx="12399335" cy="4846320"/>
+        </p:xfrm>
+        <a:graphic>
+          <a:graphicData uri="http://schemas.openxmlformats.org/drawingml/2006/table">
+            <a:tbl>
+              <a:tblPr/>
+              <a:tblGrid>
+                <a:gridCol w="12399335">
+                  <a:extLst>
+                    <a:ext uri="{9D8B030D-6E8A-4147-A177-3AD203B41FA5}">
+                      <a16:colId xmlns:a16="http://schemas.microsoft.com/office/drawing/2014/main" val="584796609"/>
+                    </a:ext>
+                  </a:extLst>
+                </a:gridCol>
+              </a:tblGrid>
+              <a:tr h="0">
+                <a:tc>
+                  <a:txBody>
+                    <a:bodyPr/>
+                    <a:lstStyle/>
+                    <a:p>
+                      <a:pPr fontAlgn="ctr"/>
+                      <a:r>
+                        <a:rPr lang="en-US" dirty="0">
+                          <a:effectLst/>
+                        </a:rPr>
+                        <a:t>ALTER TABLE `answer` ADD FOREIGN KEY (`</a:t>
+                      </a:r>
+                      <a:r>
+                        <a:rPr lang="en-US" dirty="0" err="1">
+                          <a:effectLst/>
+                        </a:rPr>
+                        <a:t>PostedBy_UserID</a:t>
+                      </a:r>
+                      <a:r>
+                        <a:rPr lang="en-US" dirty="0">
+                          <a:effectLst/>
+                        </a:rPr>
+                        <a:t>`) REFERENCES `user` (`</a:t>
+                      </a:r>
+                      <a:r>
+                        <a:rPr lang="en-US" dirty="0" err="1">
+                          <a:effectLst/>
+                        </a:rPr>
+                        <a:t>UserID</a:t>
+                      </a:r>
+                      <a:r>
+                        <a:rPr lang="en-US" dirty="0">
+                          <a:effectLst/>
+                        </a:rPr>
+                        <a:t>`) ON DELETE CASCADE;</a:t>
+                      </a:r>
+                    </a:p>
+                    <a:p>
+                      <a:pPr fontAlgn="ctr"/>
+                      <a:r>
+                        <a:rPr lang="en-US" sz="1800" b="0" i="0" kern="1200" dirty="0">
+                          <a:solidFill>
+                            <a:schemeClr val="tx1"/>
+                          </a:solidFill>
+                          <a:effectLst/>
+                          <a:latin typeface="+mn-lt"/>
+                          <a:ea typeface="+mn-ea"/>
+                          <a:cs typeface="+mn-cs"/>
+                        </a:rPr>
+                        <a:t>ALTER TABLE `answer` ADD FOREIGN KEY (`</a:t>
+                      </a:r>
+                      <a:r>
+                        <a:rPr lang="en-US" sz="1800" b="0" i="0" kern="1200" dirty="0" err="1">
+                          <a:solidFill>
+                            <a:schemeClr val="tx1"/>
+                          </a:solidFill>
+                          <a:effectLst/>
+                          <a:latin typeface="+mn-lt"/>
+                          <a:ea typeface="+mn-ea"/>
+                          <a:cs typeface="+mn-cs"/>
+                        </a:rPr>
+                        <a:t>ReplyTo_CommentID</a:t>
+                      </a:r>
+                      <a:r>
+                        <a:rPr lang="en-US" sz="1800" b="0" i="0" kern="1200" dirty="0">
+                          <a:solidFill>
+                            <a:schemeClr val="tx1"/>
+                          </a:solidFill>
+                          <a:effectLst/>
+                          <a:latin typeface="+mn-lt"/>
+                          <a:ea typeface="+mn-ea"/>
+                          <a:cs typeface="+mn-cs"/>
+                        </a:rPr>
+                        <a:t>`) REFERENCES `comment` (`</a:t>
+                      </a:r>
+                      <a:r>
+                        <a:rPr lang="en-US" sz="1800" b="0" i="0" kern="1200" dirty="0" err="1">
+                          <a:solidFill>
+                            <a:schemeClr val="tx1"/>
+                          </a:solidFill>
+                          <a:effectLst/>
+                          <a:latin typeface="+mn-lt"/>
+                          <a:ea typeface="+mn-ea"/>
+                          <a:cs typeface="+mn-cs"/>
+                        </a:rPr>
+                        <a:t>CommentID</a:t>
+                      </a:r>
+                      <a:r>
+                        <a:rPr lang="en-US" sz="1800" b="0" i="0" kern="1200" dirty="0">
+                          <a:solidFill>
+                            <a:schemeClr val="tx1"/>
+                          </a:solidFill>
+                          <a:effectLst/>
+                          <a:latin typeface="+mn-lt"/>
+                          <a:ea typeface="+mn-ea"/>
+                          <a:cs typeface="+mn-cs"/>
+                        </a:rPr>
+                        <a:t>`) ON DELETE CASCADE;</a:t>
+                      </a:r>
+                      <a:br>
+                        <a:rPr lang="en-US" sz="1800" b="0" i="0" kern="1200" dirty="0">
+                          <a:solidFill>
+                            <a:schemeClr val="tx1"/>
+                          </a:solidFill>
+                          <a:effectLst/>
+                          <a:latin typeface="+mn-lt"/>
+                          <a:ea typeface="+mn-ea"/>
+                          <a:cs typeface="+mn-cs"/>
+                        </a:rPr>
+                      </a:br>
+                      <a:r>
+                        <a:rPr lang="en-US" sz="1800" b="0" i="0" kern="1200" dirty="0">
+                          <a:solidFill>
+                            <a:schemeClr val="tx1"/>
+                          </a:solidFill>
+                          <a:effectLst/>
+                          <a:latin typeface="+mn-lt"/>
+                          <a:ea typeface="+mn-ea"/>
+                          <a:cs typeface="+mn-cs"/>
+                        </a:rPr>
+                        <a:t>ALTER TABLE `comment` ADD FOREIGN KEY (`</a:t>
+                      </a:r>
+                      <a:r>
+                        <a:rPr lang="en-US" sz="1800" b="0" i="0" kern="1200" dirty="0" err="1">
+                          <a:solidFill>
+                            <a:schemeClr val="tx1"/>
+                          </a:solidFill>
+                          <a:effectLst/>
+                          <a:latin typeface="+mn-lt"/>
+                          <a:ea typeface="+mn-ea"/>
+                          <a:cs typeface="+mn-cs"/>
+                        </a:rPr>
+                        <a:t>PostedBy_UserID</a:t>
+                      </a:r>
+                      <a:r>
+                        <a:rPr lang="en-US" sz="1800" b="0" i="0" kern="1200" dirty="0">
+                          <a:solidFill>
+                            <a:schemeClr val="tx1"/>
+                          </a:solidFill>
+                          <a:effectLst/>
+                          <a:latin typeface="+mn-lt"/>
+                          <a:ea typeface="+mn-ea"/>
+                          <a:cs typeface="+mn-cs"/>
+                        </a:rPr>
+                        <a:t>`) REFERENCES `user` (`</a:t>
+                      </a:r>
+                      <a:r>
+                        <a:rPr lang="en-US" sz="1800" b="0" i="0" kern="1200" dirty="0" err="1">
+                          <a:solidFill>
+                            <a:schemeClr val="tx1"/>
+                          </a:solidFill>
+                          <a:effectLst/>
+                          <a:latin typeface="+mn-lt"/>
+                          <a:ea typeface="+mn-ea"/>
+                          <a:cs typeface="+mn-cs"/>
+                        </a:rPr>
+                        <a:t>UserID</a:t>
+                      </a:r>
+                      <a:r>
+                        <a:rPr lang="en-US" sz="1800" b="0" i="0" kern="1200" dirty="0">
+                          <a:solidFill>
+                            <a:schemeClr val="tx1"/>
+                          </a:solidFill>
+                          <a:effectLst/>
+                          <a:latin typeface="+mn-lt"/>
+                          <a:ea typeface="+mn-ea"/>
+                          <a:cs typeface="+mn-cs"/>
+                        </a:rPr>
+                        <a:t>`) ON DELETE CASCADE;</a:t>
+                      </a:r>
+                    </a:p>
+                    <a:p>
+                      <a:pPr fontAlgn="ctr"/>
+                      <a:r>
+                        <a:rPr lang="en-US" sz="1800" b="0" i="0" kern="1200" dirty="0">
+                          <a:solidFill>
+                            <a:schemeClr val="tx1"/>
+                          </a:solidFill>
+                          <a:effectLst/>
+                          <a:latin typeface="+mn-lt"/>
+                          <a:ea typeface="+mn-ea"/>
+                          <a:cs typeface="+mn-cs"/>
+                        </a:rPr>
+                        <a:t>ALTER TABLE `comment` ADD FOREIGN KEY (`</a:t>
+                      </a:r>
+                      <a:r>
+                        <a:rPr lang="en-US" sz="1800" b="0" i="0" kern="1200" dirty="0" err="1">
+                          <a:solidFill>
+                            <a:schemeClr val="tx1"/>
+                          </a:solidFill>
+                          <a:effectLst/>
+                          <a:latin typeface="+mn-lt"/>
+                          <a:ea typeface="+mn-ea"/>
+                          <a:cs typeface="+mn-cs"/>
+                        </a:rPr>
+                        <a:t>ReplyTo_PostID</a:t>
+                      </a:r>
+                      <a:r>
+                        <a:rPr lang="en-US" sz="1800" b="0" i="0" kern="1200" dirty="0">
+                          <a:solidFill>
+                            <a:schemeClr val="tx1"/>
+                          </a:solidFill>
+                          <a:effectLst/>
+                          <a:latin typeface="+mn-lt"/>
+                          <a:ea typeface="+mn-ea"/>
+                          <a:cs typeface="+mn-cs"/>
+                        </a:rPr>
+                        <a:t>`) REFERENCES `post` (`</a:t>
+                      </a:r>
+                      <a:r>
+                        <a:rPr lang="en-US" sz="1800" b="0" i="0" kern="1200" dirty="0" err="1">
+                          <a:solidFill>
+                            <a:schemeClr val="tx1"/>
+                          </a:solidFill>
+                          <a:effectLst/>
+                          <a:latin typeface="+mn-lt"/>
+                          <a:ea typeface="+mn-ea"/>
+                          <a:cs typeface="+mn-cs"/>
+                        </a:rPr>
+                        <a:t>PostID</a:t>
+                      </a:r>
+                      <a:r>
+                        <a:rPr lang="en-US" sz="1800" b="0" i="0" kern="1200" dirty="0">
+                          <a:solidFill>
+                            <a:schemeClr val="tx1"/>
+                          </a:solidFill>
+                          <a:effectLst/>
+                          <a:latin typeface="+mn-lt"/>
+                          <a:ea typeface="+mn-ea"/>
+                          <a:cs typeface="+mn-cs"/>
+                        </a:rPr>
+                        <a:t>`) ON DELETE CASCADE;</a:t>
+                      </a:r>
+                    </a:p>
+                    <a:p>
+                      <a:pPr fontAlgn="ctr"/>
+                      <a:r>
+                        <a:rPr lang="en-US" sz="1800" b="0" i="0" kern="1200" dirty="0">
+                          <a:solidFill>
+                            <a:schemeClr val="tx1"/>
+                          </a:solidFill>
+                          <a:effectLst/>
+                          <a:latin typeface="+mn-lt"/>
+                          <a:ea typeface="+mn-ea"/>
+                          <a:cs typeface="+mn-cs"/>
+                        </a:rPr>
+                        <a:t>ALTER TABLE `conversation` ADD FOREIGN KEY (`</a:t>
+                      </a:r>
+                      <a:r>
+                        <a:rPr lang="en-US" sz="1800" b="0" i="0" kern="1200" dirty="0" err="1">
+                          <a:solidFill>
+                            <a:schemeClr val="tx1"/>
+                          </a:solidFill>
+                          <a:effectLst/>
+                          <a:latin typeface="+mn-lt"/>
+                          <a:ea typeface="+mn-ea"/>
+                          <a:cs typeface="+mn-cs"/>
+                        </a:rPr>
+                        <a:t>SenderID</a:t>
+                      </a:r>
+                      <a:r>
+                        <a:rPr lang="en-US" sz="1800" b="0" i="0" kern="1200" dirty="0">
+                          <a:solidFill>
+                            <a:schemeClr val="tx1"/>
+                          </a:solidFill>
+                          <a:effectLst/>
+                          <a:latin typeface="+mn-lt"/>
+                          <a:ea typeface="+mn-ea"/>
+                          <a:cs typeface="+mn-cs"/>
+                        </a:rPr>
+                        <a:t>`) REFERENCES `user` (`</a:t>
+                      </a:r>
+                      <a:r>
+                        <a:rPr lang="en-US" sz="1800" b="0" i="0" kern="1200" dirty="0" err="1">
+                          <a:solidFill>
+                            <a:schemeClr val="tx1"/>
+                          </a:solidFill>
+                          <a:effectLst/>
+                          <a:latin typeface="+mn-lt"/>
+                          <a:ea typeface="+mn-ea"/>
+                          <a:cs typeface="+mn-cs"/>
+                        </a:rPr>
+                        <a:t>UserID</a:t>
+                      </a:r>
+                      <a:r>
+                        <a:rPr lang="en-US" sz="1800" b="0" i="0" kern="1200" dirty="0">
+                          <a:solidFill>
+                            <a:schemeClr val="tx1"/>
+                          </a:solidFill>
+                          <a:effectLst/>
+                          <a:latin typeface="+mn-lt"/>
+                          <a:ea typeface="+mn-ea"/>
+                          <a:cs typeface="+mn-cs"/>
+                        </a:rPr>
+                        <a:t>`) ON DELETE CASCADE;</a:t>
+                      </a:r>
+                    </a:p>
+                    <a:p>
+                      <a:pPr fontAlgn="ctr"/>
+                      <a:r>
+                        <a:rPr lang="en-US" sz="1800" b="0" i="0" kern="1200" dirty="0">
+                          <a:solidFill>
+                            <a:schemeClr val="tx1"/>
+                          </a:solidFill>
+                          <a:effectLst/>
+                          <a:latin typeface="+mn-lt"/>
+                          <a:ea typeface="+mn-ea"/>
+                          <a:cs typeface="+mn-cs"/>
+                        </a:rPr>
+                        <a:t>ALTER TABLE `conversation` ADD FOREIGN KEY (`</a:t>
+                      </a:r>
+                      <a:r>
+                        <a:rPr lang="en-US" sz="1800" b="0" i="0" kern="1200" dirty="0" err="1">
+                          <a:solidFill>
+                            <a:schemeClr val="tx1"/>
+                          </a:solidFill>
+                          <a:effectLst/>
+                          <a:latin typeface="+mn-lt"/>
+                          <a:ea typeface="+mn-ea"/>
+                          <a:cs typeface="+mn-cs"/>
+                        </a:rPr>
+                        <a:t>ReceiverID</a:t>
+                      </a:r>
+                      <a:r>
+                        <a:rPr lang="en-US" sz="1800" b="0" i="0" kern="1200" dirty="0">
+                          <a:solidFill>
+                            <a:schemeClr val="tx1"/>
+                          </a:solidFill>
+                          <a:effectLst/>
+                          <a:latin typeface="+mn-lt"/>
+                          <a:ea typeface="+mn-ea"/>
+                          <a:cs typeface="+mn-cs"/>
+                        </a:rPr>
+                        <a:t>`) REFERENCES `user` (`</a:t>
+                      </a:r>
+                      <a:r>
+                        <a:rPr lang="en-US" sz="1800" b="0" i="0" kern="1200" dirty="0" err="1">
+                          <a:solidFill>
+                            <a:schemeClr val="tx1"/>
+                          </a:solidFill>
+                          <a:effectLst/>
+                          <a:latin typeface="+mn-lt"/>
+                          <a:ea typeface="+mn-ea"/>
+                          <a:cs typeface="+mn-cs"/>
+                        </a:rPr>
+                        <a:t>UserID</a:t>
+                      </a:r>
+                      <a:r>
+                        <a:rPr lang="en-US" sz="1800" b="0" i="0" kern="1200" dirty="0">
+                          <a:solidFill>
+                            <a:schemeClr val="tx1"/>
+                          </a:solidFill>
+                          <a:effectLst/>
+                          <a:latin typeface="+mn-lt"/>
+                          <a:ea typeface="+mn-ea"/>
+                          <a:cs typeface="+mn-cs"/>
+                        </a:rPr>
+                        <a:t>`) ON DELETE CASCADE;</a:t>
+                      </a:r>
+                    </a:p>
+                    <a:p>
+                      <a:pPr fontAlgn="ctr"/>
+                      <a:r>
+                        <a:rPr lang="en-US" sz="1800" b="0" i="0" kern="1200" dirty="0">
+                          <a:solidFill>
+                            <a:schemeClr val="tx1"/>
+                          </a:solidFill>
+                          <a:effectLst/>
+                          <a:latin typeface="+mn-lt"/>
+                          <a:ea typeface="+mn-ea"/>
+                          <a:cs typeface="+mn-cs"/>
+                        </a:rPr>
+                        <a:t>ALTER TABLE `conversation` ADD FOREIGN KEY (`</a:t>
+                      </a:r>
+                      <a:r>
+                        <a:rPr lang="en-US" sz="1800" b="0" i="0" kern="1200" dirty="0" err="1">
+                          <a:solidFill>
+                            <a:schemeClr val="tx1"/>
+                          </a:solidFill>
+                          <a:effectLst/>
+                          <a:latin typeface="+mn-lt"/>
+                          <a:ea typeface="+mn-ea"/>
+                          <a:cs typeface="+mn-cs"/>
+                        </a:rPr>
+                        <a:t>MediaID</a:t>
+                      </a:r>
+                      <a:r>
+                        <a:rPr lang="en-US" sz="1800" b="0" i="0" kern="1200" dirty="0">
+                          <a:solidFill>
+                            <a:schemeClr val="tx1"/>
+                          </a:solidFill>
+                          <a:effectLst/>
+                          <a:latin typeface="+mn-lt"/>
+                          <a:ea typeface="+mn-ea"/>
+                          <a:cs typeface="+mn-cs"/>
+                        </a:rPr>
+                        <a:t>`) REFERENCES `media` (`</a:t>
+                      </a:r>
+                      <a:r>
+                        <a:rPr lang="en-US" sz="1800" b="0" i="0" kern="1200" dirty="0" err="1">
+                          <a:solidFill>
+                            <a:schemeClr val="tx1"/>
+                          </a:solidFill>
+                          <a:effectLst/>
+                          <a:latin typeface="+mn-lt"/>
+                          <a:ea typeface="+mn-ea"/>
+                          <a:cs typeface="+mn-cs"/>
+                        </a:rPr>
+                        <a:t>MediaID</a:t>
+                      </a:r>
+                      <a:r>
+                        <a:rPr lang="en-US" sz="1800" b="0" i="0" kern="1200" dirty="0">
+                          <a:solidFill>
+                            <a:schemeClr val="tx1"/>
+                          </a:solidFill>
+                          <a:effectLst/>
+                          <a:latin typeface="+mn-lt"/>
+                          <a:ea typeface="+mn-ea"/>
+                          <a:cs typeface="+mn-cs"/>
+                        </a:rPr>
+                        <a:t>`) ON DELETE CASCADE;</a:t>
+                      </a:r>
+                    </a:p>
+                    <a:p>
+                      <a:pPr fontAlgn="ctr"/>
+                      <a:r>
+                        <a:rPr lang="en-US" sz="1800" b="0" i="0" kern="1200" dirty="0">
+                          <a:solidFill>
+                            <a:schemeClr val="tx1"/>
+                          </a:solidFill>
+                          <a:effectLst/>
+                          <a:latin typeface="+mn-lt"/>
+                          <a:ea typeface="+mn-ea"/>
+                          <a:cs typeface="+mn-cs"/>
+                        </a:rPr>
+                        <a:t>ALTER TABLE `friends` ADD FOREIGN KEY (`UserID_1`) REFERENCES `user` (`</a:t>
+                      </a:r>
+                      <a:r>
+                        <a:rPr lang="en-US" sz="1800" b="0" i="0" kern="1200" dirty="0" err="1">
+                          <a:solidFill>
+                            <a:schemeClr val="tx1"/>
+                          </a:solidFill>
+                          <a:effectLst/>
+                          <a:latin typeface="+mn-lt"/>
+                          <a:ea typeface="+mn-ea"/>
+                          <a:cs typeface="+mn-cs"/>
+                        </a:rPr>
+                        <a:t>UserID</a:t>
+                      </a:r>
+                      <a:r>
+                        <a:rPr lang="en-US" sz="1800" b="0" i="0" kern="1200" dirty="0">
+                          <a:solidFill>
+                            <a:schemeClr val="tx1"/>
+                          </a:solidFill>
+                          <a:effectLst/>
+                          <a:latin typeface="+mn-lt"/>
+                          <a:ea typeface="+mn-ea"/>
+                          <a:cs typeface="+mn-cs"/>
+                        </a:rPr>
+                        <a:t>`) ON DELETE CASCADE;</a:t>
+                      </a:r>
+                    </a:p>
+                    <a:p>
+                      <a:pPr fontAlgn="ctr"/>
+                      <a:r>
+                        <a:rPr lang="en-US" sz="1800" b="0" i="0" kern="1200" dirty="0">
+                          <a:solidFill>
+                            <a:schemeClr val="tx1"/>
+                          </a:solidFill>
+                          <a:effectLst/>
+                          <a:latin typeface="+mn-lt"/>
+                          <a:ea typeface="+mn-ea"/>
+                          <a:cs typeface="+mn-cs"/>
+                        </a:rPr>
+                        <a:t>ALTER TABLE `friends` ADD FOREIGN KEY (`UserID_2`) REFERENCES `user` (`</a:t>
+                      </a:r>
+                      <a:r>
+                        <a:rPr lang="en-US" sz="1800" b="0" i="0" kern="1200" dirty="0" err="1">
+                          <a:solidFill>
+                            <a:schemeClr val="tx1"/>
+                          </a:solidFill>
+                          <a:effectLst/>
+                          <a:latin typeface="+mn-lt"/>
+                          <a:ea typeface="+mn-ea"/>
+                          <a:cs typeface="+mn-cs"/>
+                        </a:rPr>
+                        <a:t>UserID</a:t>
+                      </a:r>
+                      <a:r>
+                        <a:rPr lang="en-US" sz="1800" b="0" i="0" kern="1200" dirty="0">
+                          <a:solidFill>
+                            <a:schemeClr val="tx1"/>
+                          </a:solidFill>
+                          <a:effectLst/>
+                          <a:latin typeface="+mn-lt"/>
+                          <a:ea typeface="+mn-ea"/>
+                          <a:cs typeface="+mn-cs"/>
+                        </a:rPr>
+                        <a:t>`) ON DELETE CASCADE;</a:t>
+                      </a:r>
+                    </a:p>
+                    <a:p>
+                      <a:pPr fontAlgn="ctr"/>
+                      <a:r>
+                        <a:rPr lang="en-US" sz="1800" b="0" i="0" kern="1200" dirty="0">
+                          <a:solidFill>
+                            <a:schemeClr val="tx1"/>
+                          </a:solidFill>
+                          <a:effectLst/>
+                          <a:latin typeface="+mn-lt"/>
+                          <a:ea typeface="+mn-ea"/>
+                          <a:cs typeface="+mn-cs"/>
+                        </a:rPr>
+                        <a:t>ALTER TABLE `</a:t>
+                      </a:r>
+                      <a:r>
+                        <a:rPr lang="en-US" sz="1800" b="0" i="0" kern="1200" dirty="0" err="1">
+                          <a:solidFill>
+                            <a:schemeClr val="tx1"/>
+                          </a:solidFill>
+                          <a:effectLst/>
+                          <a:latin typeface="+mn-lt"/>
+                          <a:ea typeface="+mn-ea"/>
+                          <a:cs typeface="+mn-cs"/>
+                        </a:rPr>
+                        <a:t>liked_post</a:t>
+                      </a:r>
+                      <a:r>
+                        <a:rPr lang="en-US" sz="1800" b="0" i="0" kern="1200" dirty="0">
+                          <a:solidFill>
+                            <a:schemeClr val="tx1"/>
+                          </a:solidFill>
+                          <a:effectLst/>
+                          <a:latin typeface="+mn-lt"/>
+                          <a:ea typeface="+mn-ea"/>
+                          <a:cs typeface="+mn-cs"/>
+                        </a:rPr>
+                        <a:t>` ADD FOREIGN KEY (`</a:t>
+                      </a:r>
+                      <a:r>
+                        <a:rPr lang="en-US" sz="1800" b="0" i="0" kern="1200" dirty="0" err="1">
+                          <a:solidFill>
+                            <a:schemeClr val="tx1"/>
+                          </a:solidFill>
+                          <a:effectLst/>
+                          <a:latin typeface="+mn-lt"/>
+                          <a:ea typeface="+mn-ea"/>
+                          <a:cs typeface="+mn-cs"/>
+                        </a:rPr>
+                        <a:t>UserID</a:t>
+                      </a:r>
+                      <a:r>
+                        <a:rPr lang="en-US" sz="1800" b="0" i="0" kern="1200" dirty="0">
+                          <a:solidFill>
+                            <a:schemeClr val="tx1"/>
+                          </a:solidFill>
+                          <a:effectLst/>
+                          <a:latin typeface="+mn-lt"/>
+                          <a:ea typeface="+mn-ea"/>
+                          <a:cs typeface="+mn-cs"/>
+                        </a:rPr>
+                        <a:t>`) REFERENCES `user` (`</a:t>
+                      </a:r>
+                      <a:r>
+                        <a:rPr lang="en-US" sz="1800" b="0" i="0" kern="1200" dirty="0" err="1">
+                          <a:solidFill>
+                            <a:schemeClr val="tx1"/>
+                          </a:solidFill>
+                          <a:effectLst/>
+                          <a:latin typeface="+mn-lt"/>
+                          <a:ea typeface="+mn-ea"/>
+                          <a:cs typeface="+mn-cs"/>
+                        </a:rPr>
+                        <a:t>UserID</a:t>
+                      </a:r>
+                      <a:r>
+                        <a:rPr lang="en-US" sz="1800" b="0" i="0" kern="1200" dirty="0">
+                          <a:solidFill>
+                            <a:schemeClr val="tx1"/>
+                          </a:solidFill>
+                          <a:effectLst/>
+                          <a:latin typeface="+mn-lt"/>
+                          <a:ea typeface="+mn-ea"/>
+                          <a:cs typeface="+mn-cs"/>
+                        </a:rPr>
+                        <a:t>`) ON DELETE CASCADE;</a:t>
+                      </a:r>
+                    </a:p>
+                    <a:p>
+                      <a:pPr fontAlgn="ctr"/>
+                      <a:r>
+                        <a:rPr lang="en-US" sz="1800" b="0" i="0" kern="1200" dirty="0">
+                          <a:solidFill>
+                            <a:schemeClr val="tx1"/>
+                          </a:solidFill>
+                          <a:effectLst/>
+                          <a:latin typeface="+mn-lt"/>
+                          <a:ea typeface="+mn-ea"/>
+                          <a:cs typeface="+mn-cs"/>
+                        </a:rPr>
+                        <a:t>ALTER TABLE `</a:t>
+                      </a:r>
+                      <a:r>
+                        <a:rPr lang="en-US" sz="1800" b="0" i="0" kern="1200" dirty="0" err="1">
+                          <a:solidFill>
+                            <a:schemeClr val="tx1"/>
+                          </a:solidFill>
+                          <a:effectLst/>
+                          <a:latin typeface="+mn-lt"/>
+                          <a:ea typeface="+mn-ea"/>
+                          <a:cs typeface="+mn-cs"/>
+                        </a:rPr>
+                        <a:t>liked_post</a:t>
+                      </a:r>
+                      <a:r>
+                        <a:rPr lang="en-US" sz="1800" b="0" i="0" kern="1200" dirty="0">
+                          <a:solidFill>
+                            <a:schemeClr val="tx1"/>
+                          </a:solidFill>
+                          <a:effectLst/>
+                          <a:latin typeface="+mn-lt"/>
+                          <a:ea typeface="+mn-ea"/>
+                          <a:cs typeface="+mn-cs"/>
+                        </a:rPr>
+                        <a:t>` ADD FOREIGN KEY (`</a:t>
+                      </a:r>
+                      <a:r>
+                        <a:rPr lang="en-US" sz="1800" b="0" i="0" kern="1200" dirty="0" err="1">
+                          <a:solidFill>
+                            <a:schemeClr val="tx1"/>
+                          </a:solidFill>
+                          <a:effectLst/>
+                          <a:latin typeface="+mn-lt"/>
+                          <a:ea typeface="+mn-ea"/>
+                          <a:cs typeface="+mn-cs"/>
+                        </a:rPr>
+                        <a:t>PostID</a:t>
+                      </a:r>
+                      <a:r>
+                        <a:rPr lang="en-US" sz="1800" b="0" i="0" kern="1200" dirty="0">
+                          <a:solidFill>
+                            <a:schemeClr val="tx1"/>
+                          </a:solidFill>
+                          <a:effectLst/>
+                          <a:latin typeface="+mn-lt"/>
+                          <a:ea typeface="+mn-ea"/>
+                          <a:cs typeface="+mn-cs"/>
+                        </a:rPr>
+                        <a:t>`) REFERENCES `post` (`</a:t>
+                      </a:r>
+                      <a:r>
+                        <a:rPr lang="en-US" sz="1800" b="0" i="0" kern="1200" dirty="0" err="1">
+                          <a:solidFill>
+                            <a:schemeClr val="tx1"/>
+                          </a:solidFill>
+                          <a:effectLst/>
+                          <a:latin typeface="+mn-lt"/>
+                          <a:ea typeface="+mn-ea"/>
+                          <a:cs typeface="+mn-cs"/>
+                        </a:rPr>
+                        <a:t>PostID</a:t>
+                      </a:r>
+                      <a:r>
+                        <a:rPr lang="en-US" sz="1800" b="0" i="0" kern="1200" dirty="0">
+                          <a:solidFill>
+                            <a:schemeClr val="tx1"/>
+                          </a:solidFill>
+                          <a:effectLst/>
+                          <a:latin typeface="+mn-lt"/>
+                          <a:ea typeface="+mn-ea"/>
+                          <a:cs typeface="+mn-cs"/>
+                        </a:rPr>
+                        <a:t>`) ON DELETE CASCADE;</a:t>
+                      </a:r>
+                    </a:p>
+                    <a:p>
+                      <a:pPr fontAlgn="ctr"/>
+                      <a:r>
+                        <a:rPr lang="en-US" sz="1800" b="0" i="0" kern="1200" dirty="0">
+                          <a:solidFill>
+                            <a:schemeClr val="tx1"/>
+                          </a:solidFill>
+                          <a:effectLst/>
+                          <a:latin typeface="+mn-lt"/>
+                          <a:ea typeface="+mn-ea"/>
+                          <a:cs typeface="+mn-cs"/>
+                        </a:rPr>
+                        <a:t>ALTER TABLE `</a:t>
+                      </a:r>
+                      <a:r>
+                        <a:rPr lang="en-US" sz="1800" b="0" i="0" kern="1200" dirty="0" err="1">
+                          <a:solidFill>
+                            <a:schemeClr val="tx1"/>
+                          </a:solidFill>
+                          <a:effectLst/>
+                          <a:latin typeface="+mn-lt"/>
+                          <a:ea typeface="+mn-ea"/>
+                          <a:cs typeface="+mn-cs"/>
+                        </a:rPr>
+                        <a:t>own_media</a:t>
+                      </a:r>
+                      <a:r>
+                        <a:rPr lang="en-US" sz="1800" b="0" i="0" kern="1200" dirty="0">
+                          <a:solidFill>
+                            <a:schemeClr val="tx1"/>
+                          </a:solidFill>
+                          <a:effectLst/>
+                          <a:latin typeface="+mn-lt"/>
+                          <a:ea typeface="+mn-ea"/>
+                          <a:cs typeface="+mn-cs"/>
+                        </a:rPr>
+                        <a:t>` ADD FOREIGN KEY (`</a:t>
+                      </a:r>
+                      <a:r>
+                        <a:rPr lang="en-US" sz="1800" b="0" i="0" kern="1200" dirty="0" err="1">
+                          <a:solidFill>
+                            <a:schemeClr val="tx1"/>
+                          </a:solidFill>
+                          <a:effectLst/>
+                          <a:latin typeface="+mn-lt"/>
+                          <a:ea typeface="+mn-ea"/>
+                          <a:cs typeface="+mn-cs"/>
+                        </a:rPr>
+                        <a:t>PostID</a:t>
+                      </a:r>
+                      <a:r>
+                        <a:rPr lang="en-US" sz="1800" b="0" i="0" kern="1200" dirty="0">
+                          <a:solidFill>
+                            <a:schemeClr val="tx1"/>
+                          </a:solidFill>
+                          <a:effectLst/>
+                          <a:latin typeface="+mn-lt"/>
+                          <a:ea typeface="+mn-ea"/>
+                          <a:cs typeface="+mn-cs"/>
+                        </a:rPr>
+                        <a:t>`) REFERENCES `post` (`</a:t>
+                      </a:r>
+                      <a:r>
+                        <a:rPr lang="en-US" sz="1800" b="0" i="0" kern="1200" dirty="0" err="1">
+                          <a:solidFill>
+                            <a:schemeClr val="tx1"/>
+                          </a:solidFill>
+                          <a:effectLst/>
+                          <a:latin typeface="+mn-lt"/>
+                          <a:ea typeface="+mn-ea"/>
+                          <a:cs typeface="+mn-cs"/>
+                        </a:rPr>
+                        <a:t>PostID</a:t>
+                      </a:r>
+                      <a:r>
+                        <a:rPr lang="en-US" sz="1800" b="0" i="0" kern="1200" dirty="0">
+                          <a:solidFill>
+                            <a:schemeClr val="tx1"/>
+                          </a:solidFill>
+                          <a:effectLst/>
+                          <a:latin typeface="+mn-lt"/>
+                          <a:ea typeface="+mn-ea"/>
+                          <a:cs typeface="+mn-cs"/>
+                        </a:rPr>
+                        <a:t>`) ON DELETE CASCADE;</a:t>
+                      </a:r>
+                    </a:p>
+                    <a:p>
+                      <a:pPr fontAlgn="ctr"/>
+                      <a:r>
+                        <a:rPr lang="en-US" sz="1800" b="0" i="0" kern="1200" dirty="0">
+                          <a:solidFill>
+                            <a:schemeClr val="tx1"/>
+                          </a:solidFill>
+                          <a:effectLst/>
+                          <a:latin typeface="+mn-lt"/>
+                          <a:ea typeface="+mn-ea"/>
+                          <a:cs typeface="+mn-cs"/>
+                        </a:rPr>
+                        <a:t>ALTER TABLE `</a:t>
+                      </a:r>
+                      <a:r>
+                        <a:rPr lang="en-US" sz="1800" b="0" i="0" kern="1200" dirty="0" err="1">
+                          <a:solidFill>
+                            <a:schemeClr val="tx1"/>
+                          </a:solidFill>
+                          <a:effectLst/>
+                          <a:latin typeface="+mn-lt"/>
+                          <a:ea typeface="+mn-ea"/>
+                          <a:cs typeface="+mn-cs"/>
+                        </a:rPr>
+                        <a:t>own_media</a:t>
+                      </a:r>
+                      <a:r>
+                        <a:rPr lang="en-US" sz="1800" b="0" i="0" kern="1200" dirty="0">
+                          <a:solidFill>
+                            <a:schemeClr val="tx1"/>
+                          </a:solidFill>
+                          <a:effectLst/>
+                          <a:latin typeface="+mn-lt"/>
+                          <a:ea typeface="+mn-ea"/>
+                          <a:cs typeface="+mn-cs"/>
+                        </a:rPr>
+                        <a:t>` ADD FOREIGN KEY (`</a:t>
+                      </a:r>
+                      <a:r>
+                        <a:rPr lang="en-US" sz="1800" b="0" i="0" kern="1200" dirty="0" err="1">
+                          <a:solidFill>
+                            <a:schemeClr val="tx1"/>
+                          </a:solidFill>
+                          <a:effectLst/>
+                          <a:latin typeface="+mn-lt"/>
+                          <a:ea typeface="+mn-ea"/>
+                          <a:cs typeface="+mn-cs"/>
+                        </a:rPr>
+                        <a:t>MediaID</a:t>
+                      </a:r>
+                      <a:r>
+                        <a:rPr lang="en-US" sz="1800" b="0" i="0" kern="1200" dirty="0">
+                          <a:solidFill>
+                            <a:schemeClr val="tx1"/>
+                          </a:solidFill>
+                          <a:effectLst/>
+                          <a:latin typeface="+mn-lt"/>
+                          <a:ea typeface="+mn-ea"/>
+                          <a:cs typeface="+mn-cs"/>
+                        </a:rPr>
+                        <a:t>`) REFERENCES `media` (`</a:t>
+                      </a:r>
+                      <a:r>
+                        <a:rPr lang="en-US" sz="1800" b="0" i="0" kern="1200" dirty="0" err="1">
+                          <a:solidFill>
+                            <a:schemeClr val="tx1"/>
+                          </a:solidFill>
+                          <a:effectLst/>
+                          <a:latin typeface="+mn-lt"/>
+                          <a:ea typeface="+mn-ea"/>
+                          <a:cs typeface="+mn-cs"/>
+                        </a:rPr>
+                        <a:t>MediaID</a:t>
+                      </a:r>
+                      <a:r>
+                        <a:rPr lang="en-US" sz="1800" b="0" i="0" kern="1200" dirty="0">
+                          <a:solidFill>
+                            <a:schemeClr val="tx1"/>
+                          </a:solidFill>
+                          <a:effectLst/>
+                          <a:latin typeface="+mn-lt"/>
+                          <a:ea typeface="+mn-ea"/>
+                          <a:cs typeface="+mn-cs"/>
+                        </a:rPr>
+                        <a:t>`) ON DELETE CASCADE;</a:t>
+                      </a:r>
+                    </a:p>
+                    <a:p>
+                      <a:pPr fontAlgn="ctr"/>
+                      <a:r>
+                        <a:rPr lang="en-US" sz="1800" b="0" i="0" kern="1200" dirty="0">
+                          <a:solidFill>
+                            <a:schemeClr val="tx1"/>
+                          </a:solidFill>
+                          <a:effectLst/>
+                          <a:latin typeface="+mn-lt"/>
+                          <a:ea typeface="+mn-ea"/>
+                          <a:cs typeface="+mn-cs"/>
+                        </a:rPr>
+                        <a:t>ALTER TABLE `post` ADD FOREIGN KEY (`</a:t>
+                      </a:r>
+                      <a:r>
+                        <a:rPr lang="en-US" sz="1800" b="0" i="0" kern="1200" dirty="0" err="1">
+                          <a:solidFill>
+                            <a:schemeClr val="tx1"/>
+                          </a:solidFill>
+                          <a:effectLst/>
+                          <a:latin typeface="+mn-lt"/>
+                          <a:ea typeface="+mn-ea"/>
+                          <a:cs typeface="+mn-cs"/>
+                        </a:rPr>
+                        <a:t>PostedBy_UserID</a:t>
+                      </a:r>
+                      <a:r>
+                        <a:rPr lang="en-US" sz="1800" b="0" i="0" kern="1200" dirty="0">
+                          <a:solidFill>
+                            <a:schemeClr val="tx1"/>
+                          </a:solidFill>
+                          <a:effectLst/>
+                          <a:latin typeface="+mn-lt"/>
+                          <a:ea typeface="+mn-ea"/>
+                          <a:cs typeface="+mn-cs"/>
+                        </a:rPr>
+                        <a:t>`) REFERENCES `user` (`</a:t>
+                      </a:r>
+                      <a:r>
+                        <a:rPr lang="en-US" sz="1800" b="0" i="0" kern="1200" dirty="0" err="1">
+                          <a:solidFill>
+                            <a:schemeClr val="tx1"/>
+                          </a:solidFill>
+                          <a:effectLst/>
+                          <a:latin typeface="+mn-lt"/>
+                          <a:ea typeface="+mn-ea"/>
+                          <a:cs typeface="+mn-cs"/>
+                        </a:rPr>
+                        <a:t>UserID</a:t>
+                      </a:r>
+                      <a:r>
+                        <a:rPr lang="en-US" sz="1800" b="0" i="0" kern="1200" dirty="0">
+                          <a:solidFill>
+                            <a:schemeClr val="tx1"/>
+                          </a:solidFill>
+                          <a:effectLst/>
+                          <a:latin typeface="+mn-lt"/>
+                          <a:ea typeface="+mn-ea"/>
+                          <a:cs typeface="+mn-cs"/>
+                        </a:rPr>
+                        <a:t>`) ON DELETE CASCADE;</a:t>
+                      </a:r>
+                    </a:p>
+                    <a:p>
+                      <a:pPr fontAlgn="ctr"/>
+                      <a:r>
+                        <a:rPr lang="en-US" sz="1800" b="0" i="0" kern="1200" dirty="0">
+                          <a:solidFill>
+                            <a:schemeClr val="tx1"/>
+                          </a:solidFill>
+                          <a:effectLst/>
+                          <a:latin typeface="+mn-lt"/>
+                          <a:ea typeface="+mn-ea"/>
+                          <a:cs typeface="+mn-cs"/>
+                        </a:rPr>
+                        <a:t>ALTER TABLE `</a:t>
+                      </a:r>
+                      <a:r>
+                        <a:rPr lang="en-US" sz="1800" b="0" i="0" kern="1200" dirty="0" err="1">
+                          <a:solidFill>
+                            <a:schemeClr val="tx1"/>
+                          </a:solidFill>
+                          <a:effectLst/>
+                          <a:latin typeface="+mn-lt"/>
+                          <a:ea typeface="+mn-ea"/>
+                          <a:cs typeface="+mn-cs"/>
+                        </a:rPr>
+                        <a:t>shared_post</a:t>
+                      </a:r>
+                      <a:r>
+                        <a:rPr lang="en-US" sz="1800" b="0" i="0" kern="1200" dirty="0">
+                          <a:solidFill>
+                            <a:schemeClr val="tx1"/>
+                          </a:solidFill>
+                          <a:effectLst/>
+                          <a:latin typeface="+mn-lt"/>
+                          <a:ea typeface="+mn-ea"/>
+                          <a:cs typeface="+mn-cs"/>
+                        </a:rPr>
+                        <a:t>` ADD FOREIGN KEY (`</a:t>
+                      </a:r>
+                      <a:r>
+                        <a:rPr lang="en-US" sz="1800" b="0" i="0" kern="1200" dirty="0" err="1">
+                          <a:solidFill>
+                            <a:schemeClr val="tx1"/>
+                          </a:solidFill>
+                          <a:effectLst/>
+                          <a:latin typeface="+mn-lt"/>
+                          <a:ea typeface="+mn-ea"/>
+                          <a:cs typeface="+mn-cs"/>
+                        </a:rPr>
+                        <a:t>UserID</a:t>
+                      </a:r>
+                      <a:r>
+                        <a:rPr lang="en-US" sz="1800" b="0" i="0" kern="1200" dirty="0">
+                          <a:solidFill>
+                            <a:schemeClr val="tx1"/>
+                          </a:solidFill>
+                          <a:effectLst/>
+                          <a:latin typeface="+mn-lt"/>
+                          <a:ea typeface="+mn-ea"/>
+                          <a:cs typeface="+mn-cs"/>
+                        </a:rPr>
+                        <a:t>`) REFERENCES `user` (`</a:t>
+                      </a:r>
+                      <a:r>
+                        <a:rPr lang="en-US" sz="1800" b="0" i="0" kern="1200" dirty="0" err="1">
+                          <a:solidFill>
+                            <a:schemeClr val="tx1"/>
+                          </a:solidFill>
+                          <a:effectLst/>
+                          <a:latin typeface="+mn-lt"/>
+                          <a:ea typeface="+mn-ea"/>
+                          <a:cs typeface="+mn-cs"/>
+                        </a:rPr>
+                        <a:t>UserID</a:t>
+                      </a:r>
+                      <a:r>
+                        <a:rPr lang="en-US" sz="1800" b="0" i="0" kern="1200" dirty="0">
+                          <a:solidFill>
+                            <a:schemeClr val="tx1"/>
+                          </a:solidFill>
+                          <a:effectLst/>
+                          <a:latin typeface="+mn-lt"/>
+                          <a:ea typeface="+mn-ea"/>
+                          <a:cs typeface="+mn-cs"/>
+                        </a:rPr>
+                        <a:t>`) ON DELETE CASCADE;</a:t>
+                      </a:r>
+                    </a:p>
+                    <a:p>
+                      <a:pPr fontAlgn="ctr"/>
+                      <a:r>
+                        <a:rPr lang="en-US" sz="1800" b="0" i="0" kern="1200" dirty="0">
+                          <a:solidFill>
+                            <a:schemeClr val="tx1"/>
+                          </a:solidFill>
+                          <a:effectLst/>
+                          <a:latin typeface="+mn-lt"/>
+                          <a:ea typeface="+mn-ea"/>
+                          <a:cs typeface="+mn-cs"/>
+                        </a:rPr>
+                        <a:t>ALTER TABLE `</a:t>
+                      </a:r>
+                      <a:r>
+                        <a:rPr lang="en-US" sz="1800" b="0" i="0" kern="1200" dirty="0" err="1">
+                          <a:solidFill>
+                            <a:schemeClr val="tx1"/>
+                          </a:solidFill>
+                          <a:effectLst/>
+                          <a:latin typeface="+mn-lt"/>
+                          <a:ea typeface="+mn-ea"/>
+                          <a:cs typeface="+mn-cs"/>
+                        </a:rPr>
+                        <a:t>shared_post</a:t>
+                      </a:r>
+                      <a:r>
+                        <a:rPr lang="en-US" sz="1800" b="0" i="0" kern="1200" dirty="0">
+                          <a:solidFill>
+                            <a:schemeClr val="tx1"/>
+                          </a:solidFill>
+                          <a:effectLst/>
+                          <a:latin typeface="+mn-lt"/>
+                          <a:ea typeface="+mn-ea"/>
+                          <a:cs typeface="+mn-cs"/>
+                        </a:rPr>
+                        <a:t>` ADD FOREIGN KEY (`</a:t>
+                      </a:r>
+                      <a:r>
+                        <a:rPr lang="en-US" sz="1800" b="0" i="0" kern="1200" dirty="0" err="1">
+                          <a:solidFill>
+                            <a:schemeClr val="tx1"/>
+                          </a:solidFill>
+                          <a:effectLst/>
+                          <a:latin typeface="+mn-lt"/>
+                          <a:ea typeface="+mn-ea"/>
+                          <a:cs typeface="+mn-cs"/>
+                        </a:rPr>
+                        <a:t>PostID</a:t>
+                      </a:r>
+                      <a:r>
+                        <a:rPr lang="en-US" sz="1800" b="0" i="0" kern="1200" dirty="0">
+                          <a:solidFill>
+                            <a:schemeClr val="tx1"/>
+                          </a:solidFill>
+                          <a:effectLst/>
+                          <a:latin typeface="+mn-lt"/>
+                          <a:ea typeface="+mn-ea"/>
+                          <a:cs typeface="+mn-cs"/>
+                        </a:rPr>
+                        <a:t>`) REFERENCES `post` (`</a:t>
+                      </a:r>
+                      <a:r>
+                        <a:rPr lang="en-US" sz="1800" b="0" i="0" kern="1200" dirty="0" err="1">
+                          <a:solidFill>
+                            <a:schemeClr val="tx1"/>
+                          </a:solidFill>
+                          <a:effectLst/>
+                          <a:latin typeface="+mn-lt"/>
+                          <a:ea typeface="+mn-ea"/>
+                          <a:cs typeface="+mn-cs"/>
+                        </a:rPr>
+                        <a:t>PostID</a:t>
+                      </a:r>
+                      <a:r>
+                        <a:rPr lang="en-US" sz="1800" b="0" i="0" kern="1200" dirty="0">
+                          <a:solidFill>
+                            <a:schemeClr val="tx1"/>
+                          </a:solidFill>
+                          <a:effectLst/>
+                          <a:latin typeface="+mn-lt"/>
+                          <a:ea typeface="+mn-ea"/>
+                          <a:cs typeface="+mn-cs"/>
+                        </a:rPr>
+                        <a:t>`) ON DELETE CASCADE;</a:t>
+                      </a:r>
+                      <a:endParaRPr lang="en-US" dirty="0">
+                        <a:effectLst/>
+                      </a:endParaRPr>
+                    </a:p>
+                  </a:txBody>
+                  <a:tcPr anchor="ctr">
+                    <a:lnL>
+                      <a:noFill/>
+                    </a:lnL>
+                    <a:lnR>
+                      <a:noFill/>
+                    </a:lnR>
+                    <a:lnT w="12700" cap="flat" cmpd="sng" algn="ctr">
+                      <a:solidFill>
+                        <a:srgbClr val="FBFCFC"/>
+                      </a:solidFill>
+                      <a:prstDash val="solid"/>
+                      <a:round/>
+                      <a:headEnd type="none" w="med" len="med"/>
+                      <a:tailEnd type="none" w="med" len="med"/>
+                    </a:lnT>
+                    <a:lnB w="12700" cap="flat" cmpd="sng" algn="ctr">
+                      <a:solidFill>
+                        <a:srgbClr val="FBFCFC"/>
+                      </a:solidFill>
+                      <a:prstDash val="solid"/>
+                      <a:round/>
+                      <a:headEnd type="none" w="med" len="med"/>
+                      <a:tailEnd type="none" w="med" len="med"/>
+                    </a:lnB>
+                    <a:solidFill>
+                      <a:srgbClr val="FDFDFE"/>
+                    </a:solidFill>
+                  </a:tcPr>
+                </a:tc>
+                <a:extLst>
+                  <a:ext uri="{0D108BD9-81ED-4DB2-BD59-A6C34878D82A}">
+                    <a16:rowId xmlns:a16="http://schemas.microsoft.com/office/drawing/2014/main" val="57146693"/>
+                  </a:ext>
+                </a:extLst>
+              </a:tr>
+              <a:tr h="0">
+                <a:tc>
+                  <a:txBody>
+                    <a:bodyPr/>
+                    <a:lstStyle/>
+                    <a:p>
+                      <a:pPr fontAlgn="ctr"/>
+                      <a:endParaRPr lang="en-US" dirty="0">
+                        <a:effectLst/>
+                      </a:endParaRPr>
+                    </a:p>
+                  </a:txBody>
+                  <a:tcPr anchor="ctr">
+                    <a:lnL>
+                      <a:noFill/>
+                    </a:lnL>
+                    <a:lnR>
+                      <a:noFill/>
+                    </a:lnR>
+                    <a:lnT w="12700" cap="flat" cmpd="sng" algn="ctr">
+                      <a:solidFill>
+                        <a:srgbClr val="FBFCFC"/>
+                      </a:solidFill>
+                      <a:prstDash val="solid"/>
+                      <a:round/>
+                      <a:headEnd type="none" w="med" len="med"/>
+                      <a:tailEnd type="none" w="med" len="med"/>
+                    </a:lnT>
+                    <a:lnB>
+                      <a:noFill/>
+                    </a:lnB>
+                    <a:solidFill>
+                      <a:srgbClr val="DFDFDF"/>
+                    </a:solidFill>
+                  </a:tcPr>
+                </a:tc>
+                <a:extLst>
+                  <a:ext uri="{0D108BD9-81ED-4DB2-BD59-A6C34878D82A}">
+                    <a16:rowId xmlns:a16="http://schemas.microsoft.com/office/drawing/2014/main" val="3447318921"/>
+                  </a:ext>
+                </a:extLst>
+              </a:tr>
+            </a:tbl>
+          </a:graphicData>
+        </a:graphic>
+      </p:graphicFrame>
+      <p:sp>
+        <p:nvSpPr>
+          <p:cNvPr id="4" name="Title 1">
+            <a:extLst>
+              <a:ext uri="{FF2B5EF4-FFF2-40B4-BE49-F238E27FC236}">
+                <a16:creationId xmlns:a16="http://schemas.microsoft.com/office/drawing/2014/main" id="{74A24C85-A29E-950F-9326-27556FD8E330}"/>
+              </a:ext>
+            </a:extLst>
+          </p:cNvPr>
+          <p:cNvSpPr>
+            <a:spLocks noGrp="1"/>
+          </p:cNvSpPr>
+          <p:nvPr>
+            <p:ph type="title"/>
+          </p:nvPr>
+        </p:nvSpPr>
+        <p:spPr>
+          <a:xfrm>
+            <a:off x="2197173" y="163662"/>
+            <a:ext cx="8180204" cy="615949"/>
+          </a:xfrm>
+        </p:spPr>
+        <p:txBody>
+          <a:bodyPr>
+            <a:normAutofit fontScale="90000"/>
+          </a:bodyPr>
+          <a:lstStyle/>
+          <a:p>
+            <a:r>
+              <a:rPr lang="en-US" b="1" dirty="0"/>
+              <a:t>ON CASCADE DELETION SATATEMENT </a:t>
+            </a:r>
           </a:p>
         </p:txBody>
       </p:sp>
       <p:sp>
         <p:nvSpPr>
-          <p:cNvPr id="6" name="TextBox 5">
+          <p:cNvPr id="6" name="Rectangle 1">
             <a:extLst>
               <a:ext uri="{FF2B5EF4-FFF2-40B4-BE49-F238E27FC236}">
-                <a16:creationId xmlns:a16="http://schemas.microsoft.com/office/drawing/2014/main" id="{512C76E8-F195-8CEE-1367-4E26CAF0C8C5}"/>
+                <a16:creationId xmlns:a16="http://schemas.microsoft.com/office/drawing/2014/main" id="{5FC517AA-AE4A-57F1-B3A7-B0748F32A705}"/>
               </a:ext>
             </a:extLst>
           </p:cNvPr>
-          <p:cNvSpPr txBox="1"/>
+          <p:cNvSpPr>
+            <a:spLocks noChangeArrowheads="1"/>
+          </p:cNvSpPr>
           <p:nvPr/>
         </p:nvSpPr>
-        <p:spPr>
+        <p:spPr bwMode="auto">
           <a:xfrm>
-            <a:off x="9780327" y="4857750"/>
-            <a:ext cx="1941557" cy="1569660"/>
+            <a:off x="0" y="0"/>
+            <a:ext cx="12192000" cy="0"/>
           </a:xfrm>
           <a:prstGeom prst="rect">
             <a:avLst/>
           </a:prstGeom>
           <a:noFill/>
           <a:ln>
-            <a:solidFill>
-              <a:schemeClr val="tx1"/>
-            </a:solidFill>
+            <a:noFill/>
           </a:ln>
+          <a:effectLst/>
+          <a:extLst>
+            <a:ext uri="{909E8E84-426E-40DD-AFC4-6F175D3DCCD1}">
+              <a14:hiddenFill xmlns:a14="http://schemas.microsoft.com/office/drawing/2010/main">
+                <a:solidFill>
+                  <a:schemeClr val="accent1"/>
+                </a:solidFill>
+              </a14:hiddenFill>
+            </a:ext>
+            <a:ext uri="{91240B29-F687-4F45-9708-019B960494DF}">
+              <a14:hiddenLine xmlns:a14="http://schemas.microsoft.com/office/drawing/2010/main" w="9525">
+                <a:solidFill>
+                  <a:schemeClr val="tx1"/>
+                </a:solidFill>
+                <a:miter lim="800000"/>
+                <a:headEnd/>
+                <a:tailEnd/>
+              </a14:hiddenLine>
+            </a:ext>
+            <a:ext uri="{AF507438-7753-43E0-B8FC-AC1667EBCBE1}">
+              <a14:hiddenEffects xmlns:a14="http://schemas.microsoft.com/office/drawing/2010/main">
+                <a:effectLst>
+                  <a:outerShdw dist="35921" dir="2700000" algn="ctr" rotWithShape="0">
+                    <a:schemeClr val="bg2"/>
+                  </a:outerShdw>
+                </a:effectLst>
+              </a14:hiddenEffects>
+            </a:ext>
+          </a:extLst>
         </p:spPr>
         <p:txBody>
-          <a:bodyPr wrap="square" rtlCol="0">
+          <a:bodyPr vert="horz" wrap="none" lIns="91440" tIns="45720" rIns="91440" bIns="45720" numCol="1" anchor="ctr" anchorCtr="0" compatLnSpc="1">
+            <a:prstTxWarp prst="textNoShape">
+              <a:avLst/>
+            </a:prstTxWarp>
             <a:spAutoFit/>
           </a:bodyPr>
           <a:lstStyle/>
           <a:p>
-            <a:r>
-              <a:rPr lang="en-US" sz="1200" dirty="0">
-                <a:solidFill>
-                  <a:srgbClr val="FF0000"/>
-                </a:solidFill>
+            <a:pPr marL="0" marR="0" lvl="0" indent="0" algn="l" defTabSz="914400" rtl="0" eaLnBrk="0" fontAlgn="base" latinLnBrk="0" hangingPunct="0">
+              <a:lnSpc>
+                <a:spcPct val="100000"/>
+              </a:lnSpc>
+              <a:spcBef>
+                <a:spcPct val="0"/>
+              </a:spcBef>
+              <a:spcAft>
+                <a:spcPct val="0"/>
+              </a:spcAft>
+              <a:buClrTx/>
+              <a:buSzTx/>
+              <a:buFontTx/>
+              <a:buNone/>
+              <a:tabLst/>
+            </a:pPr>
+            <a:br>
+              <a:rPr kumimoji="0" lang="en-US" altLang="en-US" sz="1800" b="0" i="0" u="none" strike="noStrike" cap="none" normalizeH="0" baseline="0">
+                <a:ln>
+                  <a:noFill/>
+                </a:ln>
+                <a:solidFill>
+                  <a:schemeClr val="tx1"/>
+                </a:solidFill>
+                <a:effectLst/>
+                <a:latin typeface="Arial" panose="020B0604020202020204" pitchFamily="34" charset="0"/>
               </a:rPr>
-              <a:t>IsAdmin</a:t>
-            </a:r>
-            <a:r>
-              <a:rPr lang="en-US" sz="1200" dirty="0"/>
-              <a:t> has to be set up directly in the database not with a </a:t>
-            </a:r>
-            <a:r>
-              <a:rPr lang="en-US" sz="1200" dirty="0" err="1"/>
-              <a:t>php</a:t>
-            </a:r>
-            <a:r>
-              <a:rPr lang="en-US" sz="1200" dirty="0"/>
-              <a:t> function.</a:t>
-            </a:r>
-            <a:br>
-              <a:rPr lang="en-US" sz="1200" dirty="0"/>
-            </a:br>
-            <a:br>
-              <a:rPr lang="en-US" sz="1200" dirty="0"/>
-            </a:br>
-            <a:r>
-              <a:rPr lang="en-US" sz="1200" dirty="0">
-                <a:solidFill>
-                  <a:schemeClr val="accent4"/>
-                </a:solidFill>
-              </a:rPr>
-              <a:t>Theme</a:t>
-            </a:r>
-            <a:r>
-              <a:rPr lang="en-US" sz="1200" dirty="0"/>
-              <a:t> and </a:t>
-            </a:r>
-            <a:r>
-              <a:rPr lang="en-US" sz="1200" dirty="0">
-                <a:solidFill>
-                  <a:schemeClr val="accent4"/>
-                </a:solidFill>
-              </a:rPr>
-              <a:t>IsPremium</a:t>
-            </a:r>
-            <a:r>
-              <a:rPr lang="en-US" sz="1200" dirty="0"/>
-              <a:t> will be default at the creation of a user and will be change with other features.</a:t>
-            </a:r>
-            <a:endParaRPr lang="en-US" sz="1100" dirty="0"/>
+            </a:br>
+            <a:endParaRPr kumimoji="0" lang="en-US" altLang="en-US" sz="1800" b="0" i="0" u="none" strike="noStrike" cap="none" normalizeH="0" baseline="0">
+              <a:ln>
+                <a:noFill/>
+              </a:ln>
+              <a:solidFill>
+                <a:schemeClr val="tx1"/>
+              </a:solidFill>
+              <a:effectLst/>
+              <a:latin typeface="Arial" panose="020B0604020202020204" pitchFamily="34" charset="0"/>
+            </a:endParaRPr>
           </a:p>
         </p:txBody>
       </p:sp>
     </p:spTree>
     <p:extLst>
       <p:ext uri="{BB962C8B-B14F-4D97-AF65-F5344CB8AC3E}">
-        <p14:creationId xmlns:p14="http://schemas.microsoft.com/office/powerpoint/2010/main" val="3360593228"/>
+        <p14:creationId xmlns:p14="http://schemas.microsoft.com/office/powerpoint/2010/main" val="2335277337"/>
+      </p:ext>
+    </p:extLst>
+  </p:cSld>
+  <p:clrMapOvr>
+    <a:masterClrMapping/>
+  </p:clrMapOvr>
+</p:sld>
+</file>
+
+<file path=ppt/slides/slide2.xml><?xml version="1.0" encoding="utf-8"?>
+<p:sld xmlns:a="http://schemas.openxmlformats.org/drawingml/2006/main" xmlns:r="http://schemas.openxmlformats.org/officeDocument/2006/relationships" xmlns:p="http://schemas.openxmlformats.org/presentationml/2006/main">
+  <p:cSld>
+    <p:spTree>
+      <p:nvGrpSpPr>
+        <p:cNvPr id="1" name=""/>
+        <p:cNvGrpSpPr/>
+        <p:nvPr/>
+      </p:nvGrpSpPr>
+      <p:grpSpPr>
+        <a:xfrm>
+          <a:off x="0" y="0"/>
+          <a:ext cx="0" cy="0"/>
+          <a:chOff x="0" y="0"/>
+          <a:chExt cx="0" cy="0"/>
+        </a:xfrm>
+      </p:grpSpPr>
+      <p:sp>
+        <p:nvSpPr>
+          <p:cNvPr id="2" name="Title 1">
+            <a:extLst>
+              <a:ext uri="{FF2B5EF4-FFF2-40B4-BE49-F238E27FC236}">
+                <a16:creationId xmlns:a16="http://schemas.microsoft.com/office/drawing/2014/main" id="{EF3725E3-1F41-87CD-4622-7A5E1567C579}"/>
+              </a:ext>
+            </a:extLst>
+          </p:cNvPr>
+          <p:cNvSpPr>
+            <a:spLocks noGrp="1"/>
+          </p:cNvSpPr>
+          <p:nvPr>
+            <p:ph type="title"/>
+          </p:nvPr>
+        </p:nvSpPr>
+        <p:spPr>
+          <a:xfrm>
+            <a:off x="4238624" y="131763"/>
+            <a:ext cx="4084281" cy="615949"/>
+          </a:xfrm>
+        </p:spPr>
+        <p:txBody>
+          <a:bodyPr>
+            <a:normAutofit fontScale="90000"/>
+          </a:bodyPr>
+          <a:lstStyle/>
+          <a:p>
+            <a:r>
+              <a:rPr lang="en-US" dirty="0"/>
+              <a:t>FINAL DESIGN</a:t>
+            </a:r>
+          </a:p>
+        </p:txBody>
+      </p:sp>
+      <p:pic>
+        <p:nvPicPr>
+          <p:cNvPr id="9" name="Picture 8" descr="A screenshot of a computer&#10;&#10;Description automatically generated with medium confidence">
+            <a:extLst>
+              <a:ext uri="{FF2B5EF4-FFF2-40B4-BE49-F238E27FC236}">
+                <a16:creationId xmlns:a16="http://schemas.microsoft.com/office/drawing/2014/main" id="{6AE57FEB-E6D6-472F-7463-35279E2429A5}"/>
+              </a:ext>
+            </a:extLst>
+          </p:cNvPr>
+          <p:cNvPicPr>
+            <a:picLocks noChangeAspect="1"/>
+          </p:cNvPicPr>
+          <p:nvPr/>
+        </p:nvPicPr>
+        <p:blipFill>
+          <a:blip r:embed="rId3">
+            <a:extLst>
+              <a:ext uri="{28A0092B-C50C-407E-A947-70E740481C1C}">
+                <a14:useLocalDpi xmlns:a14="http://schemas.microsoft.com/office/drawing/2010/main" val="0"/>
+              </a:ext>
+            </a:extLst>
+          </a:blip>
+          <a:stretch>
+            <a:fillRect/>
+          </a:stretch>
+        </p:blipFill>
+        <p:spPr>
+          <a:xfrm>
+            <a:off x="0" y="963640"/>
+            <a:ext cx="12192000" cy="6231618"/>
+          </a:xfrm>
+          <a:prstGeom prst="rect">
+            <a:avLst/>
+          </a:prstGeom>
+        </p:spPr>
+      </p:pic>
+    </p:spTree>
+    <p:extLst>
+      <p:ext uri="{BB962C8B-B14F-4D97-AF65-F5344CB8AC3E}">
+        <p14:creationId xmlns:p14="http://schemas.microsoft.com/office/powerpoint/2010/main" val="724034412"/>
+      </p:ext>
+    </p:extLst>
+  </p:cSld>
+  <p:clrMapOvr>
+    <a:masterClrMapping/>
+  </p:clrMapOvr>
+</p:sld>
+</file>
+
+<file path=ppt/slides/slide3.xml><?xml version="1.0" encoding="utf-8"?>
+<p:sld xmlns:a="http://schemas.openxmlformats.org/drawingml/2006/main" xmlns:r="http://schemas.openxmlformats.org/officeDocument/2006/relationships" xmlns:p="http://schemas.openxmlformats.org/presentationml/2006/main">
+  <p:cSld>
+    <p:spTree>
+      <p:nvGrpSpPr>
+        <p:cNvPr id="1" name=""/>
+        <p:cNvGrpSpPr/>
+        <p:nvPr/>
+      </p:nvGrpSpPr>
+      <p:grpSpPr>
+        <a:xfrm>
+          <a:off x="0" y="0"/>
+          <a:ext cx="0" cy="0"/>
+          <a:chOff x="0" y="0"/>
+          <a:chExt cx="0" cy="0"/>
+        </a:xfrm>
+      </p:grpSpPr>
+      <p:sp>
+        <p:nvSpPr>
+          <p:cNvPr id="2" name="Title 1">
+            <a:extLst>
+              <a:ext uri="{FF2B5EF4-FFF2-40B4-BE49-F238E27FC236}">
+                <a16:creationId xmlns:a16="http://schemas.microsoft.com/office/drawing/2014/main" id="{36F7A812-8C54-E91A-5124-A72387C5E977}"/>
+              </a:ext>
+            </a:extLst>
+          </p:cNvPr>
+          <p:cNvSpPr>
+            <a:spLocks noGrp="1"/>
+          </p:cNvSpPr>
+          <p:nvPr>
+            <p:ph type="title"/>
+          </p:nvPr>
+        </p:nvSpPr>
+        <p:spPr>
+          <a:xfrm>
+            <a:off x="5416877" y="0"/>
+            <a:ext cx="1358245" cy="681037"/>
+          </a:xfrm>
+        </p:spPr>
+        <p:txBody>
+          <a:bodyPr>
+            <a:normAutofit fontScale="90000"/>
+          </a:bodyPr>
+          <a:lstStyle/>
+          <a:p>
+            <a:r>
+              <a:rPr lang="en-US" dirty="0"/>
+              <a:t>MLD</a:t>
+            </a:r>
+          </a:p>
+        </p:txBody>
+      </p:sp>
+      <p:sp>
+        <p:nvSpPr>
+          <p:cNvPr id="3" name="Content Placeholder 2">
+            <a:extLst>
+              <a:ext uri="{FF2B5EF4-FFF2-40B4-BE49-F238E27FC236}">
+                <a16:creationId xmlns:a16="http://schemas.microsoft.com/office/drawing/2014/main" id="{DB70E495-8A66-8074-CD36-C49C381B6E3A}"/>
+              </a:ext>
+            </a:extLst>
+          </p:cNvPr>
+          <p:cNvSpPr>
+            <a:spLocks noGrp="1"/>
+          </p:cNvSpPr>
+          <p:nvPr>
+            <p:ph idx="1"/>
+          </p:nvPr>
+        </p:nvSpPr>
+        <p:spPr>
+          <a:xfrm>
+            <a:off x="838200" y="1144588"/>
+            <a:ext cx="10515600" cy="4351338"/>
+          </a:xfrm>
+        </p:spPr>
+        <p:txBody>
+          <a:bodyPr>
+            <a:normAutofit/>
+          </a:bodyPr>
+          <a:lstStyle/>
+          <a:p>
+            <a:r>
+              <a:rPr lang="en-US" sz="1400" dirty="0"/>
+              <a:t>USER(</a:t>
+            </a:r>
+            <a:r>
+              <a:rPr lang="en-US" sz="1400" u="sng" dirty="0" err="1"/>
+              <a:t>UserID</a:t>
+            </a:r>
+            <a:r>
+              <a:rPr lang="en-US" sz="1400" dirty="0"/>
+              <a:t>, Username, Name, </a:t>
+            </a:r>
+            <a:r>
+              <a:rPr lang="en-US" sz="1400" dirty="0" err="1"/>
+              <a:t>Firstname</a:t>
+            </a:r>
+            <a:r>
+              <a:rPr lang="en-US" sz="1400" dirty="0"/>
+              <a:t>, Mail, Country, City, Telephone, </a:t>
+            </a:r>
+            <a:r>
+              <a:rPr lang="en-US" sz="1400" dirty="0" err="1"/>
+              <a:t>BirthDate</a:t>
+            </a:r>
+            <a:r>
+              <a:rPr lang="en-US" sz="1400" dirty="0"/>
+              <a:t>, Sex, IsAdmin, </a:t>
+            </a:r>
+            <a:r>
+              <a:rPr lang="en-US" sz="1400" dirty="0">
+                <a:solidFill>
+                  <a:schemeClr val="accent4">
+                    <a:lumMod val="75000"/>
+                  </a:schemeClr>
+                </a:solidFill>
+              </a:rPr>
+              <a:t>Theme</a:t>
+            </a:r>
+            <a:r>
+              <a:rPr lang="en-US" sz="1400" dirty="0"/>
+              <a:t>, </a:t>
+            </a:r>
+            <a:r>
+              <a:rPr lang="en-US" sz="1400" dirty="0">
+                <a:solidFill>
+                  <a:schemeClr val="accent4">
+                    <a:lumMod val="75000"/>
+                  </a:schemeClr>
+                </a:solidFill>
+              </a:rPr>
+              <a:t>IsPremium</a:t>
+            </a:r>
+            <a:r>
+              <a:rPr lang="en-US" sz="1400" dirty="0"/>
+              <a:t>) </a:t>
+            </a:r>
+          </a:p>
+          <a:p>
+            <a:r>
+              <a:rPr lang="en-US" sz="1400" dirty="0"/>
+              <a:t>POST(</a:t>
+            </a:r>
+            <a:r>
+              <a:rPr lang="en-US" sz="1400" u="sng" dirty="0"/>
+              <a:t>PostID</a:t>
+            </a:r>
+            <a:r>
+              <a:rPr lang="en-US" sz="1400" dirty="0"/>
+              <a:t>, #PostedByUserID, Content, DateTime, NumberOfShares, NumberOfLikes, NumberOfMedias) </a:t>
+            </a:r>
+          </a:p>
+          <a:p>
+            <a:r>
+              <a:rPr lang="en-US" sz="1400" dirty="0"/>
+              <a:t>FRIENDS(</a:t>
+            </a:r>
+            <a:r>
+              <a:rPr lang="en-US" sz="1400" u="sng" dirty="0"/>
+              <a:t>#UserID1, #UserID2</a:t>
+            </a:r>
+            <a:r>
+              <a:rPr lang="en-US" sz="1400" dirty="0"/>
+              <a:t>, DateTime, </a:t>
+            </a:r>
+            <a:r>
+              <a:rPr lang="en-US" sz="1400" dirty="0">
+                <a:solidFill>
+                  <a:schemeClr val="accent4">
+                    <a:lumMod val="75000"/>
+                  </a:schemeClr>
+                </a:solidFill>
+              </a:rPr>
+              <a:t>Level</a:t>
+            </a:r>
+            <a:r>
+              <a:rPr lang="en-US" sz="1400" dirty="0"/>
+              <a:t>) </a:t>
+            </a:r>
+          </a:p>
+          <a:p>
+            <a:r>
+              <a:rPr lang="en-US" sz="1400" dirty="0"/>
+              <a:t>LIKED_POST(</a:t>
+            </a:r>
+            <a:r>
+              <a:rPr lang="en-US" sz="1400" u="sng" dirty="0"/>
+              <a:t>#UserID, #PostID</a:t>
+            </a:r>
+            <a:r>
+              <a:rPr lang="en-US" sz="1400" dirty="0"/>
+              <a:t>, DateTime) </a:t>
+            </a:r>
+          </a:p>
+          <a:p>
+            <a:r>
+              <a:rPr lang="en-US" sz="1400" dirty="0"/>
+              <a:t>SHARED_POST(</a:t>
+            </a:r>
+            <a:r>
+              <a:rPr lang="en-US" sz="1400" u="sng" dirty="0"/>
+              <a:t>#UserID, #PostID</a:t>
+            </a:r>
+            <a:r>
+              <a:rPr lang="en-US" sz="1400" dirty="0"/>
+              <a:t>, DateTime)</a:t>
+            </a:r>
+          </a:p>
+          <a:p>
+            <a:r>
+              <a:rPr lang="en-US" sz="1400" dirty="0"/>
+              <a:t>COMMENT(</a:t>
+            </a:r>
+            <a:r>
+              <a:rPr lang="en-US" sz="1400" u="sng" dirty="0"/>
+              <a:t>CommentID</a:t>
+            </a:r>
+            <a:r>
+              <a:rPr lang="en-US" sz="1400" dirty="0"/>
+              <a:t>, #UserID, #PostID, Content, DateTime)</a:t>
+            </a:r>
+          </a:p>
+          <a:p>
+            <a:r>
+              <a:rPr lang="en-US" sz="1400" dirty="0"/>
+              <a:t>OWN_MEDIA(#PostID, #MediaID)</a:t>
+            </a:r>
+          </a:p>
+          <a:p>
+            <a:r>
+              <a:rPr lang="en-US" sz="1400" dirty="0"/>
+              <a:t>MEDIA(</a:t>
+            </a:r>
+            <a:r>
+              <a:rPr lang="en-US" sz="1400" u="sng" dirty="0"/>
+              <a:t>MediaID</a:t>
+            </a:r>
+            <a:r>
+              <a:rPr lang="en-US" sz="1400" dirty="0"/>
+              <a:t>, #PostID, Path, Type)</a:t>
+            </a:r>
+          </a:p>
+          <a:p>
+            <a:r>
+              <a:rPr lang="en-US" sz="1400" dirty="0"/>
+              <a:t>CONVERSATION(</a:t>
+            </a:r>
+            <a:r>
+              <a:rPr lang="en-US" sz="1400" u="sng" dirty="0"/>
+              <a:t>ConversationID</a:t>
+            </a:r>
+            <a:r>
+              <a:rPr lang="en-US" sz="1400" dirty="0"/>
+              <a:t>, #SenderID, #ReceiverID, Content, #MediaID, </a:t>
+            </a:r>
+            <a:r>
+              <a:rPr lang="en-US" sz="1400" dirty="0" err="1"/>
+              <a:t>DateTime</a:t>
+            </a:r>
+            <a:r>
+              <a:rPr lang="en-US" sz="1400" dirty="0"/>
+              <a:t>)</a:t>
+            </a:r>
+          </a:p>
+          <a:p>
+            <a:r>
+              <a:rPr lang="en-US" sz="1400" dirty="0"/>
+              <a:t>COMMENT_ASWER(</a:t>
+            </a:r>
+            <a:r>
+              <a:rPr lang="en-US" sz="1400" u="sng" dirty="0"/>
+              <a:t>AnswerID</a:t>
+            </a:r>
+            <a:r>
+              <a:rPr lang="en-US" sz="1400" dirty="0"/>
+              <a:t>, #CommentID, #UserID, Content, DateTime)  </a:t>
+            </a:r>
+          </a:p>
+          <a:p>
+            <a:r>
+              <a:rPr lang="en-US" sz="1400" dirty="0"/>
+              <a:t>PASSWORD(#</a:t>
+            </a:r>
+            <a:r>
+              <a:rPr lang="en-US" sz="1400" dirty="0" err="1"/>
+              <a:t>UserID</a:t>
+            </a:r>
+            <a:r>
+              <a:rPr lang="en-US" sz="1400" dirty="0"/>
+              <a:t> , </a:t>
+            </a:r>
+            <a:r>
+              <a:rPr lang="en-US" sz="1400" dirty="0" err="1"/>
+              <a:t>EncrPwd</a:t>
+            </a:r>
+            <a:r>
+              <a:rPr lang="en-US" sz="1400" dirty="0"/>
+              <a:t>)</a:t>
+            </a:r>
+            <a:endParaRPr lang="en-US" sz="1400" u="sng" dirty="0"/>
+          </a:p>
+          <a:p>
+            <a:endParaRPr lang="en-US" sz="1400" u="sng" dirty="0"/>
+          </a:p>
+          <a:p>
+            <a:endParaRPr lang="en-US" sz="1400" dirty="0"/>
+          </a:p>
+          <a:p>
+            <a:endParaRPr lang="en-US" sz="1400" dirty="0"/>
+          </a:p>
+        </p:txBody>
+      </p:sp>
+    </p:spTree>
+    <p:extLst>
+      <p:ext uri="{BB962C8B-B14F-4D97-AF65-F5344CB8AC3E}">
+        <p14:creationId xmlns:p14="http://schemas.microsoft.com/office/powerpoint/2010/main" val="308476992"/>
       </p:ext>
     </p:extLst>
   </p:cSld>
@@ -16189,7 +17878,7 @@
           <a:p>
             <a:r>
               <a:rPr lang="en-US" dirty="0"/>
-              <a:t>SQL Requests (2)</a:t>
+              <a:t>SQL Requests (1)</a:t>
             </a:r>
           </a:p>
         </p:txBody>
@@ -16223,7 +17912,7 @@
         </p:spPr>
         <p:txBody>
           <a:bodyPr>
-            <a:normAutofit/>
+            <a:normAutofit fontScale="92500" lnSpcReduction="10000"/>
           </a:bodyPr>
           <a:lstStyle/>
           <a:p>
@@ -16232,7 +17921,7 @@
             </a:pPr>
             <a:r>
               <a:rPr lang="en-US" sz="2000" u="sng" dirty="0"/>
-              <a:t>POST</a:t>
+              <a:t>USER</a:t>
             </a:r>
           </a:p>
           <a:p>
@@ -16256,7 +17945,7 @@
                   <a:srgbClr val="FF0000"/>
                 </a:solidFill>
               </a:rPr>
-              <a:t>POST </a:t>
+              <a:t>USER </a:t>
             </a:r>
             <a:br>
               <a:rPr lang="en-US" sz="1400" dirty="0"/>
@@ -16273,16 +17962,16 @@
               <a:t>	</a:t>
             </a:r>
             <a:r>
-              <a:rPr lang="en-US" sz="1400" dirty="0" err="1">
+              <a:rPr lang="en-US" sz="1400" dirty="0">
                 <a:solidFill>
                   <a:srgbClr val="FF0000"/>
                 </a:solidFill>
               </a:rPr>
-              <a:t>PostID</a:t>
-            </a:r>
-            <a:r>
-              <a:rPr lang="en-US" sz="1400" dirty="0"/>
-              <a:t> VARCHAR(50) </a:t>
+              <a:t>UserID</a:t>
+            </a:r>
+            <a:r>
+              <a:rPr lang="en-US" sz="1400" dirty="0"/>
+              <a:t> NVARCHAR(50) </a:t>
             </a:r>
             <a:r>
               <a:rPr lang="en-US" sz="1400" dirty="0">
@@ -16298,11 +17987,11 @@
             </a:r>
             <a:r>
               <a:rPr lang="en-US" sz="1400" dirty="0" err="1"/>
-              <a:t>NaP</a:t>
-            </a:r>
-            <a:r>
-              <a:rPr lang="en-US" sz="1400" dirty="0"/>
-              <a:t>',</a:t>
+              <a:t>NaU</a:t>
+            </a:r>
+            <a:r>
+              <a:rPr lang="en-US" sz="1400" dirty="0"/>
+              <a:t>’,</a:t>
             </a:r>
             <a:br>
               <a:rPr lang="en-US" sz="1400" dirty="0"/>
@@ -16312,67 +18001,16 @@
               <a:t>	</a:t>
             </a:r>
             <a:r>
-              <a:rPr lang="en-US" sz="1400" dirty="0" err="1">
+              <a:rPr lang="en-US" sz="1400" dirty="0">
                 <a:solidFill>
                   <a:srgbClr val="FF0000"/>
                 </a:solidFill>
               </a:rPr>
-              <a:t>Posted</a:t>
-            </a:r>
-            <a:r>
-              <a:rPr lang="en-US" sz="1400" dirty="0" err="1"/>
-              <a:t>_</a:t>
-            </a:r>
-            <a:r>
-              <a:rPr lang="en-US" sz="1400" dirty="0" err="1">
-                <a:solidFill>
-                  <a:srgbClr val="FF0000"/>
-                </a:solidFill>
-              </a:rPr>
-              <a:t>DateTime</a:t>
-            </a:r>
-            <a:r>
-              <a:rPr lang="en-US" sz="1400" dirty="0"/>
-              <a:t>  DATETIME </a:t>
-            </a:r>
-            <a:r>
-              <a:rPr lang="en-US" sz="1400" dirty="0">
-                <a:solidFill>
-                  <a:schemeClr val="accent1"/>
-                </a:solidFill>
-              </a:rPr>
-              <a:t>NOT NULL </a:t>
-            </a:r>
-            <a:r>
-              <a:rPr lang="en-US" sz="1400" dirty="0"/>
-              <a:t>DEFAULT NOW(),</a:t>
-            </a:r>
-            <a:br>
-              <a:rPr lang="en-US" sz="1400" dirty="0"/>
-            </a:br>
-            <a:r>
-              <a:rPr lang="en-US" sz="1400" dirty="0"/>
-              <a:t>	</a:t>
-            </a:r>
-            <a:r>
-              <a:rPr lang="en-US" sz="1400" dirty="0" err="1">
-                <a:solidFill>
-                  <a:srgbClr val="FF0000"/>
-                </a:solidFill>
-              </a:rPr>
-              <a:t>NumberOfLikes</a:t>
-            </a:r>
-            <a:r>
-              <a:rPr lang="en-US" sz="1400" dirty="0">
-                <a:solidFill>
-                  <a:srgbClr val="FF0000"/>
-                </a:solidFill>
-              </a:rPr>
-              <a:t> </a:t>
-            </a:r>
-            <a:r>
-              <a:rPr lang="en-US" sz="1400" dirty="0"/>
-              <a:t>INT </a:t>
+              <a:t>Username</a:t>
+            </a:r>
+            <a:r>
+              <a:rPr lang="en-US" sz="1400" dirty="0"/>
+              <a:t>  NVARCHAR(50) </a:t>
             </a:r>
             <a:r>
               <a:rPr lang="en-US" sz="1400" dirty="0">
@@ -16384,7 +18022,7 @@
             </a:r>
             <a:r>
               <a:rPr lang="en-US" sz="1400" dirty="0"/>
-              <a:t> DEFAULT 0,</a:t>
+              <a:t>, </a:t>
             </a:r>
             <a:br>
               <a:rPr lang="en-US" sz="1400" dirty="0"/>
@@ -16394,24 +18032,16 @@
               <a:t>	</a:t>
             </a:r>
             <a:r>
-              <a:rPr lang="en-US" sz="1400" dirty="0" err="1">
+              <a:rPr lang="en-US" sz="1400" dirty="0">
                 <a:solidFill>
                   <a:srgbClr val="FF0000"/>
                 </a:solidFill>
               </a:rPr>
-              <a:t>NumberOfShares</a:t>
-            </a:r>
-            <a:r>
-              <a:rPr lang="en-US" sz="1400" dirty="0">
-                <a:solidFill>
-                  <a:srgbClr val="FF0000"/>
-                </a:solidFill>
-              </a:rPr>
-              <a:t> </a:t>
-            </a:r>
-            <a:r>
-              <a:rPr lang="en-US" sz="1400" dirty="0"/>
-              <a:t>INT </a:t>
+              <a:t>Name</a:t>
+            </a:r>
+            <a:r>
+              <a:rPr lang="en-US" sz="1400" dirty="0"/>
+              <a:t>  NVARCHAR(50) </a:t>
             </a:r>
             <a:r>
               <a:rPr lang="en-US" sz="1400" dirty="0">
@@ -16423,7 +18053,7 @@
             </a:r>
             <a:r>
               <a:rPr lang="en-US" sz="1400" dirty="0"/>
-              <a:t> DEFAULT 0, </a:t>
+              <a:t>, </a:t>
             </a:r>
             <a:br>
               <a:rPr lang="en-US" sz="1400" dirty="0"/>
@@ -16438,19 +18068,11 @@
                   <a:srgbClr val="FF0000"/>
                 </a:solidFill>
               </a:rPr>
-              <a:t>NumberOfMedia</a:t>
-            </a:r>
-            <a:r>
-              <a:rPr lang="en-US" sz="1400" dirty="0">
-                <a:solidFill>
-                  <a:srgbClr val="FF0000"/>
-                </a:solidFill>
-              </a:rPr>
-              <a:t> </a:t>
-            </a:r>
-            <a:r>
-              <a:rPr lang="en-US" sz="1400" dirty="0"/>
-              <a:t>INT </a:t>
+              <a:t>Firstname</a:t>
+            </a:r>
+            <a:r>
+              <a:rPr lang="en-US" sz="1400" dirty="0"/>
+              <a:t>  NVARCHAR(50) </a:t>
             </a:r>
             <a:r>
               <a:rPr lang="en-US" sz="1400" dirty="0">
@@ -16462,7 +18084,7 @@
             </a:r>
             <a:r>
               <a:rPr lang="en-US" sz="1400" dirty="0"/>
-              <a:t> DEFAULT 0,</a:t>
+              <a:t> ,	</a:t>
             </a:r>
             <a:br>
               <a:rPr lang="en-US" sz="1400" dirty="0"/>
@@ -16477,11 +18099,127 @@
                   <a:srgbClr val="FF0000"/>
                 </a:solidFill>
               </a:rPr>
-              <a:t>Content </a:t>
-            </a:r>
-            <a:r>
-              <a:rPr lang="en-US" sz="1400" dirty="0"/>
-              <a:t>VARCHAR(2048) </a:t>
+              <a:t>Mail </a:t>
+            </a:r>
+            <a:r>
+              <a:rPr lang="en-US" sz="1400" dirty="0"/>
+              <a:t>NVARCHAR(256) </a:t>
+            </a:r>
+            <a:r>
+              <a:rPr lang="en-US" sz="1400" dirty="0">
+                <a:solidFill>
+                  <a:schemeClr val="accent1"/>
+                </a:solidFill>
+              </a:rPr>
+              <a:t>NOT NULL,</a:t>
+            </a:r>
+            <a:br>
+              <a:rPr lang="en-US" sz="1400" dirty="0"/>
+            </a:br>
+            <a:r>
+              <a:rPr lang="en-US" sz="1400" dirty="0"/>
+              <a:t>	</a:t>
+            </a:r>
+            <a:r>
+              <a:rPr lang="en-US" sz="1400" dirty="0">
+                <a:solidFill>
+                  <a:srgbClr val="FF0000"/>
+                </a:solidFill>
+              </a:rPr>
+              <a:t>Country</a:t>
+            </a:r>
+            <a:r>
+              <a:rPr lang="en-US" sz="1400" dirty="0"/>
+              <a:t> NVARCHAR(50) </a:t>
+            </a:r>
+            <a:r>
+              <a:rPr lang="en-US" sz="1400" dirty="0">
+                <a:solidFill>
+                  <a:schemeClr val="accent1"/>
+                </a:solidFill>
+              </a:rPr>
+              <a:t>NOT NULL,</a:t>
+            </a:r>
+            <a:br>
+              <a:rPr lang="en-US" sz="1400" dirty="0"/>
+            </a:br>
+            <a:r>
+              <a:rPr lang="en-US" sz="1400" dirty="0"/>
+              <a:t>	</a:t>
+            </a:r>
+            <a:r>
+              <a:rPr lang="en-US" sz="1400" dirty="0">
+                <a:solidFill>
+                  <a:srgbClr val="FF0000"/>
+                </a:solidFill>
+              </a:rPr>
+              <a:t>City</a:t>
+            </a:r>
+            <a:r>
+              <a:rPr lang="en-US" sz="1400" dirty="0"/>
+              <a:t> NVARCHAR(50) </a:t>
+            </a:r>
+            <a:r>
+              <a:rPr lang="en-US" sz="1400" dirty="0">
+                <a:solidFill>
+                  <a:schemeClr val="accent1"/>
+                </a:solidFill>
+              </a:rPr>
+              <a:t>NOT NULL,</a:t>
+            </a:r>
+            <a:br>
+              <a:rPr lang="en-US" sz="1400" dirty="0">
+                <a:solidFill>
+                  <a:schemeClr val="accent1"/>
+                </a:solidFill>
+              </a:rPr>
+            </a:br>
+            <a:r>
+              <a:rPr lang="en-US" sz="1400" dirty="0">
+                <a:solidFill>
+                  <a:schemeClr val="accent1"/>
+                </a:solidFill>
+              </a:rPr>
+              <a:t>	</a:t>
+            </a:r>
+            <a:r>
+              <a:rPr lang="en-US" sz="1400" dirty="0" err="1">
+                <a:solidFill>
+                  <a:srgbClr val="FF0000"/>
+                </a:solidFill>
+              </a:rPr>
+              <a:t>BirthDate</a:t>
+            </a:r>
+            <a:r>
+              <a:rPr lang="en-US" sz="1400" dirty="0"/>
+              <a:t> DATE </a:t>
+            </a:r>
+            <a:r>
+              <a:rPr lang="en-US" sz="1400" dirty="0">
+                <a:solidFill>
+                  <a:schemeClr val="accent1"/>
+                </a:solidFill>
+              </a:rPr>
+              <a:t>NOT NULL, </a:t>
+            </a:r>
+            <a:br>
+              <a:rPr lang="en-US" sz="1400" dirty="0"/>
+            </a:br>
+            <a:r>
+              <a:rPr lang="en-US" sz="1400" dirty="0"/>
+              <a:t>	</a:t>
+            </a:r>
+            <a:r>
+              <a:rPr lang="en-US" sz="1400" dirty="0">
+                <a:solidFill>
+                  <a:srgbClr val="FF0000"/>
+                </a:solidFill>
+              </a:rPr>
+              <a:t>Sex</a:t>
+            </a:r>
+            <a:r>
+              <a:rPr lang="en-US" sz="1400" dirty="0"/>
+              <a:t> INT </a:t>
             </a:r>
             <a:r>
               <a:rPr lang="en-US" sz="1400" dirty="0">
@@ -16493,26 +18231,34 @@
             </a:r>
             <a:r>
               <a:rPr lang="en-US" sz="1400" dirty="0"/>
-              <a:t> DEFAULT '' ,</a:t>
-            </a:r>
-            <a:br>
-              <a:rPr lang="en-US" sz="1400" dirty="0"/>
-            </a:br>
-            <a:r>
-              <a:rPr lang="en-US" sz="1400" dirty="0"/>
+              <a:t> DEFAULT -1,</a:t>
+            </a:r>
+            <a:br>
+              <a:rPr lang="en-US" sz="1400" dirty="0">
+                <a:solidFill>
+                  <a:schemeClr val="accent1"/>
+                </a:solidFill>
+              </a:rPr>
+            </a:br>
+            <a:r>
+              <a:rPr lang="en-US" sz="1400" dirty="0">
+                <a:solidFill>
+                  <a:schemeClr val="accent1"/>
+                </a:solidFill>
+              </a:rPr>
               <a:t>	</a:t>
             </a:r>
             <a:r>
-              <a:rPr lang="en-US" sz="1400" dirty="0" err="1">
+              <a:rPr lang="en-US" sz="1400" dirty="0">
                 <a:solidFill>
                   <a:srgbClr val="FF0000"/>
                 </a:solidFill>
               </a:rPr>
-              <a:t>PostedBy_UserID</a:t>
-            </a:r>
-            <a:r>
-              <a:rPr lang="en-US" sz="1400" dirty="0"/>
-              <a:t> VARCHAR(50) </a:t>
+              <a:t>IsAdmin </a:t>
+            </a:r>
+            <a:r>
+              <a:rPr lang="en-US" sz="1400" dirty="0"/>
+              <a:t>BOOLEAN </a:t>
             </a:r>
             <a:r>
               <a:rPr lang="en-US" sz="1400" dirty="0">
@@ -16524,37 +18270,76 @@
             </a:r>
             <a:r>
               <a:rPr lang="en-US" sz="1400" dirty="0"/>
-              <a:t>, </a:t>
-            </a:r>
-            <a:br>
-              <a:rPr lang="en-US" sz="1400" dirty="0"/>
-            </a:br>
-            <a:r>
-              <a:rPr lang="en-US" sz="1400" dirty="0"/>
-              <a:t>	PRIMARY KEY(</a:t>
-            </a:r>
-            <a:r>
-              <a:rPr lang="en-US" sz="1400" dirty="0" err="1"/>
-              <a:t>PostID</a:t>
-            </a:r>
-            <a:r>
-              <a:rPr lang="en-US" sz="1400" dirty="0"/>
-              <a:t>),</a:t>
-            </a:r>
-            <a:br>
-              <a:rPr lang="en-US" sz="1400" dirty="0"/>
-            </a:br>
-            <a:r>
-              <a:rPr lang="en-US" sz="1400" dirty="0"/>
-              <a:t>	FOREIGN KEY(</a:t>
-            </a:r>
-            <a:r>
-              <a:rPr lang="en-US" sz="1400" dirty="0" err="1"/>
-              <a:t>PostedBy_UserID</a:t>
-            </a:r>
-            <a:r>
-              <a:rPr lang="en-US" sz="1400" dirty="0"/>
-              <a:t>) REFERENCES USER(UserID)</a:t>
+              <a:t> DEFAULT FALSE,</a:t>
+            </a:r>
+            <a:br>
+              <a:rPr lang="en-US" sz="1400" dirty="0"/>
+            </a:br>
+            <a:r>
+              <a:rPr lang="en-US" sz="1400" dirty="0"/>
+              <a:t>	</a:t>
+            </a:r>
+            <a:r>
+              <a:rPr lang="en-US" sz="1400" dirty="0">
+                <a:solidFill>
+                  <a:schemeClr val="accent4"/>
+                </a:solidFill>
+              </a:rPr>
+              <a:t>Theme</a:t>
+            </a:r>
+            <a:r>
+              <a:rPr lang="en-US" sz="1400" dirty="0"/>
+              <a:t> INT </a:t>
+            </a:r>
+            <a:r>
+              <a:rPr lang="en-US" sz="1400" dirty="0">
+                <a:solidFill>
+                  <a:schemeClr val="accent1"/>
+                </a:solidFill>
+              </a:rPr>
+              <a:t>NOT NULL</a:t>
+            </a:r>
+            <a:r>
+              <a:rPr lang="en-US" sz="1400" dirty="0"/>
+              <a:t> DEFAULT 0,</a:t>
+            </a:r>
+            <a:br>
+              <a:rPr lang="en-US" sz="1400" dirty="0"/>
+            </a:br>
+            <a:r>
+              <a:rPr lang="en-US" sz="1400" dirty="0"/>
+              <a:t>	</a:t>
+            </a:r>
+            <a:r>
+              <a:rPr lang="en-US" sz="1400" dirty="0">
+                <a:solidFill>
+                  <a:schemeClr val="accent4"/>
+                </a:solidFill>
+              </a:rPr>
+              <a:t>IsPremium</a:t>
+            </a:r>
+            <a:r>
+              <a:rPr lang="en-US" sz="1400" dirty="0"/>
+              <a:t> BOOLEAN </a:t>
+            </a:r>
+            <a:r>
+              <a:rPr lang="en-US" sz="1400" dirty="0">
+                <a:solidFill>
+                  <a:schemeClr val="accent1"/>
+                </a:solidFill>
+              </a:rPr>
+              <a:t>NOT NULL</a:t>
+            </a:r>
+            <a:r>
+              <a:rPr lang="en-US" sz="1400" dirty="0"/>
+              <a:t> DEFAULT FALSE,	</a:t>
+            </a:r>
+            <a:br>
+              <a:rPr lang="en-US" sz="1400" dirty="0"/>
+            </a:br>
+            <a:r>
+              <a:rPr lang="en-US" sz="1400" dirty="0"/>
+              <a:t>	PRIMARY KEY(UserID)</a:t>
             </a:r>
             <a:br>
               <a:rPr lang="en-US" sz="1400" dirty="0"/>
@@ -16581,8 +18366,8 @@
         </p:nvSpPr>
         <p:spPr>
           <a:xfrm>
-            <a:off x="9608878" y="1420893"/>
-            <a:ext cx="2344998" cy="3277820"/>
+            <a:off x="9742228" y="1420893"/>
+            <a:ext cx="2278323" cy="2939266"/>
           </a:xfrm>
           <a:prstGeom prst="rect">
             <a:avLst/>
@@ -16601,54 +18386,65 @@
           <a:lstStyle/>
           <a:p>
             <a:r>
-              <a:rPr lang="en-US" sz="1600" dirty="0" err="1"/>
-              <a:t>NaP</a:t>
-            </a:r>
-            <a:r>
-              <a:rPr lang="en-US" sz="1600" dirty="0"/>
-              <a:t> : Not a Post</a:t>
-            </a:r>
-            <a:br>
-              <a:rPr lang="en-US" sz="1600" dirty="0"/>
-            </a:br>
-            <a:r>
-              <a:rPr lang="en-US" sz="1600" dirty="0" err="1"/>
-              <a:t>NumberOfLikes</a:t>
-            </a:r>
-            <a:r>
-              <a:rPr lang="en-US" sz="1600" dirty="0"/>
-              <a:t>/Shares : </a:t>
-            </a:r>
-            <a:br>
+              <a:rPr lang="en-US" dirty="0" err="1"/>
+              <a:t>NaU</a:t>
+            </a:r>
+            <a:r>
               <a:rPr lang="en-US" dirty="0"/>
+              <a:t> : </a:t>
+            </a:r>
+            <a:r>
+              <a:rPr lang="en-US" sz="1200" dirty="0"/>
+              <a:t>Not a User</a:t>
+            </a:r>
+            <a:br>
+              <a:rPr lang="en-US" sz="1200" dirty="0"/>
+            </a:br>
+            <a:br>
+              <a:rPr lang="en-US" dirty="0"/>
+            </a:br>
+            <a:r>
+              <a:rPr lang="en-US" dirty="0"/>
+              <a:t>Sex : </a:t>
+            </a:r>
+            <a:br>
+              <a:rPr lang="en-US" dirty="0"/>
             </a:br>
             <a:r>
               <a:rPr lang="en-US" sz="1100" dirty="0"/>
-              <a:t>set up to default when a post is insert.</a:t>
+              <a:t>0 : Woman</a:t>
             </a:r>
             <a:br>
               <a:rPr lang="en-US" sz="1100" dirty="0"/>
             </a:br>
             <a:r>
-              <a:rPr lang="en-US" sz="1100" dirty="0" err="1"/>
-              <a:t>Actualise</a:t>
-            </a:r>
-            <a:r>
               <a:rPr lang="en-US" sz="1100" dirty="0"/>
-              <a:t> when someone will like/share it.</a:t>
-            </a:r>
-            <a:br>
+              <a:t>1 : Man</a:t>
+            </a:r>
+          </a:p>
+          <a:p>
+            <a:r>
               <a:rPr lang="en-US" sz="1100" dirty="0"/>
-            </a:br>
-            <a:br>
+              <a:t>2 : Other</a:t>
+            </a:r>
+          </a:p>
+          <a:p>
+            <a:r>
               <a:rPr lang="en-US" sz="1100" dirty="0"/>
-            </a:br>
-            <a:r>
-              <a:rPr lang="en-US" sz="1600" dirty="0" err="1"/>
-              <a:t>NumberOfMedias</a:t>
-            </a:r>
-            <a:r>
-              <a:rPr lang="en-US" sz="1600" dirty="0"/>
+              <a:t>-1 : Undefined</a:t>
+            </a:r>
+            <a:br>
+              <a:rPr lang="en-US" sz="1100" dirty="0"/>
+            </a:br>
+            <a:br>
+              <a:rPr lang="en-US" sz="1100" dirty="0"/>
+            </a:br>
+            <a:r>
+              <a:rPr lang="en-US" dirty="0"/>
+              <a:t>THEME</a:t>
+            </a:r>
+            <a:r>
+              <a:rPr lang="en-US" sz="1100" dirty="0"/>
               <a:t> : </a:t>
             </a:r>
             <a:br>
@@ -16656,43 +18452,32 @@
             </a:br>
             <a:r>
               <a:rPr lang="en-US" sz="1100" dirty="0"/>
-              <a:t>0 to 5, contain the info of how many Medias are link to the Post</a:t>
+              <a:t>0 : light</a:t>
             </a:r>
             <a:br>
               <a:rPr lang="en-US" sz="1100" dirty="0"/>
             </a:br>
-            <a:br>
+            <a:r>
               <a:rPr lang="en-US" sz="1100" dirty="0"/>
-            </a:br>
-            <a:r>
-              <a:rPr lang="en-US" sz="1600" dirty="0" err="1"/>
-              <a:t>DateTime</a:t>
-            </a:r>
-            <a:r>
-              <a:rPr lang="en-US" sz="1600" dirty="0"/>
-              <a:t> : </a:t>
+              <a:t>1 : dark</a:t>
             </a:r>
             <a:br>
               <a:rPr lang="en-US" sz="1100" dirty="0"/>
             </a:br>
-            <a:r>
-              <a:rPr lang="en-US" sz="1100" dirty="0"/>
-              <a:t>datetime when the post has been posted by the user (id user : </a:t>
-            </a:r>
-            <a:r>
-              <a:rPr lang="en-US" sz="1100" dirty="0" err="1"/>
-              <a:t>PostedByUserID</a:t>
-            </a:r>
-            <a:r>
-              <a:rPr lang="en-US" sz="1100" dirty="0"/>
-              <a:t>) </a:t>
-            </a:r>
-            <a:br>
-              <a:rPr lang="en-US" sz="1100" dirty="0"/>
-            </a:br>
-            <a:endParaRPr lang="en-US" sz="1100" dirty="0"/>
-          </a:p>
-          <a:p>
+            <a:br>
+              <a:rPr lang="en-US" sz="900" dirty="0"/>
+            </a:br>
+            <a:r>
+              <a:rPr lang="en-US" sz="900" dirty="0"/>
+              <a:t>Theme, IsAdmin, IsPremium don’t have to be set up on the  creation of a user. </a:t>
+            </a:r>
+            <a:br>
+              <a:rPr lang="en-US" sz="900" dirty="0"/>
+            </a:br>
+            <a:r>
+              <a:rPr lang="en-US" sz="900" dirty="0"/>
+              <a:t>Their default are compatible  with code.</a:t>
+            </a:r>
             <a:endParaRPr lang="en-US" sz="1100" dirty="0"/>
           </a:p>
         </p:txBody>
@@ -16895,6 +18680,7 @@
           </a:lstStyle>
           <a:p>
             <a:pPr marL="0" indent="0">
+              <a:buFont typeface="Arial" panose="020B0604020202020204" pitchFamily="34" charset="0"/>
               <a:buNone/>
             </a:pPr>
             <a:br>
@@ -16905,100 +18691,170 @@
             </a:br>
             <a:r>
               <a:rPr lang="en-US" sz="1400" dirty="0"/>
-              <a:t>INSERT INTO POST (</a:t>
+              <a:t>INSERT INTO USER (UserID, Name, Surname, Mail, Country, City, Sex)</a:t>
+            </a:r>
+            <a:br>
+              <a:rPr lang="en-US" sz="1400" dirty="0"/>
+            </a:br>
+            <a:r>
+              <a:rPr lang="en-US" sz="1400" dirty="0"/>
+              <a:t>VALUES(</a:t>
+            </a:r>
+            <a:br>
+              <a:rPr lang="en-US" sz="1400" dirty="0"/>
+            </a:br>
+            <a:r>
+              <a:rPr lang="en-US" sz="1400" dirty="0"/>
+              <a:t>	('2', '</a:t>
             </a:r>
             <a:r>
               <a:rPr lang="en-US" sz="1400" dirty="0" err="1"/>
-              <a:t>PostID</a:t>
-            </a:r>
-            <a:r>
-              <a:rPr lang="en-US" sz="1400" dirty="0"/>
-              <a:t>, </a:t>
+              <a:t>Bouhrara</a:t>
+            </a:r>
+            <a:r>
+              <a:rPr lang="en-US" sz="1400" dirty="0"/>
+              <a:t>', 'Adam', '</a:t>
+            </a:r>
+            <a:r>
+              <a:rPr lang="en-US" sz="1400" dirty="0">
+                <a:hlinkClick r:id="rId2"/>
+              </a:rPr>
+              <a:t>adam@gmail.com</a:t>
+            </a:r>
+            <a:r>
+              <a:rPr lang="en-US" sz="1400" dirty="0"/>
+              <a:t>', 'France', '</a:t>
             </a:r>
             <a:r>
               <a:rPr lang="en-US" sz="1400" dirty="0" err="1"/>
-              <a:t>Posted_DateTime</a:t>
-            </a:r>
-            <a:r>
-              <a:rPr lang="en-US" sz="1400" dirty="0"/>
-              <a:t>, </a:t>
-            </a:r>
-            <a:r>
-              <a:rPr lang="en-US" sz="1400" dirty="0" err="1"/>
-              <a:t>NumberOfLikes</a:t>
-            </a:r>
-            <a:r>
-              <a:rPr lang="en-US" sz="1400" dirty="0"/>
-              <a:t>, </a:t>
-            </a:r>
-            <a:r>
-              <a:rPr lang="en-US" sz="1400" dirty="0" err="1"/>
-              <a:t>NumberOfShares</a:t>
-            </a:r>
-            <a:r>
-              <a:rPr lang="en-US" sz="1400" dirty="0"/>
-              <a:t>, </a:t>
-            </a:r>
-            <a:r>
-              <a:rPr lang="en-US" sz="1400" dirty="0" err="1"/>
-              <a:t>NumberOfMedia</a:t>
-            </a:r>
-            <a:r>
-              <a:rPr lang="en-US" sz="1400" dirty="0"/>
-              <a:t>, Content, </a:t>
-            </a:r>
-            <a:r>
-              <a:rPr lang="en-US" sz="1400" dirty="0" err="1"/>
-              <a:t>PostedBy_UserID</a:t>
-            </a:r>
-            <a:r>
-              <a:rPr lang="en-US" sz="1400" dirty="0"/>
-              <a:t>)</a:t>
-            </a:r>
-          </a:p>
-          <a:p>
-            <a:pPr marL="0" indent="0">
-              <a:buNone/>
-            </a:pPr>
-            <a:r>
-              <a:rPr lang="en-US" sz="1400" dirty="0"/>
-              <a:t>VALUES ('P2', '2023-02-20 10:30:00', 0, 0, 1, '</a:t>
-            </a:r>
-            <a:r>
-              <a:rPr lang="en-US" sz="1400" dirty="0" err="1"/>
-              <a:t>Ceci</a:t>
-            </a:r>
-            <a:r>
-              <a:rPr lang="en-US" sz="1400" dirty="0"/>
-              <a:t> </a:t>
-            </a:r>
-            <a:r>
-              <a:rPr lang="en-US" sz="1400" dirty="0" err="1"/>
-              <a:t>est</a:t>
-            </a:r>
-            <a:r>
-              <a:rPr lang="en-US" sz="1400" dirty="0"/>
-              <a:t> mon </a:t>
-            </a:r>
-            <a:r>
-              <a:rPr lang="en-US" sz="1400" dirty="0" err="1"/>
-              <a:t>deuxième</a:t>
-            </a:r>
-            <a:r>
-              <a:rPr lang="en-US" sz="1400" dirty="0"/>
-              <a:t> post!', 'U1');</a:t>
+              <a:t>Cergy</a:t>
+            </a:r>
+            <a:r>
+              <a:rPr lang="en-US" sz="1400" dirty="0"/>
+              <a:t>', 1),</a:t>
+            </a:r>
+            <a:br>
+              <a:rPr lang="en-US" sz="1400" dirty="0"/>
+            </a:br>
+            <a:r>
+              <a:rPr lang="en-US" sz="1400" dirty="0"/>
+              <a:t>	('1' , 'Legrand', 'Joan', '</a:t>
+            </a:r>
+            <a:r>
+              <a:rPr lang="en-US" sz="1400" dirty="0">
+                <a:hlinkClick r:id="rId3"/>
+              </a:rPr>
+              <a:t>joan.legrand8@gmail.com</a:t>
+            </a:r>
+            <a:r>
+              <a:rPr lang="en-US" sz="1400" dirty="0"/>
+              <a:t>', 'France', 'Paris', 1) </a:t>
+            </a:r>
+            <a:br>
+              <a:rPr lang="en-US" sz="1400" dirty="0"/>
+            </a:br>
+            <a:r>
+              <a:rPr lang="en-US" sz="1400" dirty="0"/>
+              <a:t>) </a:t>
             </a:r>
             <a:br>
               <a:rPr lang="en-US" sz="1400" u="sng" dirty="0"/>
             </a:br>
             <a:endParaRPr lang="en-US" sz="1400" dirty="0"/>
+          </a:p>
+        </p:txBody>
+      </p:sp>
+      <p:sp>
+        <p:nvSpPr>
+          <p:cNvPr id="6" name="TextBox 5">
+            <a:extLst>
+              <a:ext uri="{FF2B5EF4-FFF2-40B4-BE49-F238E27FC236}">
+                <a16:creationId xmlns:a16="http://schemas.microsoft.com/office/drawing/2014/main" id="{512C76E8-F195-8CEE-1367-4E26CAF0C8C5}"/>
+              </a:ext>
+            </a:extLst>
+          </p:cNvPr>
+          <p:cNvSpPr txBox="1"/>
+          <p:nvPr/>
+        </p:nvSpPr>
+        <p:spPr>
+          <a:xfrm>
+            <a:off x="9780327" y="4857750"/>
+            <a:ext cx="1941557" cy="1569660"/>
+          </a:xfrm>
+          <a:prstGeom prst="rect">
+            <a:avLst/>
+          </a:prstGeom>
+          <a:noFill/>
+          <a:ln>
+            <a:solidFill>
+              <a:schemeClr val="tx1"/>
+            </a:solidFill>
+          </a:ln>
+        </p:spPr>
+        <p:txBody>
+          <a:bodyPr wrap="square" rtlCol="0">
+            <a:spAutoFit/>
+          </a:bodyPr>
+          <a:lstStyle/>
+          <a:p>
+            <a:r>
+              <a:rPr lang="en-US" sz="1200" dirty="0">
+                <a:solidFill>
+                  <a:srgbClr val="FF0000"/>
+                </a:solidFill>
+              </a:rPr>
+              <a:t>IsAdmin</a:t>
+            </a:r>
+            <a:r>
+              <a:rPr lang="en-US" sz="1200" dirty="0"/>
+              <a:t> has to be set up directly in the database not with a </a:t>
+            </a:r>
+            <a:r>
+              <a:rPr lang="en-US" sz="1200" dirty="0" err="1"/>
+              <a:t>php</a:t>
+            </a:r>
+            <a:r>
+              <a:rPr lang="en-US" sz="1200" dirty="0"/>
+              <a:t> function.</a:t>
+            </a:r>
+            <a:br>
+              <a:rPr lang="en-US" sz="1200" dirty="0"/>
+            </a:br>
+            <a:br>
+              <a:rPr lang="en-US" sz="1200" dirty="0"/>
+            </a:br>
+            <a:r>
+              <a:rPr lang="en-US" sz="1200" dirty="0">
+                <a:solidFill>
+                  <a:schemeClr val="accent4"/>
+                </a:solidFill>
+              </a:rPr>
+              <a:t>Theme</a:t>
+            </a:r>
+            <a:r>
+              <a:rPr lang="en-US" sz="1200" dirty="0"/>
+              <a:t> and </a:t>
+            </a:r>
+            <a:r>
+              <a:rPr lang="en-US" sz="1200" dirty="0">
+                <a:solidFill>
+                  <a:schemeClr val="accent4"/>
+                </a:solidFill>
+              </a:rPr>
+              <a:t>IsPremium</a:t>
+            </a:r>
+            <a:r>
+              <a:rPr lang="en-US" sz="1200" dirty="0"/>
+              <a:t> will be default at the creation of a user and will be change with other features.</a:t>
+            </a:r>
+            <a:endParaRPr lang="en-US" sz="1100" dirty="0"/>
           </a:p>
         </p:txBody>
       </p:sp>
     </p:spTree>
     <p:extLst>
       <p:ext uri="{BB962C8B-B14F-4D97-AF65-F5344CB8AC3E}">
-        <p14:creationId xmlns:p14="http://schemas.microsoft.com/office/powerpoint/2010/main" val="668071628"/>
+        <p14:creationId xmlns:p14="http://schemas.microsoft.com/office/powerpoint/2010/main" val="3360593228"/>
       </p:ext>
     </p:extLst>
   </p:cSld>
@@ -17055,7 +18911,7 @@
           <a:p>
             <a:r>
               <a:rPr lang="en-US" dirty="0"/>
-              <a:t>SQL Requests (3)</a:t>
+              <a:t>SQL Requests (2)</a:t>
             </a:r>
           </a:p>
         </p:txBody>
@@ -17098,7 +18954,7 @@
             </a:pPr>
             <a:r>
               <a:rPr lang="en-US" sz="2000" u="sng" dirty="0"/>
-              <a:t>FRIENDS</a:t>
+              <a:t>POST</a:t>
             </a:r>
           </a:p>
           <a:p>
@@ -17122,7 +18978,7 @@
                   <a:srgbClr val="FF0000"/>
                 </a:solidFill>
               </a:rPr>
-              <a:t>FRIENDS</a:t>
+              <a:t>POST </a:t>
             </a:r>
             <a:br>
               <a:rPr lang="en-US" sz="1400" dirty="0"/>
@@ -17139,12 +18995,12 @@
               <a:t>	</a:t>
             </a:r>
             <a:r>
-              <a:rPr lang="en-US" sz="1400" dirty="0">
+              <a:rPr lang="en-US" sz="1400" dirty="0" err="1">
                 <a:solidFill>
                   <a:srgbClr val="FF0000"/>
                 </a:solidFill>
               </a:rPr>
-              <a:t>UserID_1</a:t>
+              <a:t>PostID</a:t>
             </a:r>
             <a:r>
               <a:rPr lang="en-US" sz="1400" dirty="0"/>
@@ -17160,7 +19016,15 @@
             </a:r>
             <a:r>
               <a:rPr lang="en-US" sz="1400" dirty="0"/>
-              <a:t>, </a:t>
+              <a:t>  DEFAULT '</a:t>
+            </a:r>
+            <a:r>
+              <a:rPr lang="en-US" sz="1400" dirty="0" err="1"/>
+              <a:t>NaP</a:t>
+            </a:r>
+            <a:r>
+              <a:rPr lang="en-US" sz="1400" dirty="0"/>
+              <a:t>',</a:t>
             </a:r>
             <a:br>
               <a:rPr lang="en-US" sz="1400" dirty="0"/>
@@ -17170,16 +19034,67 @@
               <a:t>	</a:t>
             </a:r>
             <a:r>
+              <a:rPr lang="en-US" sz="1400" dirty="0" err="1">
+                <a:solidFill>
+                  <a:srgbClr val="FF0000"/>
+                </a:solidFill>
+              </a:rPr>
+              <a:t>Posted</a:t>
+            </a:r>
+            <a:r>
+              <a:rPr lang="en-US" sz="1400" dirty="0" err="1"/>
+              <a:t>_</a:t>
+            </a:r>
+            <a:r>
+              <a:rPr lang="en-US" sz="1400" dirty="0" err="1">
+                <a:solidFill>
+                  <a:srgbClr val="FF0000"/>
+                </a:solidFill>
+              </a:rPr>
+              <a:t>DateTime</a:t>
+            </a:r>
+            <a:r>
+              <a:rPr lang="en-US" sz="1400" dirty="0"/>
+              <a:t>  DATETIME </a:t>
+            </a:r>
+            <a:r>
               <a:rPr lang="en-US" sz="1400" dirty="0">
                 <a:solidFill>
+                  <a:schemeClr val="accent1"/>
+                </a:solidFill>
+              </a:rPr>
+              <a:t>NOT NULL </a:t>
+            </a:r>
+            <a:r>
+              <a:rPr lang="en-US" sz="1400" dirty="0"/>
+              <a:t>DEFAULT NOW(),</a:t>
+            </a:r>
+            <a:br>
+              <a:rPr lang="en-US" sz="1400" dirty="0"/>
+            </a:br>
+            <a:r>
+              <a:rPr lang="en-US" sz="1400" dirty="0"/>
+              <a:t>	</a:t>
+            </a:r>
+            <a:r>
+              <a:rPr lang="en-US" sz="1400" dirty="0" err="1">
+                <a:solidFill>
                   <a:srgbClr val="FF0000"/>
                 </a:solidFill>
               </a:rPr>
-              <a:t>UserID_2</a:t>
-            </a:r>
-            <a:r>
-              <a:rPr lang="en-US" sz="1400" dirty="0"/>
-              <a:t> VARCHAR(50) </a:t>
+              <a:t>NumberOfLikes</a:t>
+            </a:r>
+            <a:r>
+              <a:rPr lang="en-US" sz="1400" dirty="0">
+                <a:solidFill>
+                  <a:srgbClr val="FF0000"/>
+                </a:solidFill>
+              </a:rPr>
+              <a:t> </a:t>
+            </a:r>
+            <a:r>
+              <a:rPr lang="en-US" sz="1400" dirty="0"/>
+              <a:t>INT </a:t>
             </a:r>
             <a:r>
               <a:rPr lang="en-US" sz="1400" dirty="0">
@@ -17191,6 +19106,146 @@
             </a:r>
             <a:r>
               <a:rPr lang="en-US" sz="1400" dirty="0"/>
+              <a:t> DEFAULT 0,</a:t>
+            </a:r>
+            <a:br>
+              <a:rPr lang="en-US" sz="1400" dirty="0"/>
+            </a:br>
+            <a:r>
+              <a:rPr lang="en-US" sz="1400" dirty="0"/>
+              <a:t>	</a:t>
+            </a:r>
+            <a:r>
+              <a:rPr lang="en-US" sz="1400" dirty="0" err="1">
+                <a:solidFill>
+                  <a:srgbClr val="FF0000"/>
+                </a:solidFill>
+              </a:rPr>
+              <a:t>NumberOfShares</a:t>
+            </a:r>
+            <a:r>
+              <a:rPr lang="en-US" sz="1400" dirty="0">
+                <a:solidFill>
+                  <a:srgbClr val="FF0000"/>
+                </a:solidFill>
+              </a:rPr>
+              <a:t> </a:t>
+            </a:r>
+            <a:r>
+              <a:rPr lang="en-US" sz="1400" dirty="0"/>
+              <a:t>INT </a:t>
+            </a:r>
+            <a:r>
+              <a:rPr lang="en-US" sz="1400" dirty="0">
+                <a:solidFill>
+                  <a:schemeClr val="accent1"/>
+                </a:solidFill>
+              </a:rPr>
+              <a:t>NOT NULL</a:t>
+            </a:r>
+            <a:r>
+              <a:rPr lang="en-US" sz="1400" dirty="0"/>
+              <a:t> DEFAULT 0, </a:t>
+            </a:r>
+            <a:br>
+              <a:rPr lang="en-US" sz="1400" dirty="0"/>
+            </a:br>
+            <a:r>
+              <a:rPr lang="en-US" sz="1400" dirty="0"/>
+              <a:t>	</a:t>
+            </a:r>
+            <a:r>
+              <a:rPr lang="en-US" sz="1400" dirty="0" err="1">
+                <a:solidFill>
+                  <a:srgbClr val="FF0000"/>
+                </a:solidFill>
+              </a:rPr>
+              <a:t>NumberOfMedia</a:t>
+            </a:r>
+            <a:r>
+              <a:rPr lang="en-US" sz="1400" dirty="0">
+                <a:solidFill>
+                  <a:srgbClr val="FF0000"/>
+                </a:solidFill>
+              </a:rPr>
+              <a:t> </a:t>
+            </a:r>
+            <a:r>
+              <a:rPr lang="en-US" sz="1400" dirty="0"/>
+              <a:t>INT </a:t>
+            </a:r>
+            <a:r>
+              <a:rPr lang="en-US" sz="1400" dirty="0">
+                <a:solidFill>
+                  <a:schemeClr val="accent1"/>
+                </a:solidFill>
+              </a:rPr>
+              <a:t>NOT NULL</a:t>
+            </a:r>
+            <a:r>
+              <a:rPr lang="en-US" sz="1400" dirty="0"/>
+              <a:t> DEFAULT 0,</a:t>
+            </a:r>
+            <a:br>
+              <a:rPr lang="en-US" sz="1400" dirty="0"/>
+            </a:br>
+            <a:r>
+              <a:rPr lang="en-US" sz="1400" dirty="0"/>
+              <a:t>	</a:t>
+            </a:r>
+            <a:r>
+              <a:rPr lang="en-US" sz="1400" dirty="0">
+                <a:solidFill>
+                  <a:srgbClr val="FF0000"/>
+                </a:solidFill>
+              </a:rPr>
+              <a:t>Content </a:t>
+            </a:r>
+            <a:r>
+              <a:rPr lang="en-US" sz="1400" dirty="0"/>
+              <a:t>VARCHAR(2048) </a:t>
+            </a:r>
+            <a:r>
+              <a:rPr lang="en-US" sz="1400" dirty="0">
+                <a:solidFill>
+                  <a:schemeClr val="accent1"/>
+                </a:solidFill>
+              </a:rPr>
+              <a:t>NOT NULL</a:t>
+            </a:r>
+            <a:r>
+              <a:rPr lang="en-US" sz="1400" dirty="0"/>
+              <a:t> DEFAULT '' ,</a:t>
+            </a:r>
+            <a:br>
+              <a:rPr lang="en-US" sz="1400" dirty="0"/>
+            </a:br>
+            <a:r>
+              <a:rPr lang="en-US" sz="1400" dirty="0"/>
+              <a:t>	</a:t>
+            </a:r>
+            <a:r>
+              <a:rPr lang="en-US" sz="1400" dirty="0" err="1">
+                <a:solidFill>
+                  <a:srgbClr val="FF0000"/>
+                </a:solidFill>
+              </a:rPr>
+              <a:t>PostedBy_UserID</a:t>
+            </a:r>
+            <a:r>
+              <a:rPr lang="en-US" sz="1400" dirty="0"/>
+              <a:t> VARCHAR(50) </a:t>
+            </a:r>
+            <a:r>
+              <a:rPr lang="en-US" sz="1400" dirty="0">
+                <a:solidFill>
+                  <a:schemeClr val="accent1"/>
+                </a:solidFill>
+              </a:rPr>
+              <a:t>NOT NULL</a:t>
+            </a:r>
+            <a:r>
+              <a:rPr lang="en-US" sz="1400" dirty="0"/>
               <a:t>, </a:t>
             </a:r>
             <a:br>
@@ -17198,30 +19253,11 @@
             </a:br>
             <a:r>
               <a:rPr lang="en-US" sz="1400" dirty="0"/>
-              <a:t>	</a:t>
-            </a:r>
-            <a:r>
-              <a:rPr lang="en-US" sz="1400" dirty="0">
-                <a:solidFill>
-                  <a:schemeClr val="accent4"/>
-                </a:solidFill>
-              </a:rPr>
-              <a:t>Level</a:t>
-            </a:r>
-            <a:r>
-              <a:rPr lang="en-US" sz="1400" dirty="0"/>
-              <a:t>  INT NOT NULL DEFAULT 0,</a:t>
-            </a:r>
-            <a:br>
-              <a:rPr lang="en-US" sz="1400" dirty="0"/>
-            </a:br>
-            <a:r>
-              <a:rPr lang="en-US" sz="1400" dirty="0"/>
-              <a:t>	FOREIGN KEY(UserID_1) REFERENCES USER(</a:t>
+              <a:t>	PRIMARY KEY(</a:t>
             </a:r>
             <a:r>
               <a:rPr lang="en-US" sz="1400" dirty="0" err="1"/>
-              <a:t>UserID</a:t>
+              <a:t>PostID</a:t>
             </a:r>
             <a:r>
               <a:rPr lang="en-US" sz="1400" dirty="0"/>
@@ -17232,22 +19268,15 @@
             </a:br>
             <a:r>
               <a:rPr lang="en-US" sz="1400" dirty="0"/>
-              <a:t>	FOREIGN KEY(UserID_2) REFERENCES USER(</a:t>
+              <a:t>	FOREIGN KEY(</a:t>
             </a:r>
             <a:r>
               <a:rPr lang="en-US" sz="1400" dirty="0" err="1"/>
-              <a:t>UserID</a:t>
-            </a:r>
-            <a:r>
-              <a:rPr lang="en-US" sz="1400" dirty="0"/>
-              <a:t>),</a:t>
-            </a:r>
-            <a:br>
-              <a:rPr lang="en-US" sz="1400" dirty="0"/>
-            </a:br>
-            <a:r>
-              <a:rPr lang="en-US" sz="1400" dirty="0"/>
-              <a:t>	PRIMARY KEY(UserID_1, UserID_2)</a:t>
+              <a:t>PostedBy_UserID</a:t>
+            </a:r>
+            <a:r>
+              <a:rPr lang="en-US" sz="1400" dirty="0"/>
+              <a:t>) REFERENCES USER(UserID)</a:t>
             </a:r>
             <a:br>
               <a:rPr lang="en-US" sz="1400" dirty="0"/>
@@ -17274,8 +19303,8 @@
         </p:nvSpPr>
         <p:spPr>
           <a:xfrm>
-            <a:off x="9589828" y="1420893"/>
-            <a:ext cx="2344998" cy="738664"/>
+            <a:off x="9608878" y="1420893"/>
+            <a:ext cx="2344998" cy="3277820"/>
           </a:xfrm>
           <a:prstGeom prst="rect">
             <a:avLst/>
@@ -17294,31 +19323,98 @@
           <a:lstStyle/>
           <a:p>
             <a:r>
-              <a:rPr lang="en-US" sz="1400" dirty="0">
-                <a:solidFill>
-                  <a:schemeClr val="accent4"/>
-                </a:solidFill>
-              </a:rPr>
-              <a:t>Level :</a:t>
-            </a:r>
-            <a:br>
-              <a:rPr lang="en-US" sz="1400" dirty="0">
-                <a:solidFill>
-                  <a:schemeClr val="accent4"/>
-                </a:solidFill>
-              </a:rPr>
-            </a:br>
-            <a:r>
-              <a:rPr lang="en-US" sz="1400" dirty="0"/>
-              <a:t>0 : Classic Friend</a:t>
-            </a:r>
-            <a:br>
-              <a:rPr lang="en-US" sz="1400" dirty="0"/>
-            </a:br>
-            <a:r>
-              <a:rPr lang="en-US" sz="1400" dirty="0"/>
-              <a:t>1 : Closed Friend</a:t>
-            </a:r>
+              <a:rPr lang="en-US" sz="1600" dirty="0" err="1"/>
+              <a:t>NaP</a:t>
+            </a:r>
+            <a:r>
+              <a:rPr lang="en-US" sz="1600" dirty="0"/>
+              <a:t> : Not a Post</a:t>
+            </a:r>
+            <a:br>
+              <a:rPr lang="en-US" sz="1600" dirty="0"/>
+            </a:br>
+            <a:r>
+              <a:rPr lang="en-US" sz="1600" dirty="0" err="1"/>
+              <a:t>NumberOfLikes</a:t>
+            </a:r>
+            <a:r>
+              <a:rPr lang="en-US" sz="1600" dirty="0"/>
+              <a:t>/Shares : </a:t>
+            </a:r>
+            <a:br>
+              <a:rPr lang="en-US" dirty="0"/>
+            </a:br>
+            <a:r>
+              <a:rPr lang="en-US" sz="1100" dirty="0"/>
+              <a:t>set up to default when a post is insert.</a:t>
+            </a:r>
+            <a:br>
+              <a:rPr lang="en-US" sz="1100" dirty="0"/>
+            </a:br>
+            <a:r>
+              <a:rPr lang="en-US" sz="1100" dirty="0" err="1"/>
+              <a:t>Actualise</a:t>
+            </a:r>
+            <a:r>
+              <a:rPr lang="en-US" sz="1100" dirty="0"/>
+              <a:t> when someone will like/share it.</a:t>
+            </a:r>
+            <a:br>
+              <a:rPr lang="en-US" sz="1100" dirty="0"/>
+            </a:br>
+            <a:br>
+              <a:rPr lang="en-US" sz="1100" dirty="0"/>
+            </a:br>
+            <a:r>
+              <a:rPr lang="en-US" sz="1600" dirty="0" err="1"/>
+              <a:t>NumberOfMedias</a:t>
+            </a:r>
+            <a:r>
+              <a:rPr lang="en-US" sz="1600" dirty="0"/>
+              <a:t> : </a:t>
+            </a:r>
+            <a:br>
+              <a:rPr lang="en-US" sz="1100" dirty="0"/>
+            </a:br>
+            <a:r>
+              <a:rPr lang="en-US" sz="1100" dirty="0"/>
+              <a:t>0 to 5, contain the info of how many Medias are link to the Post</a:t>
+            </a:r>
+            <a:br>
+              <a:rPr lang="en-US" sz="1100" dirty="0"/>
+            </a:br>
+            <a:br>
+              <a:rPr lang="en-US" sz="1100" dirty="0"/>
+            </a:br>
+            <a:r>
+              <a:rPr lang="en-US" sz="1600" dirty="0" err="1"/>
+              <a:t>DateTime</a:t>
+            </a:r>
+            <a:r>
+              <a:rPr lang="en-US" sz="1600" dirty="0"/>
+              <a:t> : </a:t>
+            </a:r>
+            <a:br>
+              <a:rPr lang="en-US" sz="1100" dirty="0"/>
+            </a:br>
+            <a:r>
+              <a:rPr lang="en-US" sz="1100" dirty="0"/>
+              <a:t>datetime when the post has been posted by the user (id user : </a:t>
+            </a:r>
+            <a:r>
+              <a:rPr lang="en-US" sz="1100" dirty="0" err="1"/>
+              <a:t>PostedByUserID</a:t>
+            </a:r>
+            <a:r>
+              <a:rPr lang="en-US" sz="1100" dirty="0"/>
+              <a:t>) </a:t>
+            </a:r>
+            <a:br>
+              <a:rPr lang="en-US" sz="1100" dirty="0"/>
+            </a:br>
+            <a:endParaRPr lang="en-US" sz="1100" dirty="0"/>
+          </a:p>
+          <a:p>
             <a:endParaRPr lang="en-US" sz="1100" dirty="0"/>
           </a:p>
         </p:txBody>
@@ -17521,7 +19617,6 @@
           </a:lstStyle>
           <a:p>
             <a:pPr marL="0" indent="0">
-              <a:buFont typeface="Arial" panose="020B0604020202020204" pitchFamily="34" charset="0"/>
               <a:buNone/>
             </a:pPr>
             <a:br>
@@ -17532,28 +19627,88 @@
             </a:br>
             <a:r>
               <a:rPr lang="en-US" sz="1400" dirty="0"/>
-              <a:t>INSERT INTO POST (UserID_1, UserID_2)</a:t>
-            </a:r>
-            <a:br>
-              <a:rPr lang="en-US" sz="1400" dirty="0"/>
-            </a:br>
-            <a:r>
-              <a:rPr lang="en-US" sz="1400" dirty="0"/>
-              <a:t>VALUES(</a:t>
-            </a:r>
-            <a:br>
-              <a:rPr lang="en-US" sz="1400" dirty="0"/>
-            </a:br>
-            <a:r>
-              <a:rPr lang="en-US" sz="1400" dirty="0"/>
-              <a:t>	()</a:t>
-            </a:r>
-            <a:br>
-              <a:rPr lang="en-US" sz="1400" dirty="0"/>
-            </a:br>
-            <a:r>
-              <a:rPr lang="en-US" sz="1400" dirty="0"/>
-              <a:t>) </a:t>
+              <a:t>INSERT INTO POST (</a:t>
+            </a:r>
+            <a:r>
+              <a:rPr lang="en-US" sz="1400" dirty="0" err="1"/>
+              <a:t>PostID</a:t>
+            </a:r>
+            <a:r>
+              <a:rPr lang="en-US" sz="1400" dirty="0"/>
+              <a:t>, </a:t>
+            </a:r>
+            <a:r>
+              <a:rPr lang="en-US" sz="1400" dirty="0" err="1"/>
+              <a:t>Posted_DateTime</a:t>
+            </a:r>
+            <a:r>
+              <a:rPr lang="en-US" sz="1400" dirty="0"/>
+              <a:t>, </a:t>
+            </a:r>
+            <a:r>
+              <a:rPr lang="en-US" sz="1400" dirty="0" err="1"/>
+              <a:t>NumberOfLikes</a:t>
+            </a:r>
+            <a:r>
+              <a:rPr lang="en-US" sz="1400" dirty="0"/>
+              <a:t>, </a:t>
+            </a:r>
+            <a:r>
+              <a:rPr lang="en-US" sz="1400" dirty="0" err="1"/>
+              <a:t>NumberOfShares</a:t>
+            </a:r>
+            <a:r>
+              <a:rPr lang="en-US" sz="1400" dirty="0"/>
+              <a:t>, </a:t>
+            </a:r>
+            <a:r>
+              <a:rPr lang="en-US" sz="1400" dirty="0" err="1"/>
+              <a:t>NumberOfMedia</a:t>
+            </a:r>
+            <a:r>
+              <a:rPr lang="en-US" sz="1400" dirty="0"/>
+              <a:t>, Content, </a:t>
+            </a:r>
+            <a:r>
+              <a:rPr lang="en-US" sz="1400" dirty="0" err="1"/>
+              <a:t>PostedBy_UserID</a:t>
+            </a:r>
+            <a:r>
+              <a:rPr lang="en-US" sz="1400" dirty="0"/>
+              <a:t>)</a:t>
+            </a:r>
+          </a:p>
+          <a:p>
+            <a:pPr marL="0" indent="0">
+              <a:buNone/>
+            </a:pPr>
+            <a:r>
+              <a:rPr lang="en-US" sz="1400" dirty="0"/>
+              <a:t>VALUES ('P2', '2023-02-20 10:30:00', 0, 0, 1, '</a:t>
+            </a:r>
+            <a:r>
+              <a:rPr lang="en-US" sz="1400" dirty="0" err="1"/>
+              <a:t>Ceci</a:t>
+            </a:r>
+            <a:r>
+              <a:rPr lang="en-US" sz="1400" dirty="0"/>
+              <a:t> </a:t>
+            </a:r>
+            <a:r>
+              <a:rPr lang="en-US" sz="1400" dirty="0" err="1"/>
+              <a:t>est</a:t>
+            </a:r>
+            <a:r>
+              <a:rPr lang="en-US" sz="1400" dirty="0"/>
+              <a:t> mon </a:t>
+            </a:r>
+            <a:r>
+              <a:rPr lang="en-US" sz="1400" dirty="0" err="1"/>
+              <a:t>deuxième</a:t>
+            </a:r>
+            <a:r>
+              <a:rPr lang="en-US" sz="1400" dirty="0"/>
+              <a:t> post!', 'U1');</a:t>
             </a:r>
             <a:br>
               <a:rPr lang="en-US" sz="1400" u="sng" dirty="0"/>
@@ -17565,7 +19720,7 @@
     </p:spTree>
     <p:extLst>
       <p:ext uri="{BB962C8B-B14F-4D97-AF65-F5344CB8AC3E}">
-        <p14:creationId xmlns:p14="http://schemas.microsoft.com/office/powerpoint/2010/main" val="611382655"/>
+        <p14:creationId xmlns:p14="http://schemas.microsoft.com/office/powerpoint/2010/main" val="668071628"/>
       </p:ext>
     </p:extLst>
   </p:cSld>
@@ -17622,7 +19777,7 @@
           <a:p>
             <a:r>
               <a:rPr lang="en-US" dirty="0"/>
-              <a:t>SQL Requests (4)</a:t>
+              <a:t>SQL Requests (3)</a:t>
             </a:r>
           </a:p>
         </p:txBody>
@@ -17665,7 +19820,7 @@
             </a:pPr>
             <a:r>
               <a:rPr lang="en-US" sz="2000" u="sng" dirty="0"/>
-              <a:t>LIKED/SHARED_POST</a:t>
+              <a:t>FRIENDS</a:t>
             </a:r>
           </a:p>
           <a:p>
@@ -17689,7 +19844,7 @@
                   <a:srgbClr val="FF0000"/>
                 </a:solidFill>
               </a:rPr>
-              <a:t>LIKED_POST / SHARED_POST</a:t>
+              <a:t>FRIENDS</a:t>
             </a:r>
             <a:br>
               <a:rPr lang="en-US" sz="1400" dirty="0"/>
@@ -17706,12 +19861,12 @@
               <a:t>	</a:t>
             </a:r>
             <a:r>
-              <a:rPr lang="en-US" sz="1400" dirty="0" err="1">
+              <a:rPr lang="en-US" sz="1400" dirty="0">
                 <a:solidFill>
                   <a:srgbClr val="FF0000"/>
                 </a:solidFill>
               </a:rPr>
-              <a:t>UserID</a:t>
+              <a:t>UserID_1</a:t>
             </a:r>
             <a:r>
               <a:rPr lang="en-US" sz="1400" dirty="0"/>
@@ -17737,12 +19892,12 @@
               <a:t>	</a:t>
             </a:r>
             <a:r>
-              <a:rPr lang="en-US" sz="1400" dirty="0" err="1">
+              <a:rPr lang="en-US" sz="1400" dirty="0">
                 <a:solidFill>
                   <a:srgbClr val="FF0000"/>
                 </a:solidFill>
               </a:rPr>
-              <a:t>PostID</a:t>
+              <a:t>UserID_2</a:t>
             </a:r>
             <a:r>
               <a:rPr lang="en-US" sz="1400" dirty="0"/>
@@ -17770,49 +19925,21 @@
             <a:r>
               <a:rPr lang="en-US" sz="1400" dirty="0">
                 <a:solidFill>
-                  <a:srgbClr val="FF0000"/>
+                  <a:schemeClr val="accent4"/>
                 </a:solidFill>
               </a:rPr>
-              <a:t>Liked/</a:t>
-            </a:r>
-            <a:r>
-              <a:rPr lang="en-US" sz="1400" dirty="0" err="1">
-                <a:solidFill>
-                  <a:srgbClr val="FF0000"/>
-                </a:solidFill>
-              </a:rPr>
-              <a:t>Shared_DateTime</a:t>
-            </a:r>
-            <a:r>
-              <a:rPr lang="en-US" sz="1400" dirty="0">
-                <a:solidFill>
-                  <a:srgbClr val="FF0000"/>
-                </a:solidFill>
-              </a:rPr>
-              <a:t> </a:t>
-            </a:r>
-            <a:r>
-              <a:rPr lang="en-US" sz="1400" dirty="0"/>
-              <a:t>DATETIME </a:t>
-            </a:r>
-            <a:r>
-              <a:rPr lang="en-US" sz="1400" dirty="0">
-                <a:solidFill>
-                  <a:schemeClr val="accent1"/>
-                </a:solidFill>
-              </a:rPr>
-              <a:t>NOT NULL </a:t>
-            </a:r>
-            <a:r>
-              <a:rPr lang="en-US" sz="1400" dirty="0"/>
-              <a:t>DEFAULT NOW(),</a:t>
-            </a:r>
-            <a:br>
-              <a:rPr lang="en-US" sz="1400" dirty="0"/>
-            </a:br>
-            <a:r>
-              <a:rPr lang="en-US" sz="1400" dirty="0"/>
-              <a:t>	FOREIGN KEY(</a:t>
+              <a:t>Level</a:t>
+            </a:r>
+            <a:r>
+              <a:rPr lang="en-US" sz="1400" dirty="0"/>
+              <a:t>  INT NOT NULL DEFAULT 0,</a:t>
+            </a:r>
+            <a:br>
+              <a:rPr lang="en-US" sz="1400" dirty="0"/>
+            </a:br>
+            <a:r>
+              <a:rPr lang="en-US" sz="1400" dirty="0"/>
+              <a:t>	FOREIGN KEY(UserID_1) REFERENCES USER(</a:t>
             </a:r>
             <a:r>
               <a:rPr lang="en-US" sz="1400" dirty="0" err="1"/>
@@ -17820,7 +19947,14 @@
             </a:r>
             <a:r>
               <a:rPr lang="en-US" sz="1400" dirty="0"/>
-              <a:t>) REFERENCES USER(</a:t>
+              <a:t>),</a:t>
+            </a:r>
+            <a:br>
+              <a:rPr lang="en-US" sz="1400" dirty="0"/>
+            </a:br>
+            <a:r>
+              <a:rPr lang="en-US" sz="1400" dirty="0"/>
+              <a:t>	FOREIGN KEY(UserID_2) REFERENCES USER(</a:t>
             </a:r>
             <a:r>
               <a:rPr lang="en-US" sz="1400" dirty="0" err="1"/>
@@ -17835,46 +19969,7 @@
             </a:br>
             <a:r>
               <a:rPr lang="en-US" sz="1400" dirty="0"/>
-              <a:t>	FOREIGN KEY(</a:t>
-            </a:r>
-            <a:r>
-              <a:rPr lang="en-US" sz="1400" dirty="0" err="1"/>
-              <a:t>PostID</a:t>
-            </a:r>
-            <a:r>
-              <a:rPr lang="en-US" sz="1400" dirty="0"/>
-              <a:t>) REFERENCES POST(</a:t>
-            </a:r>
-            <a:r>
-              <a:rPr lang="en-US" sz="1400" dirty="0" err="1"/>
-              <a:t>PostID</a:t>
-            </a:r>
-            <a:r>
-              <a:rPr lang="en-US" sz="1400" dirty="0"/>
-              <a:t>),</a:t>
-            </a:r>
-            <a:br>
-              <a:rPr lang="en-US" sz="1400" dirty="0"/>
-            </a:br>
-            <a:r>
-              <a:rPr lang="en-US" sz="1400" dirty="0"/>
-              <a:t>	PRIMARY KEY(</a:t>
-            </a:r>
-            <a:r>
-              <a:rPr lang="en-US" sz="1400" dirty="0" err="1"/>
-              <a:t>UserID</a:t>
-            </a:r>
-            <a:r>
-              <a:rPr lang="en-US" sz="1400" dirty="0"/>
-              <a:t>, </a:t>
-            </a:r>
-            <a:r>
-              <a:rPr lang="en-US" sz="1400" dirty="0" err="1"/>
-              <a:t>PostID</a:t>
-            </a:r>
-            <a:r>
-              <a:rPr lang="en-US" sz="1400" dirty="0"/>
-              <a:t>)</a:t>
+              <a:t>	PRIMARY KEY(UserID_1, UserID_2)</a:t>
             </a:r>
             <a:br>
               <a:rPr lang="en-US" sz="1400" dirty="0"/>
@@ -17884,6 +19979,69 @@
               <a:t>) </a:t>
             </a:r>
             <a:endParaRPr lang="en-US" u="sng" dirty="0"/>
+          </a:p>
+        </p:txBody>
+      </p:sp>
+      <p:sp>
+        <p:nvSpPr>
+          <p:cNvPr id="4" name="TextBox 3">
+            <a:extLst>
+              <a:ext uri="{FF2B5EF4-FFF2-40B4-BE49-F238E27FC236}">
+                <a16:creationId xmlns:a16="http://schemas.microsoft.com/office/drawing/2014/main" id="{F219A6C3-B49D-50D3-7D10-73B756269A1E}"/>
+              </a:ext>
+            </a:extLst>
+          </p:cNvPr>
+          <p:cNvSpPr txBox="1"/>
+          <p:nvPr/>
+        </p:nvSpPr>
+        <p:spPr>
+          <a:xfrm>
+            <a:off x="9589828" y="1420893"/>
+            <a:ext cx="2344998" cy="738664"/>
+          </a:xfrm>
+          <a:prstGeom prst="rect">
+            <a:avLst/>
+          </a:prstGeom>
+          <a:noFill/>
+          <a:ln>
+            <a:solidFill>
+              <a:schemeClr val="tx1"/>
+            </a:solidFill>
+          </a:ln>
+        </p:spPr>
+        <p:txBody>
+          <a:bodyPr wrap="square" rtlCol="0">
+            <a:spAutoFit/>
+          </a:bodyPr>
+          <a:lstStyle/>
+          <a:p>
+            <a:r>
+              <a:rPr lang="en-US" sz="1400" dirty="0">
+                <a:solidFill>
+                  <a:schemeClr val="accent4"/>
+                </a:solidFill>
+              </a:rPr>
+              <a:t>Level :</a:t>
+            </a:r>
+            <a:br>
+              <a:rPr lang="en-US" sz="1400" dirty="0">
+                <a:solidFill>
+                  <a:schemeClr val="accent4"/>
+                </a:solidFill>
+              </a:rPr>
+            </a:br>
+            <a:r>
+              <a:rPr lang="en-US" sz="1400" dirty="0"/>
+              <a:t>0 : Classic Friend</a:t>
+            </a:r>
+            <a:br>
+              <a:rPr lang="en-US" sz="1400" dirty="0"/>
+            </a:br>
+            <a:r>
+              <a:rPr lang="en-US" sz="1400" dirty="0"/>
+              <a:t>1 : Closed Friend</a:t>
+            </a:r>
+            <a:endParaRPr lang="en-US" sz="1100" dirty="0"/>
           </a:p>
         </p:txBody>
       </p:sp>
@@ -18129,7 +20287,7 @@
     </p:spTree>
     <p:extLst>
       <p:ext uri="{BB962C8B-B14F-4D97-AF65-F5344CB8AC3E}">
-        <p14:creationId xmlns:p14="http://schemas.microsoft.com/office/powerpoint/2010/main" val="3884551746"/>
+        <p14:creationId xmlns:p14="http://schemas.microsoft.com/office/powerpoint/2010/main" val="611382655"/>
       </p:ext>
     </p:extLst>
   </p:cSld>
@@ -18186,7 +20344,7 @@
           <a:p>
             <a:r>
               <a:rPr lang="en-US" dirty="0"/>
-              <a:t>SQL Requests (5)</a:t>
+              <a:t>SQL Requests (4)</a:t>
             </a:r>
           </a:p>
         </p:txBody>
@@ -18229,7 +20387,7 @@
             </a:pPr>
             <a:r>
               <a:rPr lang="en-US" sz="2000" u="sng" dirty="0"/>
-              <a:t>COMMENT</a:t>
+              <a:t>LIKED/SHARED_POST</a:t>
             </a:r>
           </a:p>
           <a:p>
@@ -18253,7 +20411,7 @@
                   <a:srgbClr val="FF0000"/>
                 </a:solidFill>
               </a:rPr>
-              <a:t>COMMENT </a:t>
+              <a:t>LIKED_POST / SHARED_POST</a:t>
             </a:r>
             <a:br>
               <a:rPr lang="en-US" sz="1400" dirty="0"/>
@@ -18275,7 +20433,7 @@
                   <a:srgbClr val="FF0000"/>
                 </a:solidFill>
               </a:rPr>
-              <a:t>CommentID</a:t>
+              <a:t>UserID</a:t>
             </a:r>
             <a:r>
               <a:rPr lang="en-US" sz="1400" dirty="0"/>
@@ -18291,15 +20449,7 @@
             </a:r>
             <a:r>
               <a:rPr lang="en-US" sz="1400" dirty="0"/>
-              <a:t>  DEFAULT ‘</a:t>
-            </a:r>
-            <a:r>
-              <a:rPr lang="en-US" sz="1400" dirty="0" err="1"/>
-              <a:t>NaC</a:t>
-            </a:r>
-            <a:r>
-              <a:rPr lang="en-US" sz="1400" dirty="0"/>
-              <a:t>’,</a:t>
+              <a:t>, </a:t>
             </a:r>
             <a:br>
               <a:rPr lang="en-US" sz="1400" dirty="0"/>
@@ -18314,11 +20464,38 @@
                   <a:srgbClr val="FF0000"/>
                 </a:solidFill>
               </a:rPr>
-              <a:t>Comment</a:t>
-            </a:r>
-            <a:r>
-              <a:rPr lang="en-US" sz="1400" dirty="0" err="1"/>
-              <a:t>_</a:t>
+              <a:t>PostID</a:t>
+            </a:r>
+            <a:r>
+              <a:rPr lang="en-US" sz="1400" dirty="0"/>
+              <a:t> VARCHAR(50) </a:t>
+            </a:r>
+            <a:r>
+              <a:rPr lang="en-US" sz="1400" dirty="0">
+                <a:solidFill>
+                  <a:schemeClr val="accent1"/>
+                </a:solidFill>
+              </a:rPr>
+              <a:t>NOT NULL</a:t>
+            </a:r>
+            <a:r>
+              <a:rPr lang="en-US" sz="1400" dirty="0"/>
+              <a:t>, </a:t>
+            </a:r>
+            <a:br>
+              <a:rPr lang="en-US" sz="1400" dirty="0"/>
+            </a:br>
+            <a:r>
+              <a:rPr lang="en-US" sz="1400" dirty="0"/>
+              <a:t>	</a:t>
+            </a:r>
+            <a:r>
+              <a:rPr lang="en-US" sz="1400" dirty="0">
+                <a:solidFill>
+                  <a:srgbClr val="FF0000"/>
+                </a:solidFill>
+              </a:rPr>
+              <a:t>Liked/</a:t>
             </a:r>
             <a:r>
               <a:rPr lang="en-US" sz="1400" dirty="0" err="1">
@@ -18326,11 +20503,19 @@
                   <a:srgbClr val="FF0000"/>
                 </a:solidFill>
               </a:rPr>
-              <a:t>DateTime</a:t>
-            </a:r>
-            <a:r>
-              <a:rPr lang="en-US" sz="1400" dirty="0"/>
-              <a:t>  DATETIME </a:t>
+              <a:t>Shared_DateTime</a:t>
+            </a:r>
+            <a:r>
+              <a:rPr lang="en-US" sz="1400" dirty="0">
+                <a:solidFill>
+                  <a:srgbClr val="FF0000"/>
+                </a:solidFill>
+              </a:rPr>
+              <a:t> </a:t>
+            </a:r>
+            <a:r>
+              <a:rPr lang="en-US" sz="1400" dirty="0"/>
+              <a:t>DATETIME </a:t>
             </a:r>
             <a:r>
               <a:rPr lang="en-US" sz="1400" dirty="0">
@@ -18349,123 +20534,7 @@
             </a:br>
             <a:r>
               <a:rPr lang="en-US" sz="1400" dirty="0"/>
-              <a:t>	</a:t>
-            </a:r>
-            <a:r>
-              <a:rPr lang="en-US" sz="1400" dirty="0">
-                <a:solidFill>
-                  <a:srgbClr val="FF0000"/>
-                </a:solidFill>
-              </a:rPr>
-              <a:t>Content </a:t>
-            </a:r>
-            <a:r>
-              <a:rPr lang="en-US" sz="1400" dirty="0"/>
-              <a:t>VARCHAR(2048) </a:t>
-            </a:r>
-            <a:r>
-              <a:rPr lang="en-US" sz="1400" dirty="0">
-                <a:solidFill>
-                  <a:schemeClr val="accent1"/>
-                </a:solidFill>
-              </a:rPr>
-              <a:t>NOT NULL</a:t>
-            </a:r>
-            <a:r>
-              <a:rPr lang="en-US" sz="1400" dirty="0"/>
-              <a:t> DEFAULT ‘’ “,</a:t>
-            </a:r>
-            <a:br>
-              <a:rPr lang="en-US" sz="1400" dirty="0"/>
-            </a:br>
-            <a:r>
-              <a:rPr lang="en-US" sz="1400" dirty="0"/>
-              <a:t>	</a:t>
-            </a:r>
-            <a:r>
-              <a:rPr lang="en-US" sz="1400" dirty="0" err="1">
-                <a:solidFill>
-                  <a:srgbClr val="FF0000"/>
-                </a:solidFill>
-              </a:rPr>
-              <a:t>PostedBy_UserID</a:t>
-            </a:r>
-            <a:r>
-              <a:rPr lang="en-US" sz="1400" dirty="0"/>
-              <a:t> VARCHAR(50) </a:t>
-            </a:r>
-            <a:r>
-              <a:rPr lang="en-US" sz="1400" dirty="0">
-                <a:solidFill>
-                  <a:schemeClr val="accent1"/>
-                </a:solidFill>
-              </a:rPr>
-              <a:t>NOT NULL</a:t>
-            </a:r>
-            <a:r>
-              <a:rPr lang="en-US" sz="1400" dirty="0"/>
-              <a:t>, </a:t>
-            </a:r>
-            <a:br>
-              <a:rPr lang="en-US" sz="1400" dirty="0"/>
-            </a:br>
-            <a:r>
-              <a:rPr lang="en-US" sz="1400" dirty="0"/>
-              <a:t>	</a:t>
-            </a:r>
-            <a:r>
-              <a:rPr lang="en-US" sz="1400" dirty="0" err="1">
-                <a:solidFill>
-                  <a:srgbClr val="FF0000"/>
-                </a:solidFill>
-              </a:rPr>
-              <a:t>ReplyTo_PostID</a:t>
-            </a:r>
-            <a:r>
-              <a:rPr lang="en-US" sz="1400" dirty="0"/>
-              <a:t> VARCHAR(50) </a:t>
-            </a:r>
-            <a:r>
-              <a:rPr lang="en-US" sz="1400" dirty="0">
-                <a:solidFill>
-                  <a:schemeClr val="accent1"/>
-                </a:solidFill>
-              </a:rPr>
-              <a:t>NOT NULL</a:t>
-            </a:r>
-            <a:r>
-              <a:rPr lang="en-US" sz="1400" dirty="0"/>
-              <a:t>,</a:t>
-            </a:r>
-            <a:br>
-              <a:rPr lang="en-US" sz="1400" dirty="0"/>
-            </a:br>
-            <a:r>
-              <a:rPr lang="en-US" sz="1400" dirty="0"/>
-              <a:t>	PRIMARY KEY(</a:t>
-            </a:r>
-            <a:r>
-              <a:rPr lang="en-US" sz="1400" dirty="0" err="1"/>
-              <a:t>CommentID</a:t>
-            </a:r>
-            <a:r>
-              <a:rPr lang="en-US" sz="1400" dirty="0"/>
-              <a:t>),</a:t>
-            </a:r>
-            <a:br>
-              <a:rPr lang="en-US" sz="1400" dirty="0"/>
-            </a:br>
-            <a:r>
-              <a:rPr lang="en-US" sz="1400" dirty="0"/>
               <a:t>	FOREIGN KEY(</a:t>
-            </a:r>
-            <a:r>
-              <a:rPr lang="en-US" sz="1400" dirty="0" err="1"/>
-              <a:t>PostedBy_UserID</a:t>
-            </a:r>
-            <a:r>
-              <a:rPr lang="en-US" sz="1400" dirty="0"/>
-              <a:t>) REFERENCES USER(</a:t>
             </a:r>
             <a:r>
               <a:rPr lang="en-US" sz="1400" dirty="0" err="1"/>
@@ -18473,6 +20542,14 @@
             </a:r>
             <a:r>
               <a:rPr lang="en-US" sz="1400" dirty="0"/>
+              <a:t>) REFERENCES USER(</a:t>
+            </a:r>
+            <a:r>
+              <a:rPr lang="en-US" sz="1400" dirty="0" err="1"/>
+              <a:t>UserID</a:t>
+            </a:r>
+            <a:r>
+              <a:rPr lang="en-US" sz="1400" dirty="0"/>
               <a:t>),</a:t>
             </a:r>
             <a:br>
@@ -18481,14 +20558,6 @@
             <a:r>
               <a:rPr lang="en-US" sz="1400" dirty="0"/>
               <a:t>	FOREIGN KEY(</a:t>
-            </a:r>
-            <a:r>
-              <a:rPr lang="en-US" sz="1400" dirty="0" err="1"/>
-              <a:t>ReplyTo_PostID</a:t>
-            </a:r>
-            <a:r>
-              <a:rPr lang="en-US" sz="1400" dirty="0"/>
-              <a:t>) REFERENCES POST(</a:t>
             </a:r>
             <a:r>
               <a:rPr lang="en-US" sz="1400" dirty="0" err="1"/>
@@ -18496,6 +20565,37 @@
             </a:r>
             <a:r>
               <a:rPr lang="en-US" sz="1400" dirty="0"/>
+              <a:t>) REFERENCES POST(</a:t>
+            </a:r>
+            <a:r>
+              <a:rPr lang="en-US" sz="1400" dirty="0" err="1"/>
+              <a:t>PostID</a:t>
+            </a:r>
+            <a:r>
+              <a:rPr lang="en-US" sz="1400" dirty="0"/>
+              <a:t>),</a:t>
+            </a:r>
+            <a:br>
+              <a:rPr lang="en-US" sz="1400" dirty="0"/>
+            </a:br>
+            <a:r>
+              <a:rPr lang="en-US" sz="1400" dirty="0"/>
+              <a:t>	PRIMARY KEY(</a:t>
+            </a:r>
+            <a:r>
+              <a:rPr lang="en-US" sz="1400" dirty="0" err="1"/>
+              <a:t>UserID</a:t>
+            </a:r>
+            <a:r>
+              <a:rPr lang="en-US" sz="1400" dirty="0"/>
+              <a:t>, </a:t>
+            </a:r>
+            <a:r>
+              <a:rPr lang="en-US" sz="1400" dirty="0" err="1"/>
+              <a:t>PostID</a:t>
+            </a:r>
+            <a:r>
+              <a:rPr lang="en-US" sz="1400" dirty="0"/>
               <a:t>)</a:t>
             </a:r>
             <a:br>
@@ -18506,86 +20606,6 @@
               <a:t>) </a:t>
             </a:r>
             <a:endParaRPr lang="en-US" u="sng" dirty="0"/>
-          </a:p>
-        </p:txBody>
-      </p:sp>
-      <p:sp>
-        <p:nvSpPr>
-          <p:cNvPr id="4" name="TextBox 3">
-            <a:extLst>
-              <a:ext uri="{FF2B5EF4-FFF2-40B4-BE49-F238E27FC236}">
-                <a16:creationId xmlns:a16="http://schemas.microsoft.com/office/drawing/2014/main" id="{F219A6C3-B49D-50D3-7D10-73B756269A1E}"/>
-              </a:ext>
-            </a:extLst>
-          </p:cNvPr>
-          <p:cNvSpPr txBox="1"/>
-          <p:nvPr/>
-        </p:nvSpPr>
-        <p:spPr>
-          <a:xfrm>
-            <a:off x="9608878" y="1420893"/>
-            <a:ext cx="2344998" cy="1600438"/>
-          </a:xfrm>
-          <a:prstGeom prst="rect">
-            <a:avLst/>
-          </a:prstGeom>
-          <a:noFill/>
-          <a:ln>
-            <a:solidFill>
-              <a:schemeClr val="tx1"/>
-            </a:solidFill>
-          </a:ln>
-        </p:spPr>
-        <p:txBody>
-          <a:bodyPr wrap="square" rtlCol="0">
-            <a:spAutoFit/>
-          </a:bodyPr>
-          <a:lstStyle/>
-          <a:p>
-            <a:r>
-              <a:rPr lang="en-US" sz="1600" dirty="0" err="1"/>
-              <a:t>NaP</a:t>
-            </a:r>
-            <a:r>
-              <a:rPr lang="en-US" sz="1600" dirty="0"/>
-              <a:t> : Not a Comment</a:t>
-            </a:r>
-            <a:br>
-              <a:rPr lang="en-US" sz="1100" dirty="0"/>
-            </a:br>
-            <a:br>
-              <a:rPr lang="en-US" sz="1100" dirty="0"/>
-            </a:br>
-            <a:r>
-              <a:rPr lang="en-US" sz="1600" dirty="0" err="1"/>
-              <a:t>DateTime</a:t>
-            </a:r>
-            <a:r>
-              <a:rPr lang="en-US" sz="1600" dirty="0"/>
-              <a:t> : </a:t>
-            </a:r>
-            <a:br>
-              <a:rPr lang="en-US" sz="1100" dirty="0"/>
-            </a:br>
-            <a:r>
-              <a:rPr lang="en-US" sz="1100" dirty="0"/>
-              <a:t>datetime when the comment has been posted by the user (id user : </a:t>
-            </a:r>
-            <a:r>
-              <a:rPr lang="en-US" sz="1100" dirty="0" err="1"/>
-              <a:t>PostedByUserID</a:t>
-            </a:r>
-            <a:r>
-              <a:rPr lang="en-US" sz="1100" dirty="0"/>
-              <a:t>) </a:t>
-            </a:r>
-            <a:br>
-              <a:rPr lang="en-US" sz="1100" dirty="0"/>
-            </a:br>
-            <a:endParaRPr lang="en-US" sz="1100" dirty="0"/>
-          </a:p>
-          <a:p>
-            <a:endParaRPr lang="en-US" sz="1100" dirty="0"/>
           </a:p>
         </p:txBody>
       </p:sp>
@@ -18798,39 +20818,7 @@
             </a:br>
             <a:r>
               <a:rPr lang="en-US" sz="1400" dirty="0"/>
-              <a:t>INSERT INTO COMMENT (</a:t>
-            </a:r>
-            <a:r>
-              <a:rPr lang="en-US" sz="1400" dirty="0" err="1"/>
-              <a:t>CommentID</a:t>
-            </a:r>
-            <a:r>
-              <a:rPr lang="en-US" sz="1400" dirty="0"/>
-              <a:t>, </a:t>
-            </a:r>
-            <a:r>
-              <a:rPr lang="en-US" sz="1400" dirty="0" err="1"/>
-              <a:t>Comment_DateTime</a:t>
-            </a:r>
-            <a:r>
-              <a:rPr lang="en-US" sz="1400" dirty="0"/>
-              <a:t>, Content, </a:t>
-            </a:r>
-            <a:r>
-              <a:rPr lang="en-US" sz="1400" dirty="0" err="1"/>
-              <a:t>PostedBy_UserID</a:t>
-            </a:r>
-            <a:r>
-              <a:rPr lang="en-US" sz="1400" dirty="0"/>
-              <a:t>, </a:t>
-            </a:r>
-            <a:r>
-              <a:rPr lang="en-US" sz="1400" dirty="0" err="1"/>
-              <a:t>ReplyTo_PostID</a:t>
-            </a:r>
-            <a:r>
-              <a:rPr lang="en-US" sz="1400" dirty="0"/>
-              <a:t>)</a:t>
+              <a:t>INSERT INTO POST (UserID_1, UserID_2)</a:t>
             </a:r>
             <a:br>
               <a:rPr lang="en-US" sz="1400" dirty="0"/>
@@ -18844,14 +20832,7 @@
             </a:br>
             <a:r>
               <a:rPr lang="en-US" sz="1400" dirty="0"/>
-              <a:t>	(),</a:t>
-            </a:r>
-            <a:br>
-              <a:rPr lang="en-US" sz="1400" dirty="0"/>
-            </a:br>
-            <a:r>
-              <a:rPr lang="en-US" sz="1400" dirty="0"/>
-              <a:t>	() </a:t>
+              <a:t>	()</a:t>
             </a:r>
             <a:br>
               <a:rPr lang="en-US" sz="1400" dirty="0"/>
@@ -18870,7 +20851,7 @@
     </p:spTree>
     <p:extLst>
       <p:ext uri="{BB962C8B-B14F-4D97-AF65-F5344CB8AC3E}">
-        <p14:creationId xmlns:p14="http://schemas.microsoft.com/office/powerpoint/2010/main" val="1502088774"/>
+        <p14:creationId xmlns:p14="http://schemas.microsoft.com/office/powerpoint/2010/main" val="3884551746"/>
       </p:ext>
     </p:extLst>
   </p:cSld>
@@ -18927,7 +20908,7 @@
           <a:p>
             <a:r>
               <a:rPr lang="en-US" dirty="0"/>
-              <a:t>SQL Requests (6)</a:t>
+              <a:t>SQL Requests (5)</a:t>
             </a:r>
           </a:p>
         </p:txBody>
@@ -18970,7 +20951,7 @@
             </a:pPr>
             <a:r>
               <a:rPr lang="en-US" sz="2000" u="sng" dirty="0"/>
-              <a:t>ANSWER</a:t>
+              <a:t>COMMENT</a:t>
             </a:r>
           </a:p>
           <a:p>
@@ -18994,7 +20975,7 @@
                   <a:srgbClr val="FF0000"/>
                 </a:solidFill>
               </a:rPr>
-              <a:t>ANSWER</a:t>
+              <a:t>COMMENT </a:t>
             </a:r>
             <a:br>
               <a:rPr lang="en-US" sz="1400" dirty="0"/>
@@ -19016,7 +20997,7 @@
                   <a:srgbClr val="FF0000"/>
                 </a:solidFill>
               </a:rPr>
-              <a:t>AnswerID</a:t>
+              <a:t>CommentID</a:t>
             </a:r>
             <a:r>
               <a:rPr lang="en-US" sz="1400" dirty="0"/>
@@ -19055,7 +21036,7 @@
                   <a:srgbClr val="FF0000"/>
                 </a:solidFill>
               </a:rPr>
-              <a:t>Answer</a:t>
+              <a:t>Comment</a:t>
             </a:r>
             <a:r>
               <a:rPr lang="en-US" sz="1400" dirty="0" err="1"/>
@@ -19114,7 +21095,7 @@
             </a:r>
             <a:r>
               <a:rPr lang="en-US" sz="1400" dirty="0"/>
-              <a:t> DEFAULT '' ,</a:t>
+              <a:t> DEFAULT ‘’ “,</a:t>
             </a:r>
             <a:br>
               <a:rPr lang="en-US" sz="1400" dirty="0"/>
@@ -19160,7 +21141,7 @@
                   <a:srgbClr val="FF0000"/>
                 </a:solidFill>
               </a:rPr>
-              <a:t>ReplyTo_CommentID</a:t>
+              <a:t>ReplyTo_PostID</a:t>
             </a:r>
             <a:r>
               <a:rPr lang="en-US" sz="1400" dirty="0"/>
@@ -19187,7 +21168,7 @@
             </a:r>
             <a:r>
               <a:rPr lang="en-US" sz="1400" dirty="0" err="1"/>
-              <a:t>AnswerID</a:t>
+              <a:t>CommentID</a:t>
             </a:r>
             <a:r>
               <a:rPr lang="en-US" sz="1400" dirty="0"/>
@@ -19225,15 +21206,15 @@
             </a:r>
             <a:r>
               <a:rPr lang="en-US" sz="1400" dirty="0" err="1"/>
-              <a:t>ReplyTo_CommentID</a:t>
-            </a:r>
-            <a:r>
-              <a:rPr lang="en-US" sz="1400" dirty="0"/>
-              <a:t>) REFERENCES COMMENT(</a:t>
+              <a:t>ReplyTo_PostID</a:t>
+            </a:r>
+            <a:r>
+              <a:rPr lang="en-US" sz="1400" dirty="0"/>
+              <a:t>) REFERENCES POST(</a:t>
             </a:r>
             <a:r>
               <a:rPr lang="en-US" sz="1400" dirty="0" err="1"/>
-              <a:t>CommentID</a:t>
+              <a:t>PostID</a:t>
             </a:r>
             <a:r>
               <a:rPr lang="en-US" sz="1400" dirty="0"/>
@@ -19285,7 +21266,7 @@
           <a:p>
             <a:r>
               <a:rPr lang="en-US" sz="1600" dirty="0" err="1"/>
-              <a:t>NaC</a:t>
+              <a:t>NaP</a:t>
             </a:r>
             <a:r>
               <a:rPr lang="en-US" sz="1600" dirty="0"/>
@@ -19310,7 +21291,7 @@
             </a:br>
             <a:r>
               <a:rPr lang="en-US" sz="1100" dirty="0"/>
-              <a:t>datetime when the answer has been posted by the user (id user : </a:t>
+              <a:t>datetime when the comment has been posted by the user (id user : </a:t>
             </a:r>
             <a:r>
               <a:rPr lang="en-US" sz="1100" dirty="0" err="1"/>
@@ -19528,76 +21509,77 @@
           </a:lstStyle>
           <a:p>
             <a:pPr marL="0" indent="0">
+              <a:buFont typeface="Arial" panose="020B0604020202020204" pitchFamily="34" charset="0"/>
               <a:buNone/>
             </a:pPr>
             <a:br>
               <a:rPr lang="en-US" sz="500" u="sng" dirty="0"/>
             </a:br>
             <a:br>
-              <a:rPr lang="en-US" sz="1300" u="sng" dirty="0"/>
-            </a:br>
-            <a:r>
-              <a:rPr lang="en-US" sz="1300" dirty="0"/>
-              <a:t>INSERT INTO COMMENT_ANSWER (</a:t>
-            </a:r>
-            <a:r>
-              <a:rPr lang="en-US" sz="1300" dirty="0" err="1"/>
-              <a:t>AnswerID</a:t>
-            </a:r>
-            <a:r>
-              <a:rPr lang="en-US" sz="1300" dirty="0"/>
+              <a:rPr lang="en-US" sz="2000" u="sng" dirty="0"/>
+            </a:br>
+            <a:r>
+              <a:rPr lang="en-US" sz="1400" dirty="0"/>
+              <a:t>INSERT INTO COMMENT (</a:t>
+            </a:r>
+            <a:r>
+              <a:rPr lang="en-US" sz="1400" dirty="0" err="1"/>
+              <a:t>CommentID</a:t>
+            </a:r>
+            <a:r>
+              <a:rPr lang="en-US" sz="1400" dirty="0"/>
               <a:t>, </a:t>
             </a:r>
             <a:r>
-              <a:rPr lang="en-US" sz="1300" dirty="0" err="1"/>
-              <a:t>Answer_DateTime</a:t>
-            </a:r>
-            <a:r>
-              <a:rPr lang="en-US" sz="1300" dirty="0"/>
+              <a:rPr lang="en-US" sz="1400" dirty="0" err="1"/>
+              <a:t>Comment_DateTime</a:t>
+            </a:r>
+            <a:r>
+              <a:rPr lang="en-US" sz="1400" dirty="0"/>
               <a:t>, Content, </a:t>
             </a:r>
             <a:r>
-              <a:rPr lang="en-US" sz="1300" dirty="0" err="1"/>
+              <a:rPr lang="en-US" sz="1400" dirty="0" err="1"/>
               <a:t>PostedBy_UserID</a:t>
             </a:r>
             <a:r>
-              <a:rPr lang="en-US" sz="1300" dirty="0"/>
+              <a:rPr lang="en-US" sz="1400" dirty="0"/>
               <a:t>, </a:t>
             </a:r>
             <a:r>
-              <a:rPr lang="en-US" sz="1300" dirty="0" err="1"/>
-              <a:t>ReplyTo_CommentID</a:t>
-            </a:r>
-            <a:r>
-              <a:rPr lang="en-US" sz="1300" dirty="0"/>
+              <a:rPr lang="en-US" sz="1400" dirty="0" err="1"/>
+              <a:t>ReplyTo_PostID</a:t>
+            </a:r>
+            <a:r>
+              <a:rPr lang="en-US" sz="1400" dirty="0"/>
               <a:t>)</a:t>
             </a:r>
             <a:br>
-              <a:rPr lang="en-US" sz="1300" dirty="0"/>
-            </a:br>
-            <a:r>
-              <a:rPr lang="en-US" sz="1300" dirty="0"/>
+              <a:rPr lang="en-US" sz="1400" dirty="0"/>
+            </a:br>
+            <a:r>
+              <a:rPr lang="en-US" sz="1400" dirty="0"/>
               <a:t>VALUES(</a:t>
             </a:r>
             <a:br>
-              <a:rPr lang="en-US" sz="1300" dirty="0"/>
-            </a:br>
-            <a:r>
-              <a:rPr lang="en-US" sz="1300" dirty="0"/>
+              <a:rPr lang="en-US" sz="1400" dirty="0"/>
+            </a:br>
+            <a:r>
+              <a:rPr lang="en-US" sz="1400" dirty="0"/>
               <a:t>	(),</a:t>
             </a:r>
             <a:br>
-              <a:rPr lang="en-US" sz="1300" dirty="0"/>
-            </a:br>
-            <a:r>
-              <a:rPr lang="en-US" sz="1300" dirty="0"/>
+              <a:rPr lang="en-US" sz="1400" dirty="0"/>
+            </a:br>
+            <a:r>
+              <a:rPr lang="en-US" sz="1400" dirty="0"/>
               <a:t>	() </a:t>
             </a:r>
             <a:br>
-              <a:rPr lang="en-US" sz="1300" dirty="0"/>
-            </a:br>
-            <a:r>
-              <a:rPr lang="en-US" sz="1300" dirty="0"/>
+              <a:rPr lang="en-US" sz="1400" dirty="0"/>
+            </a:br>
+            <a:r>
+              <a:rPr lang="en-US" sz="1400" dirty="0"/>
               <a:t>) </a:t>
             </a:r>
             <a:br>
@@ -19610,7 +21592,7 @@
     </p:spTree>
     <p:extLst>
       <p:ext uri="{BB962C8B-B14F-4D97-AF65-F5344CB8AC3E}">
-        <p14:creationId xmlns:p14="http://schemas.microsoft.com/office/powerpoint/2010/main" val="31724534"/>
+        <p14:creationId xmlns:p14="http://schemas.microsoft.com/office/powerpoint/2010/main" val="1502088774"/>
       </p:ext>
     </p:extLst>
   </p:cSld>
@@ -19667,7 +21649,7 @@
           <a:p>
             <a:r>
               <a:rPr lang="en-US" dirty="0"/>
-              <a:t>SQL Requests (8)</a:t>
+              <a:t>SQL Requests (6)</a:t>
             </a:r>
           </a:p>
         </p:txBody>
@@ -19710,7 +21692,7 @@
             </a:pPr>
             <a:r>
               <a:rPr lang="en-US" sz="2000" u="sng" dirty="0"/>
-              <a:t>MEDIA</a:t>
+              <a:t>ANSWER</a:t>
             </a:r>
           </a:p>
           <a:p>
@@ -19734,7 +21716,7 @@
                   <a:srgbClr val="FF0000"/>
                 </a:solidFill>
               </a:rPr>
-              <a:t>MEDIA</a:t>
+              <a:t>ANSWER</a:t>
             </a:r>
             <a:br>
               <a:rPr lang="en-US" sz="1400" dirty="0"/>
@@ -19756,7 +21738,7 @@
                   <a:srgbClr val="FF0000"/>
                 </a:solidFill>
               </a:rPr>
-              <a:t>MediaID</a:t>
+              <a:t>AnswerID</a:t>
             </a:r>
             <a:r>
               <a:rPr lang="en-US" sz="1400" dirty="0"/>
@@ -19776,7 +21758,7 @@
             </a:r>
             <a:r>
               <a:rPr lang="en-US" sz="1400" dirty="0" err="1"/>
-              <a:t>NaM</a:t>
+              <a:t>NaC</a:t>
             </a:r>
             <a:r>
               <a:rPr lang="en-US" sz="1400" dirty="0"/>
@@ -19790,16 +21772,59 @@
               <a:t>	</a:t>
             </a:r>
             <a:r>
+              <a:rPr lang="en-US" sz="1400" dirty="0" err="1">
+                <a:solidFill>
+                  <a:srgbClr val="FF0000"/>
+                </a:solidFill>
+              </a:rPr>
+              <a:t>Answer</a:t>
+            </a:r>
+            <a:r>
+              <a:rPr lang="en-US" sz="1400" dirty="0" err="1"/>
+              <a:t>_</a:t>
+            </a:r>
+            <a:r>
+              <a:rPr lang="en-US" sz="1400" dirty="0" err="1">
+                <a:solidFill>
+                  <a:srgbClr val="FF0000"/>
+                </a:solidFill>
+              </a:rPr>
+              <a:t>DateTime</a:t>
+            </a:r>
+            <a:r>
+              <a:rPr lang="en-US" sz="1400" dirty="0"/>
+              <a:t>  DATETIME </a:t>
+            </a:r>
+            <a:r>
               <a:rPr lang="en-US" sz="1400" dirty="0">
                 <a:solidFill>
+                  <a:schemeClr val="accent1"/>
+                </a:solidFill>
+              </a:rPr>
+              <a:t>NOT NULL </a:t>
+            </a:r>
+            <a:r>
+              <a:rPr lang="en-US" sz="1400" dirty="0"/>
+              <a:t>DEFAULT NOW(),</a:t>
+            </a:r>
+            <a:br>
+              <a:rPr lang="en-US" sz="1400" dirty="0"/>
+            </a:br>
+            <a:r>
+              <a:rPr lang="en-US" sz="1400" dirty="0"/>
+              <a:t>	</a:t>
+            </a:r>
+            <a:r>
+              <a:rPr lang="en-US" sz="1400" dirty="0">
+                <a:solidFill>
                   <a:srgbClr val="FF0000"/>
                 </a:solidFill>
               </a:rPr>
-              <a:t>Path</a:t>
-            </a:r>
-            <a:r>
-              <a:rPr lang="en-US" sz="1400" dirty="0"/>
-              <a:t> VARCHAR(256) </a:t>
+              <a:t>Content </a:t>
+            </a:r>
+            <a:r>
+              <a:rPr lang="en-US" sz="1400" dirty="0"/>
+              <a:t>VARCHAR(2048) </a:t>
             </a:r>
             <a:r>
               <a:rPr lang="en-US" sz="1400" dirty="0">
@@ -19811,7 +21836,7 @@
             </a:r>
             <a:r>
               <a:rPr lang="en-US" sz="1400" dirty="0"/>
-              <a:t>  DEFAULT ‘’,</a:t>
+              <a:t> DEFAULT '' ,</a:t>
             </a:r>
             <a:br>
               <a:rPr lang="en-US" sz="1400" dirty="0"/>
@@ -19821,12 +21846,12 @@
               <a:t>	</a:t>
             </a:r>
             <a:r>
-              <a:rPr lang="en-US" sz="1400" dirty="0">
+              <a:rPr lang="en-US" sz="1400" dirty="0" err="1">
                 <a:solidFill>
                   <a:srgbClr val="FF0000"/>
                 </a:solidFill>
               </a:rPr>
-              <a:t>Type</a:t>
+              <a:t>PostedBy_UserID</a:t>
             </a:r>
             <a:r>
               <a:rPr lang="en-US" sz="1400" dirty="0"/>
@@ -19842,7 +21867,38 @@
             </a:r>
             <a:r>
               <a:rPr lang="en-US" sz="1400" dirty="0"/>
-              <a:t>  DEFAULT ‘jpg’,</a:t>
+              <a:t>, </a:t>
+            </a:r>
+            <a:br>
+              <a:rPr lang="en-US" sz="1400" dirty="0"/>
+            </a:br>
+            <a:r>
+              <a:rPr lang="en-US" sz="1400" dirty="0"/>
+              <a:t>	</a:t>
+            </a:r>
+            <a:r>
+              <a:rPr lang="en-US" sz="1400" dirty="0" err="1">
+                <a:solidFill>
+                  <a:srgbClr val="FF0000"/>
+                </a:solidFill>
+              </a:rPr>
+              <a:t>ReplyTo_CommentID</a:t>
+            </a:r>
+            <a:r>
+              <a:rPr lang="en-US" sz="1400" dirty="0"/>
+              <a:t> VARCHAR(50) </a:t>
+            </a:r>
+            <a:r>
+              <a:rPr lang="en-US" sz="1400" dirty="0">
+                <a:solidFill>
+                  <a:schemeClr val="accent1"/>
+                </a:solidFill>
+              </a:rPr>
+              <a:t>NOT NULL</a:t>
+            </a:r>
+            <a:r>
+              <a:rPr lang="en-US" sz="1400" dirty="0"/>
+              <a:t>,</a:t>
             </a:r>
             <a:br>
               <a:rPr lang="en-US" sz="1400" dirty="0"/>
@@ -19853,7 +21909,7 @@
             </a:r>
             <a:r>
               <a:rPr lang="en-US" sz="1400" dirty="0" err="1"/>
-              <a:t>MediaID</a:t>
+              <a:t>AnswerID</a:t>
             </a:r>
             <a:r>
               <a:rPr lang="en-US" sz="1400" dirty="0"/>
@@ -19868,15 +21924,38 @@
             </a:r>
             <a:r>
               <a:rPr lang="en-US" sz="1400" dirty="0" err="1"/>
-              <a:t>PostID</a:t>
-            </a:r>
-            <a:r>
-              <a:rPr lang="en-US" sz="1400" dirty="0"/>
-              <a:t>) REFERENCES POST(</a:t>
+              <a:t>PostedBy_UserID</a:t>
+            </a:r>
+            <a:r>
+              <a:rPr lang="en-US" sz="1400" dirty="0"/>
+              <a:t>) REFERENCES USER(</a:t>
             </a:r>
             <a:r>
               <a:rPr lang="en-US" sz="1400" dirty="0" err="1"/>
-              <a:t>PostID</a:t>
+              <a:t>UserID</a:t>
+            </a:r>
+            <a:r>
+              <a:rPr lang="en-US" sz="1400" dirty="0"/>
+              <a:t>),</a:t>
+            </a:r>
+            <a:br>
+              <a:rPr lang="en-US" sz="1400" dirty="0"/>
+            </a:br>
+            <a:r>
+              <a:rPr lang="en-US" sz="1400" dirty="0"/>
+              <a:t>	FOREIGN KEY(</a:t>
+            </a:r>
+            <a:r>
+              <a:rPr lang="en-US" sz="1400" dirty="0" err="1"/>
+              <a:t>ReplyTo_CommentID</a:t>
+            </a:r>
+            <a:r>
+              <a:rPr lang="en-US" sz="1400" dirty="0"/>
+              <a:t>) REFERENCES COMMENT(</a:t>
+            </a:r>
+            <a:r>
+              <a:rPr lang="en-US" sz="1400" dirty="0" err="1"/>
+              <a:t>CommentID</a:t>
             </a:r>
             <a:r>
               <a:rPr lang="en-US" sz="1400" dirty="0"/>
@@ -19908,7 +21987,7 @@
         <p:spPr>
           <a:xfrm>
             <a:off x="9608878" y="1420893"/>
-            <a:ext cx="2344998" cy="1015663"/>
+            <a:ext cx="2344998" cy="1600438"/>
           </a:xfrm>
           <a:prstGeom prst="rect">
             <a:avLst/>
@@ -19928,11 +22007,11 @@
           <a:p>
             <a:r>
               <a:rPr lang="en-US" sz="1600" dirty="0" err="1"/>
-              <a:t>NaP</a:t>
+              <a:t>NaC</a:t>
             </a:r>
             <a:r>
               <a:rPr lang="en-US" sz="1600" dirty="0"/>
-              <a:t> : Not a Media</a:t>
+              <a:t> : Not a Comment</a:t>
             </a:r>
             <a:br>
               <a:rPr lang="en-US" sz="1100" dirty="0"/>
@@ -19940,6 +22019,29 @@
             <a:br>
               <a:rPr lang="en-US" sz="1100" dirty="0"/>
             </a:br>
+            <a:r>
+              <a:rPr lang="en-US" sz="1600" dirty="0" err="1"/>
+              <a:t>DateTime</a:t>
+            </a:r>
+            <a:r>
+              <a:rPr lang="en-US" sz="1600" dirty="0"/>
+              <a:t> : </a:t>
+            </a:r>
+            <a:br>
+              <a:rPr lang="en-US" sz="1100" dirty="0"/>
+            </a:br>
+            <a:r>
+              <a:rPr lang="en-US" sz="1100" dirty="0"/>
+              <a:t>datetime when the answer has been posted by the user (id user : </a:t>
+            </a:r>
+            <a:r>
+              <a:rPr lang="en-US" sz="1100" dirty="0" err="1"/>
+              <a:t>PostedByUserID</a:t>
+            </a:r>
+            <a:r>
+              <a:rPr lang="en-US" sz="1100" dirty="0"/>
+              <a:t>) </a:t>
+            </a:r>
             <a:br>
               <a:rPr lang="en-US" sz="1100" dirty="0"/>
             </a:br>
@@ -20158,15 +22260,39 @@
             </a:br>
             <a:r>
               <a:rPr lang="en-US" sz="1300" dirty="0"/>
-              <a:t>INSERT INTO MEDIA (</a:t>
+              <a:t>INSERT INTO COMMENT_ANSWER (</a:t>
             </a:r>
             <a:r>
               <a:rPr lang="en-US" sz="1300" dirty="0" err="1"/>
-              <a:t>MediaID</a:t>
+              <a:t>AnswerID</a:t>
             </a:r>
             <a:r>
               <a:rPr lang="en-US" sz="1300" dirty="0"/>
-              <a:t>, Path, Type)</a:t>
+              <a:t>, </a:t>
+            </a:r>
+            <a:r>
+              <a:rPr lang="en-US" sz="1300" dirty="0" err="1"/>
+              <a:t>Answer_DateTime</a:t>
+            </a:r>
+            <a:r>
+              <a:rPr lang="en-US" sz="1300" dirty="0"/>
+              <a:t>, Content, </a:t>
+            </a:r>
+            <a:r>
+              <a:rPr lang="en-US" sz="1300" dirty="0" err="1"/>
+              <a:t>PostedBy_UserID</a:t>
+            </a:r>
+            <a:r>
+              <a:rPr lang="en-US" sz="1300" dirty="0"/>
+              <a:t>, </a:t>
+            </a:r>
+            <a:r>
+              <a:rPr lang="en-US" sz="1300" dirty="0" err="1"/>
+              <a:t>ReplyTo_CommentID</a:t>
+            </a:r>
+            <a:r>
+              <a:rPr lang="en-US" sz="1300" dirty="0"/>
+              <a:t>)</a:t>
             </a:r>
             <a:br>
               <a:rPr lang="en-US" sz="1300" dirty="0"/>
@@ -20180,7 +22306,14 @@
             </a:br>
             <a:r>
               <a:rPr lang="en-US" sz="1300" dirty="0"/>
-              <a:t>	(‘M1’,‘./test’, ‘image’)</a:t>
+              <a:t>	(),</a:t>
+            </a:r>
+            <a:br>
+              <a:rPr lang="en-US" sz="1300" dirty="0"/>
+            </a:br>
+            <a:r>
+              <a:rPr lang="en-US" sz="1300" dirty="0"/>
+              <a:t>	() </a:t>
             </a:r>
             <a:br>
               <a:rPr lang="en-US" sz="1300" dirty="0"/>
@@ -20199,7 +22332,7 @@
     </p:spTree>
     <p:extLst>
       <p:ext uri="{BB962C8B-B14F-4D97-AF65-F5344CB8AC3E}">
-        <p14:creationId xmlns:p14="http://schemas.microsoft.com/office/powerpoint/2010/main" val="2356148919"/>
+        <p14:creationId xmlns:p14="http://schemas.microsoft.com/office/powerpoint/2010/main" val="31724534"/>
       </p:ext>
     </p:extLst>
   </p:cSld>
@@ -20502,4 +22635,299 @@
     </a:ext>
   </a:extLst>
 </a:theme>
+</file>
+
+<file path=ppt/theme/theme2.xml><?xml version="1.0" encoding="utf-8"?>
+<a:theme xmlns:a="http://schemas.openxmlformats.org/drawingml/2006/main" name="Office Theme">
+  <a:themeElements>
+    <a:clrScheme name="Office">
+      <a:dk1>
+        <a:sysClr val="windowText" lastClr="000000"/>
+      </a:dk1>
+      <a:lt1>
+        <a:sysClr val="window" lastClr="FFFFFF"/>
+      </a:lt1>
+      <a:dk2>
+        <a:srgbClr val="44546A"/>
+      </a:dk2>
+      <a:lt2>
+        <a:srgbClr val="E7E6E6"/>
+      </a:lt2>
+      <a:accent1>
+        <a:srgbClr val="4472C4"/>
+      </a:accent1>
+      <a:accent2>
+        <a:srgbClr val="ED7D31"/>
+      </a:accent2>
+      <a:accent3>
+        <a:srgbClr val="A5A5A5"/>
+      </a:accent3>
+      <a:accent4>
+        <a:srgbClr val="FFC000"/>
+      </a:accent4>
+      <a:accent5>
+        <a:srgbClr val="5B9BD5"/>
+      </a:accent5>
+      <a:accent6>
+        <a:srgbClr val="70AD47"/>
+      </a:accent6>
+      <a:hlink>
+        <a:srgbClr val="0563C1"/>
+      </a:hlink>
+      <a:folHlink>
+        <a:srgbClr val="954F72"/>
+      </a:folHlink>
+    </a:clrScheme>
+    <a:fontScheme name="Office">
+      <a:majorFont>
+        <a:latin typeface="Calibri Light" panose="020F0302020204030204"/>
+        <a:ea typeface=""/>
+        <a:cs typeface=""/>
+        <a:font script="Jpan" typeface="游ゴシック Light"/>
+        <a:font script="Hang" typeface="맑은 고딕"/>
+        <a:font script="Hans" typeface="等线 Light"/>
+        <a:font script="Hant" typeface="新細明體"/>
+        <a:font script="Arab" typeface="Times New Roman"/>
+        <a:font script="Hebr" typeface="Times New Roman"/>
+        <a:font script="Thai" typeface="Angsana New"/>
+        <a:font script="Ethi" typeface="Nyala"/>
+        <a:font script="Beng" typeface="Vrinda"/>
+        <a:font script="Gujr" typeface="Shruti"/>
+        <a:font script="Khmr" typeface="MoolBoran"/>
+        <a:font script="Knda" typeface="Tunga"/>
+        <a:font script="Guru" typeface="Raavi"/>
+        <a:font script="Cans" typeface="Euphemia"/>
+        <a:font script="Cher" typeface="Plantagenet Cherokee"/>
+        <a:font script="Yiii" typeface="Microsoft Yi Baiti"/>
+        <a:font script="Tibt" typeface="Microsoft Himalaya"/>
+        <a:font script="Thaa" typeface="MV Boli"/>
+        <a:font script="Deva" typeface="Mangal"/>
+        <a:font script="Telu" typeface="Gautami"/>
+        <a:font script="Taml" typeface="Latha"/>
+        <a:font script="Syrc" typeface="Estrangelo Edessa"/>
+        <a:font script="Orya" typeface="Kalinga"/>
+        <a:font script="Mlym" typeface="Kartika"/>
+        <a:font script="Laoo" typeface="DokChampa"/>
+        <a:font script="Sinh" typeface="Iskoola Pota"/>
+        <a:font script="Mong" typeface="Mongolian Baiti"/>
+        <a:font script="Viet" typeface="Times New Roman"/>
+        <a:font script="Uigh" typeface="Microsoft Uighur"/>
+        <a:font script="Geor" typeface="Sylfaen"/>
+        <a:font script="Armn" typeface="Arial"/>
+        <a:font script="Bugi" typeface="Leelawadee UI"/>
+        <a:font script="Bopo" typeface="Microsoft JhengHei"/>
+        <a:font script="Java" typeface="Javanese Text"/>
+        <a:font script="Lisu" typeface="Segoe UI"/>
+        <a:font script="Mymr" typeface="Myanmar Text"/>
+        <a:font script="Nkoo" typeface="Ebrima"/>
+        <a:font script="Olck" typeface="Nirmala UI"/>
+        <a:font script="Osma" typeface="Ebrima"/>
+        <a:font script="Phag" typeface="Phagspa"/>
+        <a:font script="Syrn" typeface="Estrangelo Edessa"/>
+        <a:font script="Syrj" typeface="Estrangelo Edessa"/>
+        <a:font script="Syre" typeface="Estrangelo Edessa"/>
+        <a:font script="Sora" typeface="Nirmala UI"/>
+        <a:font script="Tale" typeface="Microsoft Tai Le"/>
+        <a:font script="Talu" typeface="Microsoft New Tai Lue"/>
+        <a:font script="Tfng" typeface="Ebrima"/>
+      </a:majorFont>
+      <a:minorFont>
+        <a:latin typeface="Calibri" panose="020F0502020204030204"/>
+        <a:ea typeface=""/>
+        <a:cs typeface=""/>
+        <a:font script="Jpan" typeface="游ゴシック"/>
+        <a:font script="Hang" typeface="맑은 고딕"/>
+        <a:font script="Hans" typeface="等线"/>
+        <a:font script="Hant" typeface="新細明體"/>
+        <a:font script="Arab" typeface="Arial"/>
+        <a:font script="Hebr" typeface="Arial"/>
+        <a:font script="Thai" typeface="Cordia New"/>
+        <a:font script="Ethi" typeface="Nyala"/>
+        <a:font script="Beng" typeface="Vrinda"/>
+        <a:font script="Gujr" typeface="Shruti"/>
+        <a:font script="Khmr" typeface="DaunPenh"/>
+        <a:font script="Knda" typeface="Tunga"/>
+        <a:font script="Guru" typeface="Raavi"/>
+        <a:font script="Cans" typeface="Euphemia"/>
+        <a:font script="Cher" typeface="Plantagenet Cherokee"/>
+        <a:font script="Yiii" typeface="Microsoft Yi Baiti"/>
+        <a:font script="Tibt" typeface="Microsoft Himalaya"/>
+        <a:font script="Thaa" typeface="MV Boli"/>
+        <a:font script="Deva" typeface="Mangal"/>
+        <a:font script="Telu" typeface="Gautami"/>
+        <a:font script="Taml" typeface="Latha"/>
+        <a:font script="Syrc" typeface="Estrangelo Edessa"/>
+        <a:font script="Orya" typeface="Kalinga"/>
+        <a:font script="Mlym" typeface="Kartika"/>
+        <a:font script="Laoo" typeface="DokChampa"/>
+        <a:font script="Sinh" typeface="Iskoola Pota"/>
+        <a:font script="Mong" typeface="Mongolian Baiti"/>
+        <a:font script="Viet" typeface="Arial"/>
+        <a:font script="Uigh" typeface="Microsoft Uighur"/>
+        <a:font script="Geor" typeface="Sylfaen"/>
+        <a:font script="Armn" typeface="Arial"/>
+        <a:font script="Bugi" typeface="Leelawadee UI"/>
+        <a:font script="Bopo" typeface="Microsoft JhengHei"/>
+        <a:font script="Java" typeface="Javanese Text"/>
+        <a:font script="Lisu" typeface="Segoe UI"/>
+        <a:font script="Mymr" typeface="Myanmar Text"/>
+        <a:font script="Nkoo" typeface="Ebrima"/>
+        <a:font script="Olck" typeface="Nirmala UI"/>
+        <a:font script="Osma" typeface="Ebrima"/>
+        <a:font script="Phag" typeface="Phagspa"/>
+        <a:font script="Syrn" typeface="Estrangelo Edessa"/>
+        <a:font script="Syrj" typeface="Estrangelo Edessa"/>
+        <a:font script="Syre" typeface="Estrangelo Edessa"/>
+        <a:font script="Sora" typeface="Nirmala UI"/>
+        <a:font script="Tale" typeface="Microsoft Tai Le"/>
+        <a:font script="Talu" typeface="Microsoft New Tai Lue"/>
+        <a:font script="Tfng" typeface="Ebrima"/>
+      </a:minorFont>
+    </a:fontScheme>
+    <a:fmtScheme name="Office">
+      <a:fillStyleLst>
+        <a:solidFill>
+          <a:schemeClr val="phClr"/>
+        </a:solidFill>
+        <a:gradFill rotWithShape="1">
+          <a:gsLst>
+            <a:gs pos="0">
+              <a:schemeClr val="phClr">
+                <a:lumMod val="110000"/>
+                <a:satMod val="105000"/>
+                <a:tint val="67000"/>
+              </a:schemeClr>
+            </a:gs>
+            <a:gs pos="50000">
+              <a:schemeClr val="phClr">
+                <a:lumMod val="105000"/>
+                <a:satMod val="103000"/>
+                <a:tint val="73000"/>
+              </a:schemeClr>
+            </a:gs>
+            <a:gs pos="100000">
+              <a:schemeClr val="phClr">
+                <a:lumMod val="105000"/>
+                <a:satMod val="109000"/>
+                <a:tint val="81000"/>
+              </a:schemeClr>
+            </a:gs>
+          </a:gsLst>
+          <a:lin ang="5400000" scaled="0"/>
+        </a:gradFill>
+        <a:gradFill rotWithShape="1">
+          <a:gsLst>
+            <a:gs pos="0">
+              <a:schemeClr val="phClr">
+                <a:satMod val="103000"/>
+                <a:lumMod val="102000"/>
+                <a:tint val="94000"/>
+              </a:schemeClr>
+            </a:gs>
+            <a:gs pos="50000">
+              <a:schemeClr val="phClr">
+                <a:satMod val="110000"/>
+                <a:lumMod val="100000"/>
+                <a:shade val="100000"/>
+              </a:schemeClr>
+            </a:gs>
+            <a:gs pos="100000">
+              <a:schemeClr val="phClr">
+                <a:lumMod val="99000"/>
+                <a:satMod val="120000"/>
+                <a:shade val="78000"/>
+              </a:schemeClr>
+            </a:gs>
+          </a:gsLst>
+          <a:lin ang="5400000" scaled="0"/>
+        </a:gradFill>
+      </a:fillStyleLst>
+      <a:lnStyleLst>
+        <a:ln w="6350" cap="flat" cmpd="sng" algn="ctr">
+          <a:solidFill>
+            <a:schemeClr val="phClr"/>
+          </a:solidFill>
+          <a:prstDash val="solid"/>
+          <a:miter lim="800000"/>
+        </a:ln>
+        <a:ln w="12700" cap="flat" cmpd="sng" algn="ctr">
+          <a:solidFill>
+            <a:schemeClr val="phClr"/>
+          </a:solidFill>
+          <a:prstDash val="solid"/>
+          <a:miter lim="800000"/>
+        </a:ln>
+        <a:ln w="19050" cap="flat" cmpd="sng" algn="ctr">
+          <a:solidFill>
+            <a:schemeClr val="phClr"/>
+          </a:solidFill>
+          <a:prstDash val="solid"/>
+          <a:miter lim="800000"/>
+        </a:ln>
+      </a:lnStyleLst>
+      <a:effectStyleLst>
+        <a:effectStyle>
+          <a:effectLst/>
+        </a:effectStyle>
+        <a:effectStyle>
+          <a:effectLst/>
+        </a:effectStyle>
+        <a:effectStyle>
+          <a:effectLst>
+            <a:outerShdw blurRad="57150" dist="19050" dir="5400000" algn="ctr" rotWithShape="0">
+              <a:srgbClr val="000000">
+                <a:alpha val="63000"/>
+              </a:srgbClr>
+            </a:outerShdw>
+          </a:effectLst>
+        </a:effectStyle>
+      </a:effectStyleLst>
+      <a:bgFillStyleLst>
+        <a:solidFill>
+          <a:schemeClr val="phClr"/>
+        </a:solidFill>
+        <a:solidFill>
+          <a:schemeClr val="phClr">
+            <a:tint val="95000"/>
+            <a:satMod val="170000"/>
+          </a:schemeClr>
+        </a:solidFill>
+        <a:gradFill rotWithShape="1">
+          <a:gsLst>
+            <a:gs pos="0">
+              <a:schemeClr val="phClr">
+                <a:tint val="93000"/>
+                <a:satMod val="150000"/>
+                <a:shade val="98000"/>
+                <a:lumMod val="102000"/>
+              </a:schemeClr>
+            </a:gs>
+            <a:gs pos="50000">
+              <a:schemeClr val="phClr">
+                <a:tint val="98000"/>
+                <a:satMod val="130000"/>
+                <a:shade val="90000"/>
+                <a:lumMod val="103000"/>
+              </a:schemeClr>
+            </a:gs>
+            <a:gs pos="100000">
+              <a:schemeClr val="phClr">
+                <a:shade val="63000"/>
+                <a:satMod val="120000"/>
+              </a:schemeClr>
+            </a:gs>
+          </a:gsLst>
+          <a:lin ang="5400000" scaled="0"/>
+        </a:gradFill>
+      </a:bgFillStyleLst>
+    </a:fmtScheme>
+  </a:themeElements>
+  <a:objectDefaults/>
+  <a:extraClrSchemeLst/>
+  <a:extLst>
+    <a:ext uri="{05A4C25C-085E-4340-85A3-A5531E510DB2}">
+      <thm15:themeFamily xmlns:thm15="http://schemas.microsoft.com/office/thememl/2012/main" name="Office Theme" id="{62F939B6-93AF-4DB8-9C6B-D6C7DFDC589F}" vid="{4A3C46E8-61CC-4603-A589-7422A47A8E4A}"/>
+    </a:ext>
+  </a:extLst>
+</a:theme>
 </file>